--- a/docs/presentation/Adriano Vega - Presentación TFM.pptx
+++ b/docs/presentation/Adriano Vega - Presentación TFM.pptx
@@ -54,23 +54,25 @@
     <p:sldId id="299" r:id="rId49"/>
     <p:sldId id="300" r:id="rId50"/>
     <p:sldId id="301" r:id="rId51"/>
+    <p:sldId id="302" r:id="rId52"/>
+    <p:sldId id="303" r:id="rId53"/>
   </p:sldIdLst>
   <p:sldSz cy="5143500" cx="9144000"/>
   <p:notesSz cx="6858000" cy="9144000"/>
   <p:embeddedFontLst>
     <p:embeddedFont>
       <p:font typeface="Raleway"/>
-      <p:regular r:id="rId52"/>
-      <p:bold r:id="rId53"/>
-      <p:italic r:id="rId54"/>
-      <p:boldItalic r:id="rId55"/>
+      <p:regular r:id="rId54"/>
+      <p:bold r:id="rId55"/>
+      <p:italic r:id="rId56"/>
+      <p:boldItalic r:id="rId57"/>
     </p:embeddedFont>
     <p:embeddedFont>
       <p:font typeface="Lato"/>
-      <p:regular r:id="rId56"/>
-      <p:bold r:id="rId57"/>
-      <p:italic r:id="rId58"/>
-      <p:boldItalic r:id="rId59"/>
+      <p:regular r:id="rId58"/>
+      <p:bold r:id="rId59"/>
+      <p:italic r:id="rId60"/>
+      <p:boldItalic r:id="rId61"/>
     </p:embeddedFont>
   </p:embeddedFontLst>
   <p:defaultTextStyle>
@@ -852,7 +854,7 @@
   <p:cSld>
     <p:spTree>
       <p:nvGrpSpPr>
-        <p:cNvPr id="153" name="Shape 153"/>
+        <p:cNvPr id="152" name="Shape 152"/>
         <p:cNvGrpSpPr/>
         <p:nvPr/>
       </p:nvGrpSpPr>
@@ -866,7 +868,7 @@
       </p:grpSpPr>
       <p:sp>
         <p:nvSpPr>
-          <p:cNvPr id="154" name="Google Shape;154;g14b7724f5fa_0_66:notes"/>
+          <p:cNvPr id="153" name="Google Shape;153;g14b7724f5fa_0_66:notes"/>
           <p:cNvSpPr/>
           <p:nvPr>
             <p:ph idx="2" type="sldImg"/>
@@ -901,7 +903,7 @@
       </p:sp>
       <p:sp>
         <p:nvSpPr>
-          <p:cNvPr id="155" name="Google Shape;155;g14b7724f5fa_0_66:notes"/>
+          <p:cNvPr id="154" name="Google Shape;154;g14b7724f5fa_0_66:notes"/>
           <p:cNvSpPr txBox="1"/>
           <p:nvPr>
             <p:ph idx="1" type="body"/>
@@ -951,7 +953,7 @@
   <p:cSld>
     <p:spTree>
       <p:nvGrpSpPr>
-        <p:cNvPr id="159" name="Shape 159"/>
+        <p:cNvPr id="158" name="Shape 158"/>
         <p:cNvGrpSpPr/>
         <p:nvPr/>
       </p:nvGrpSpPr>
@@ -965,7 +967,7 @@
       </p:grpSpPr>
       <p:sp>
         <p:nvSpPr>
-          <p:cNvPr id="160" name="Google Shape;160;g69156a04a61dbae8_0:notes"/>
+          <p:cNvPr id="159" name="Google Shape;159;g69156a04a61dbae8_0:notes"/>
           <p:cNvSpPr/>
           <p:nvPr>
             <p:ph idx="2" type="sldImg"/>
@@ -1000,7 +1002,7 @@
       </p:sp>
       <p:sp>
         <p:nvSpPr>
-          <p:cNvPr id="161" name="Google Shape;161;g69156a04a61dbae8_0:notes"/>
+          <p:cNvPr id="160" name="Google Shape;160;g69156a04a61dbae8_0:notes"/>
           <p:cNvSpPr txBox="1"/>
           <p:nvPr>
             <p:ph idx="1" type="body"/>
@@ -1063,7 +1065,15 @@
             </a:pPr>
             <a:r>
               <a:rPr lang="es"/>
-              <a:t>En base a ellas, en cada hito pensábamos cómo se traduiciría a una arquitectura de sistema distribuid. D</a:t>
+              <a:t>En base a ellas, en cada hito pensábamos cómo se </a:t>
+            </a:r>
+            <a:r>
+              <a:rPr lang="es"/>
+              <a:t>traduciría</a:t>
+            </a:r>
+            <a:r>
+              <a:rPr lang="es"/>
+              <a:t> a una arquitectura de sistema distribuido. D</a:t>
             </a:r>
             <a:r>
               <a:rPr lang="es"/>
@@ -1071,7 +1081,7 @@
             </a:r>
             <a:r>
               <a:rPr lang="es"/>
-              <a:t> los componentes que compondrían la solución, sus </a:t>
+              <a:t> los nuevos componentes que compondrían la solución, sus </a:t>
             </a:r>
             <a:r>
               <a:rPr lang="es"/>
@@ -1079,7 +1089,38 @@
             </a:r>
             <a:r>
               <a:rPr lang="es"/>
-              <a:t> y los mecanismos de comunicación empleados. También </a:t>
+              <a:t> y los mecanismos de comunicación empleados.</a:t>
+            </a:r>
+            <a:endParaRPr/>
+          </a:p>
+          <a:p>
+            <a:pPr indent="0" lvl="0" marL="0" rtl="0" algn="l">
+              <a:spcBef>
+                <a:spcPts val="0"/>
+              </a:spcBef>
+              <a:spcAft>
+                <a:spcPts val="0"/>
+              </a:spcAft>
+              <a:buNone/>
+            </a:pPr>
+            <a:r>
+              <a:t/>
+            </a:r>
+            <a:endParaRPr/>
+          </a:p>
+          <a:p>
+            <a:pPr indent="0" lvl="0" marL="0" rtl="0" algn="l">
+              <a:spcBef>
+                <a:spcPts val="0"/>
+              </a:spcBef>
+              <a:spcAft>
+                <a:spcPts val="0"/>
+              </a:spcAft>
+              <a:buNone/>
+            </a:pPr>
+            <a:r>
+              <a:rPr lang="es"/>
+              <a:t>Al final del hito, también </a:t>
             </a:r>
             <a:r>
               <a:rPr lang="es"/>
@@ -1087,7 +1128,7 @@
             </a:r>
             <a:r>
               <a:rPr lang="es"/>
-              <a:t> la parte correspondiente en el prototipo.</a:t>
+              <a:t> estos componentes en nuestro prototipo. Esto nos permitía validar el diseño y refinarlo un poco.</a:t>
             </a:r>
             <a:endParaRPr/>
           </a:p>
@@ -1106,7 +1147,7 @@
   <p:cSld>
     <p:spTree>
       <p:nvGrpSpPr>
-        <p:cNvPr id="166" name="Shape 166"/>
+        <p:cNvPr id="165" name="Shape 165"/>
         <p:cNvGrpSpPr/>
         <p:nvPr/>
       </p:nvGrpSpPr>
@@ -1120,7 +1161,7 @@
       </p:grpSpPr>
       <p:sp>
         <p:nvSpPr>
-          <p:cNvPr id="167" name="Google Shape;167;g14b7724f5fa_0_73:notes"/>
+          <p:cNvPr id="166" name="Google Shape;166;g14b7724f5fa_0_73:notes"/>
           <p:cNvSpPr/>
           <p:nvPr>
             <p:ph idx="2" type="sldImg"/>
@@ -1155,7 +1196,7 @@
       </p:sp>
       <p:sp>
         <p:nvSpPr>
-          <p:cNvPr id="168" name="Google Shape;168;g14b7724f5fa_0_73:notes"/>
+          <p:cNvPr id="167" name="Google Shape;167;g14b7724f5fa_0_73:notes"/>
           <p:cNvSpPr txBox="1"/>
           <p:nvPr>
             <p:ph idx="1" type="body"/>
@@ -1175,46 +1216,6 @@
             <a:noAutofit/>
           </a:bodyPr>
           <a:lstStyle/>
-          <a:p>
-            <a:pPr indent="0" lvl="0" marL="0" rtl="0" algn="l">
-              <a:spcBef>
-                <a:spcPts val="0"/>
-              </a:spcBef>
-              <a:spcAft>
-                <a:spcPts val="0"/>
-              </a:spcAft>
-              <a:buClr>
-                <a:schemeClr val="dk1"/>
-              </a:buClr>
-              <a:buSzPts val="1100"/>
-              <a:buFont typeface="Arial"/>
-              <a:buNone/>
-            </a:pPr>
-            <a:r>
-              <a:rPr lang="es">
-                <a:solidFill>
-                  <a:schemeClr val="dk1"/>
-                </a:solidFill>
-              </a:rPr>
-              <a:t>El primer paso que dimos en nuestro diseño </a:t>
-            </a:r>
-            <a:endParaRPr/>
-          </a:p>
-          <a:p>
-            <a:pPr indent="0" lvl="0" marL="0" rtl="0" algn="l">
-              <a:spcBef>
-                <a:spcPts val="0"/>
-              </a:spcBef>
-              <a:spcAft>
-                <a:spcPts val="0"/>
-              </a:spcAft>
-              <a:buNone/>
-            </a:pPr>
-            <a:r>
-              <a:t/>
-            </a:r>
-            <a:endParaRPr/>
-          </a:p>
           <a:p>
             <a:pPr indent="0" lvl="0" marL="0" rtl="0" algn="l">
               <a:spcBef>
@@ -1289,7 +1290,7 @@
   <p:cSld>
     <p:spTree>
       <p:nvGrpSpPr>
-        <p:cNvPr id="174" name="Shape 174"/>
+        <p:cNvPr id="173" name="Shape 173"/>
         <p:cNvGrpSpPr/>
         <p:nvPr/>
       </p:nvGrpSpPr>
@@ -1303,7 +1304,7 @@
       </p:grpSpPr>
       <p:sp>
         <p:nvSpPr>
-          <p:cNvPr id="175" name="Google Shape;175;g14b7724f5fa_0_79:notes"/>
+          <p:cNvPr id="174" name="Google Shape;174;g14b7724f5fa_0_79:notes"/>
           <p:cNvSpPr/>
           <p:nvPr>
             <p:ph idx="2" type="sldImg"/>
@@ -1338,7 +1339,7 @@
       </p:sp>
       <p:sp>
         <p:nvSpPr>
-          <p:cNvPr id="176" name="Google Shape;176;g14b7724f5fa_0_79:notes"/>
+          <p:cNvPr id="175" name="Google Shape;175;g14b7724f5fa_0_79:notes"/>
           <p:cNvSpPr txBox="1"/>
           <p:nvPr>
             <p:ph idx="1" type="body"/>
@@ -1405,7 +1406,15 @@
             </a:pPr>
             <a:r>
               <a:rPr lang="es"/>
-              <a:t>Esto nos aporta distintos beneficios como puede ser escalar la capacidad computacional individualmente de cada una de ellas u ofrecer implementaciones alternativas de algunas etapas. Por ejemplo, ofrecer distintos tipos de planificadores o ejecutores.</a:t>
+              <a:t>Esto nos aporta distintos beneficios como puede ser escalar la capacidad computacional individualmente de cada una de ellas u ofrecer implementaciones alternativas de algunas etapas. Por ejemplo, ofrecer distintos tipos de planificadores o</a:t>
+            </a:r>
+            <a:r>
+              <a:rPr lang="es"/>
+              <a:t> ejecutores</a:t>
+            </a:r>
+            <a:r>
+              <a:rPr lang="es"/>
+              <a:t>.</a:t>
             </a:r>
             <a:endParaRPr/>
           </a:p>
@@ -1475,7 +1484,7 @@
             </a:pPr>
             <a:r>
               <a:rPr lang="es"/>
-              <a:t>Pero, no nos quedamos aquí. Decidimos ir más allá.</a:t>
+              <a:t>Pero, todavía no hemos cumplido nuestro objetivo de ofrecer un bucle genérico como infraestructura. Los componentes específicos de la solución todavía se despliegan dentro las etapas del bucle. Por lo que fue necesaria una división adicional.</a:t>
             </a:r>
             <a:endParaRPr/>
           </a:p>
@@ -1494,7 +1503,7 @@
   <p:cSld>
     <p:spTree>
       <p:nvGrpSpPr>
-        <p:cNvPr id="182" name="Shape 182"/>
+        <p:cNvPr id="181" name="Shape 181"/>
         <p:cNvGrpSpPr/>
         <p:nvPr/>
       </p:nvGrpSpPr>
@@ -1508,7 +1517,7 @@
       </p:grpSpPr>
       <p:sp>
         <p:nvSpPr>
-          <p:cNvPr id="183" name="Google Shape;183;g14b7724f5fa_0_86:notes"/>
+          <p:cNvPr id="182" name="Google Shape;182;g14b7724f5fa_0_86:notes"/>
           <p:cNvSpPr/>
           <p:nvPr>
             <p:ph idx="2" type="sldImg"/>
@@ -1543,7 +1552,7 @@
       </p:sp>
       <p:sp>
         <p:nvSpPr>
-          <p:cNvPr id="184" name="Google Shape;184;g14b7724f5fa_0_86:notes"/>
+          <p:cNvPr id="183" name="Google Shape;183;g14b7724f5fa_0_86:notes"/>
           <p:cNvSpPr txBox="1"/>
           <p:nvPr>
             <p:ph idx="1" type="body"/>
@@ -1575,7 +1584,7 @@
             </a:pPr>
             <a:r>
               <a:rPr lang="es"/>
-              <a:t>Hicimos una división adicional donde separamos el bucle de control de los elementos específicos de una solución autoadaptativa. Por ejemplo, los monitores,  reglas de adaptación para el sistema de climatización tendrían su propio microservicio.</a:t>
+              <a:t>Aquí separamos el bucle de control de los elementos específicos de una solución autoadaptativa. Por ejemplo, los monitores,  reglas de adaptación para el sistema de climatización tendrían su propio microservicio.</a:t>
             </a:r>
             <a:endParaRPr/>
           </a:p>
@@ -1606,7 +1615,38 @@
             </a:pPr>
             <a:r>
               <a:rPr lang="es"/>
-              <a:t>De esta forma, podíamos ofrecer una infraestructura genérica para cualquier sistema autoadaptativo. Estos podrán activar sus servicios y empezar a trabajar sobre nuestro servicio.</a:t>
+              <a:t>De esta forma, podíamos ofrecer una infraestructura genérica para cualquier sistema autoadaptativo. Estos podrán activar sus servicios y empezar a trabajar sobre el bucle genérico.</a:t>
+            </a:r>
+            <a:endParaRPr/>
+          </a:p>
+          <a:p>
+            <a:pPr indent="0" lvl="0" marL="0" rtl="0" algn="l">
+              <a:spcBef>
+                <a:spcPts val="0"/>
+              </a:spcBef>
+              <a:spcAft>
+                <a:spcPts val="0"/>
+              </a:spcAft>
+              <a:buNone/>
+            </a:pPr>
+            <a:r>
+              <a:t/>
+            </a:r>
+            <a:endParaRPr/>
+          </a:p>
+          <a:p>
+            <a:pPr indent="0" lvl="0" marL="0" rtl="0" algn="l">
+              <a:spcBef>
+                <a:spcPts val="0"/>
+              </a:spcBef>
+              <a:spcAft>
+                <a:spcPts val="0"/>
+              </a:spcAft>
+              <a:buNone/>
+            </a:pPr>
+            <a:r>
+              <a:rPr lang="es"/>
+              <a:t>Ahora sí hemos alcanzado la flexibilidad que buscabamos. Tenemos ya definidos todos los componentes, así que es momento de pasar a hablar de las comunicaciones.</a:t>
             </a:r>
             <a:endParaRPr/>
           </a:p>
@@ -1625,7 +1665,7 @@
   <p:cSld>
     <p:spTree>
       <p:nvGrpSpPr>
-        <p:cNvPr id="190" name="Shape 190"/>
+        <p:cNvPr id="189" name="Shape 189"/>
         <p:cNvGrpSpPr/>
         <p:nvPr/>
       </p:nvGrpSpPr>
@@ -1639,7 +1679,7 @@
       </p:grpSpPr>
       <p:sp>
         <p:nvSpPr>
-          <p:cNvPr id="191" name="Google Shape;191;g14b7724f5fa_0_94:notes"/>
+          <p:cNvPr id="190" name="Google Shape;190;g14b7724f5fa_0_94:notes"/>
           <p:cNvSpPr/>
           <p:nvPr>
             <p:ph idx="2" type="sldImg"/>
@@ -1674,7 +1714,7 @@
       </p:sp>
       <p:sp>
         <p:nvSpPr>
-          <p:cNvPr id="192" name="Google Shape;192;g14b7724f5fa_0_94:notes"/>
+          <p:cNvPr id="191" name="Google Shape;191;g14b7724f5fa_0_94:notes"/>
           <p:cNvSpPr txBox="1"/>
           <p:nvPr>
             <p:ph idx="1" type="body"/>
@@ -1706,7 +1746,7 @@
             </a:pPr>
             <a:r>
               <a:rPr lang="es"/>
-              <a:t>Una vez definidos los componentes que compondrán la arquitectura, nos centramos en la comunicación entre ellos. </a:t>
+              <a:t>Una vez definidos los componentes que compondrán la arquitectura, nos centramos en la comunicación entre ellos. ¿Cómo deben conectarse?</a:t>
             </a:r>
             <a:endParaRPr/>
           </a:p>
@@ -1838,7 +1878,7 @@
   <p:cSld>
     <p:spTree>
       <p:nvGrpSpPr>
-        <p:cNvPr id="198" name="Shape 198"/>
+        <p:cNvPr id="197" name="Shape 197"/>
         <p:cNvGrpSpPr/>
         <p:nvPr/>
       </p:nvGrpSpPr>
@@ -1852,7 +1892,7 @@
       </p:grpSpPr>
       <p:sp>
         <p:nvSpPr>
-          <p:cNvPr id="199" name="Google Shape;199;g14b7724f5fa_0_101:notes"/>
+          <p:cNvPr id="198" name="Google Shape;198;g14b7724f5fa_0_101:notes"/>
           <p:cNvSpPr/>
           <p:nvPr>
             <p:ph idx="2" type="sldImg"/>
@@ -1887,7 +1927,7 @@
       </p:sp>
       <p:sp>
         <p:nvSpPr>
-          <p:cNvPr id="200" name="Google Shape;200;g14b7724f5fa_0_101:notes"/>
+          <p:cNvPr id="199" name="Google Shape;199;g14b7724f5fa_0_101:notes"/>
           <p:cNvSpPr txBox="1"/>
           <p:nvPr>
             <p:ph idx="1" type="body"/>
@@ -1981,7 +2021,7 @@
             </a:pPr>
             <a:r>
               <a:rPr lang="es"/>
-              <a:t>Por otro lado, tenemos las notificaciones, que permiten a un servicio en una capa más interna retransmitir un mensaje a todos los que se encuentran en la capa superior. Se implementó siguiendo el patrón publish subscribe de los brokers de mensajería</a:t>
+              <a:t>Por otro lado, tenemos las notificaciones, que permiten a un servicio en una capa más interna retransmitir un mensaje a todos los que se encuentran en la capa superior. Esto nos permitía que un componente en una capa inferior no se acople a los qe se encuentren en la superior. Todos recibirán el mensaje y decidirán si tratarlo o no. Se implementó siguiendo el patrón publish subscribe de los brokers de mensajería.</a:t>
             </a:r>
             <a:endParaRPr/>
           </a:p>
@@ -2012,7 +2052,11 @@
             </a:pPr>
             <a:r>
               <a:rPr lang="es"/>
-              <a:t>FInalmente,  tenemos las peticiones asíncronas, que permiten a los servicios que se encuentran en la misma capa comunicarse. Se usan colas de mensajería, para evitar que se acoplen.</a:t>
+              <a:t>Finalmente</a:t>
+            </a:r>
+            <a:r>
+              <a:rPr lang="es"/>
+              <a:t>, tenemos las peticiones asíncronas, que permiten a los servicios que se encuentran en la misma capa comunicarse. Se usan colas de mensajería, para evitar que se acoplen.</a:t>
             </a:r>
             <a:endParaRPr/>
           </a:p>
@@ -2031,7 +2075,7 @@
   <p:cSld>
     <p:spTree>
       <p:nvGrpSpPr>
-        <p:cNvPr id="206" name="Shape 206"/>
+        <p:cNvPr id="205" name="Shape 205"/>
         <p:cNvGrpSpPr/>
         <p:nvPr/>
       </p:nvGrpSpPr>
@@ -2045,7 +2089,7 @@
       </p:grpSpPr>
       <p:sp>
         <p:nvSpPr>
-          <p:cNvPr id="207" name="Google Shape;207;g14b7724f5fa_0_109:notes"/>
+          <p:cNvPr id="206" name="Google Shape;206;g14b7724f5fa_0_109:notes"/>
           <p:cNvSpPr/>
           <p:nvPr>
             <p:ph idx="2" type="sldImg"/>
@@ -2080,7 +2124,7 @@
       </p:sp>
       <p:sp>
         <p:nvSpPr>
-          <p:cNvPr id="208" name="Google Shape;208;g14b7724f5fa_0_109:notes"/>
+          <p:cNvPr id="207" name="Google Shape;207;g14b7724f5fa_0_109:notes"/>
           <p:cNvSpPr txBox="1"/>
           <p:nvPr>
             <p:ph idx="1" type="body"/>
@@ -2162,7 +2206,7 @@
   <p:cSld>
     <p:spTree>
       <p:nvGrpSpPr>
-        <p:cNvPr id="213" name="Shape 213"/>
+        <p:cNvPr id="212" name="Shape 212"/>
         <p:cNvGrpSpPr/>
         <p:nvPr/>
       </p:nvGrpSpPr>
@@ -2176,7 +2220,7 @@
       </p:grpSpPr>
       <p:sp>
         <p:nvSpPr>
-          <p:cNvPr id="214" name="Google Shape;214;g14b7724f5fa_0_118:notes"/>
+          <p:cNvPr id="213" name="Google Shape;213;g14b7724f5fa_0_118:notes"/>
           <p:cNvSpPr/>
           <p:nvPr>
             <p:ph idx="2" type="sldImg"/>
@@ -2211,7 +2255,7 @@
       </p:sp>
       <p:sp>
         <p:nvSpPr>
-          <p:cNvPr id="215" name="Google Shape;215;g14b7724f5fa_0_118:notes"/>
+          <p:cNvPr id="214" name="Google Shape;214;g14b7724f5fa_0_118:notes"/>
           <p:cNvSpPr txBox="1"/>
           <p:nvPr>
             <p:ph idx="1" type="body"/>
@@ -2243,7 +2287,84 @@
             </a:pPr>
             <a:r>
               <a:rPr lang="es"/>
-              <a:t>En la memoria comentamos en profundidad cómo se usa cada una de ellas.</a:t>
+              <a:t>En paralelo al diseño, ibamos implementando los componentes de nuestro </a:t>
+            </a:r>
+            <a:r>
+              <a:rPr lang="es"/>
+              <a:t>prototipo</a:t>
+            </a:r>
+            <a:r>
+              <a:rPr lang="es"/>
+              <a:t>. Como ejemplo de solución autoadaptativa implementamos el sistema de climatización que describimos al principio.</a:t>
+            </a:r>
+            <a:endParaRPr/>
+          </a:p>
+          <a:p>
+            <a:pPr indent="0" lvl="0" marL="0" rtl="0" algn="l">
+              <a:spcBef>
+                <a:spcPts val="0"/>
+              </a:spcBef>
+              <a:spcAft>
+                <a:spcPts val="0"/>
+              </a:spcAft>
+              <a:buNone/>
+            </a:pPr>
+            <a:r>
+              <a:t/>
+            </a:r>
+            <a:endParaRPr/>
+          </a:p>
+          <a:p>
+            <a:pPr indent="0" lvl="0" marL="0" rtl="0" algn="l">
+              <a:spcBef>
+                <a:spcPts val="0"/>
+              </a:spcBef>
+              <a:spcAft>
+                <a:spcPts val="0"/>
+              </a:spcAft>
+              <a:buNone/>
+            </a:pPr>
+            <a:r>
+              <a:rPr lang="es"/>
+              <a:t>En cuanto a tecnologías, hemos usado una gran variedad de ellas, pero no nos da tiempo a entrar en todas ellas. Cabe </a:t>
+            </a:r>
+            <a:r>
+              <a:rPr lang="es"/>
+              <a:t>destacar</a:t>
+            </a:r>
+            <a:r>
+              <a:rPr lang="es"/>
+              <a:t> que usamos servicios ASP.NET para implementar las APIs REST y RabbitMQ como broker de mensajería.</a:t>
+            </a:r>
+            <a:endParaRPr/>
+          </a:p>
+          <a:p>
+            <a:pPr indent="0" lvl="0" marL="0" rtl="0" algn="l">
+              <a:spcBef>
+                <a:spcPts val="0"/>
+              </a:spcBef>
+              <a:spcAft>
+                <a:spcPts val="0"/>
+              </a:spcAft>
+              <a:buNone/>
+            </a:pPr>
+            <a:r>
+              <a:t/>
+            </a:r>
+            <a:endParaRPr/>
+          </a:p>
+          <a:p>
+            <a:pPr indent="0" lvl="0" marL="0" rtl="0" algn="l">
+              <a:spcBef>
+                <a:spcPts val="0"/>
+              </a:spcBef>
+              <a:spcAft>
+                <a:spcPts val="0"/>
+              </a:spcAft>
+              <a:buNone/>
+            </a:pPr>
+            <a:r>
+              <a:t/>
             </a:r>
             <a:endParaRPr/>
           </a:p>
@@ -2262,7 +2383,7 @@
   <p:cSld>
     <p:spTree>
       <p:nvGrpSpPr>
-        <p:cNvPr id="231" name="Shape 231"/>
+        <p:cNvPr id="230" name="Shape 230"/>
         <p:cNvGrpSpPr/>
         <p:nvPr/>
       </p:nvGrpSpPr>
@@ -2276,7 +2397,7 @@
       </p:grpSpPr>
       <p:sp>
         <p:nvSpPr>
-          <p:cNvPr id="232" name="Google Shape;232;g69156a04a61dbae8_14:notes"/>
+          <p:cNvPr id="231" name="Google Shape;231;g69156a04a61dbae8_14:notes"/>
           <p:cNvSpPr/>
           <p:nvPr>
             <p:ph idx="2" type="sldImg"/>
@@ -2311,7 +2432,7 @@
       </p:sp>
       <p:sp>
         <p:nvSpPr>
-          <p:cNvPr id="233" name="Google Shape;233;g69156a04a61dbae8_14:notes"/>
+          <p:cNvPr id="232" name="Google Shape;232;g69156a04a61dbae8_14:notes"/>
           <p:cNvSpPr txBox="1"/>
           <p:nvPr>
             <p:ph idx="1" type="body"/>
@@ -2564,7 +2685,38 @@
             </a:pPr>
             <a:r>
               <a:rPr lang="es"/>
-              <a:t>La presentación está dividida en ¿5 secciones?</a:t>
+              <a:t>La presentación está dividida en 5 secciones.</a:t>
+            </a:r>
+            <a:endParaRPr/>
+          </a:p>
+          <a:p>
+            <a:pPr indent="0" lvl="0" marL="0" rtl="0" algn="l">
+              <a:spcBef>
+                <a:spcPts val="0"/>
+              </a:spcBef>
+              <a:spcAft>
+                <a:spcPts val="0"/>
+              </a:spcAft>
+              <a:buNone/>
+            </a:pPr>
+            <a:r>
+              <a:t/>
+            </a:r>
+            <a:endParaRPr/>
+          </a:p>
+          <a:p>
+            <a:pPr indent="0" lvl="0" marL="0" rtl="0" algn="l">
+              <a:spcBef>
+                <a:spcPts val="0"/>
+              </a:spcBef>
+              <a:spcAft>
+                <a:spcPts val="0"/>
+              </a:spcAft>
+              <a:buNone/>
+            </a:pPr>
+            <a:r>
+              <a:rPr lang="es"/>
+              <a:t>Introducción: Explicaremos los conceptos en los conceptos en los que se basa el trabajo</a:t>
             </a:r>
             <a:endParaRPr/>
           </a:p>
@@ -2738,7 +2890,7 @@
   <p:cSld>
     <p:spTree>
       <p:nvGrpSpPr>
-        <p:cNvPr id="237" name="Shape 237"/>
+        <p:cNvPr id="236" name="Shape 236"/>
         <p:cNvGrpSpPr/>
         <p:nvPr/>
       </p:nvGrpSpPr>
@@ -2752,7 +2904,7 @@
       </p:grpSpPr>
       <p:sp>
         <p:nvSpPr>
-          <p:cNvPr id="238" name="Google Shape;238;g69156a04a61dbae8_19:notes"/>
+          <p:cNvPr id="237" name="Google Shape;237;g69156a04a61dbae8_19:notes"/>
           <p:cNvSpPr/>
           <p:nvPr>
             <p:ph idx="2" type="sldImg"/>
@@ -2787,7 +2939,7 @@
       </p:sp>
       <p:sp>
         <p:nvSpPr>
-          <p:cNvPr id="239" name="Google Shape;239;g69156a04a61dbae8_19:notes"/>
+          <p:cNvPr id="238" name="Google Shape;238;g69156a04a61dbae8_19:notes"/>
           <p:cNvSpPr txBox="1"/>
           <p:nvPr>
             <p:ph idx="1" type="body"/>
@@ -2837,7 +2989,7 @@
   <p:cSld>
     <p:spTree>
       <p:nvGrpSpPr>
-        <p:cNvPr id="244" name="Shape 244"/>
+        <p:cNvPr id="243" name="Shape 243"/>
         <p:cNvGrpSpPr/>
         <p:nvPr/>
       </p:nvGrpSpPr>
@@ -2851,7 +3003,7 @@
       </p:grpSpPr>
       <p:sp>
         <p:nvSpPr>
-          <p:cNvPr id="245" name="Google Shape;245;g69156a04a61dbae8_26:notes"/>
+          <p:cNvPr id="244" name="Google Shape;244;g69156a04a61dbae8_26:notes"/>
           <p:cNvSpPr/>
           <p:nvPr>
             <p:ph idx="2" type="sldImg"/>
@@ -2886,7 +3038,7 @@
       </p:sp>
       <p:sp>
         <p:nvSpPr>
-          <p:cNvPr id="246" name="Google Shape;246;g69156a04a61dbae8_26:notes"/>
+          <p:cNvPr id="245" name="Google Shape;245;g69156a04a61dbae8_26:notes"/>
           <p:cNvSpPr txBox="1"/>
           <p:nvPr>
             <p:ph idx="1" type="body"/>
@@ -2936,7 +3088,7 @@
   <p:cSld>
     <p:spTree>
       <p:nvGrpSpPr>
-        <p:cNvPr id="250" name="Shape 250"/>
+        <p:cNvPr id="249" name="Shape 249"/>
         <p:cNvGrpSpPr/>
         <p:nvPr/>
       </p:nvGrpSpPr>
@@ -2950,7 +3102,7 @@
       </p:grpSpPr>
       <p:sp>
         <p:nvSpPr>
-          <p:cNvPr id="251" name="Google Shape;251;g69156a04a61dbae8_31:notes"/>
+          <p:cNvPr id="250" name="Google Shape;250;g69156a04a61dbae8_31:notes"/>
           <p:cNvSpPr/>
           <p:nvPr>
             <p:ph idx="2" type="sldImg"/>
@@ -2985,7 +3137,7 @@
       </p:sp>
       <p:sp>
         <p:nvSpPr>
-          <p:cNvPr id="252" name="Google Shape;252;g69156a04a61dbae8_31:notes"/>
+          <p:cNvPr id="251" name="Google Shape;251;g69156a04a61dbae8_31:notes"/>
           <p:cNvSpPr txBox="1"/>
           <p:nvPr>
             <p:ph idx="1" type="body"/>
@@ -3098,7 +3250,7 @@
   <p:cSld>
     <p:spTree>
       <p:nvGrpSpPr>
-        <p:cNvPr id="257" name="Shape 257"/>
+        <p:cNvPr id="256" name="Shape 256"/>
         <p:cNvGrpSpPr/>
         <p:nvPr/>
       </p:nvGrpSpPr>
@@ -3112,7 +3264,7 @@
       </p:grpSpPr>
       <p:sp>
         <p:nvSpPr>
-          <p:cNvPr id="258" name="Google Shape;258;g69156a04a61dbae8_37:notes"/>
+          <p:cNvPr id="257" name="Google Shape;257;g69156a04a61dbae8_37:notes"/>
           <p:cNvSpPr/>
           <p:nvPr>
             <p:ph idx="2" type="sldImg"/>
@@ -3147,7 +3299,7 @@
       </p:sp>
       <p:sp>
         <p:nvSpPr>
-          <p:cNvPr id="259" name="Google Shape;259;g69156a04a61dbae8_37:notes"/>
+          <p:cNvPr id="258" name="Google Shape;258;g69156a04a61dbae8_37:notes"/>
           <p:cNvSpPr txBox="1"/>
           <p:nvPr>
             <p:ph idx="1" type="body"/>
@@ -3197,7 +3349,7 @@
   <p:cSld>
     <p:spTree>
       <p:nvGrpSpPr>
-        <p:cNvPr id="265" name="Shape 265"/>
+        <p:cNvPr id="264" name="Shape 264"/>
         <p:cNvGrpSpPr/>
         <p:nvPr/>
       </p:nvGrpSpPr>
@@ -3211,7 +3363,7 @@
       </p:grpSpPr>
       <p:sp>
         <p:nvSpPr>
-          <p:cNvPr id="266" name="Google Shape;266;gfe88c0b359_0_4:notes"/>
+          <p:cNvPr id="265" name="Google Shape;265;gfe88c0b359_0_4:notes"/>
           <p:cNvSpPr/>
           <p:nvPr>
             <p:ph idx="2" type="sldImg"/>
@@ -3246,7 +3398,7 @@
       </p:sp>
       <p:sp>
         <p:nvSpPr>
-          <p:cNvPr id="267" name="Google Shape;267;gfe88c0b359_0_4:notes"/>
+          <p:cNvPr id="266" name="Google Shape;266;gfe88c0b359_0_4:notes"/>
           <p:cNvSpPr txBox="1"/>
           <p:nvPr>
             <p:ph idx="1" type="body"/>
@@ -3297,7 +3449,7 @@
   <p:cSld>
     <p:spTree>
       <p:nvGrpSpPr>
-        <p:cNvPr id="272" name="Shape 272"/>
+        <p:cNvPr id="271" name="Shape 271"/>
         <p:cNvGrpSpPr/>
         <p:nvPr/>
       </p:nvGrpSpPr>
@@ -3311,7 +3463,7 @@
       </p:grpSpPr>
       <p:sp>
         <p:nvSpPr>
-          <p:cNvPr id="273" name="Google Shape;273;gfe88c0b359_0_19:notes"/>
+          <p:cNvPr id="272" name="Google Shape;272;gfe88c0b359_0_19:notes"/>
           <p:cNvSpPr/>
           <p:nvPr>
             <p:ph idx="2" type="sldImg"/>
@@ -3346,7 +3498,7 @@
       </p:sp>
       <p:sp>
         <p:nvSpPr>
-          <p:cNvPr id="274" name="Google Shape;274;gfe88c0b359_0_19:notes"/>
+          <p:cNvPr id="273" name="Google Shape;273;gfe88c0b359_0_19:notes"/>
           <p:cNvSpPr txBox="1"/>
           <p:nvPr>
             <p:ph idx="1" type="body"/>
@@ -3545,7 +3697,7 @@
   <p:cSld>
     <p:spTree>
       <p:nvGrpSpPr>
-        <p:cNvPr id="279" name="Shape 279"/>
+        <p:cNvPr id="278" name="Shape 278"/>
         <p:cNvGrpSpPr/>
         <p:nvPr/>
       </p:nvGrpSpPr>
@@ -3559,7 +3711,7 @@
       </p:grpSpPr>
       <p:sp>
         <p:nvSpPr>
-          <p:cNvPr id="280" name="Google Shape;280;g19b142f6d90732b1_0:notes"/>
+          <p:cNvPr id="279" name="Google Shape;279;g19b142f6d90732b1_0:notes"/>
           <p:cNvSpPr/>
           <p:nvPr>
             <p:ph idx="2" type="sldImg"/>
@@ -3594,7 +3746,7 @@
       </p:sp>
       <p:sp>
         <p:nvSpPr>
-          <p:cNvPr id="281" name="Google Shape;281;g19b142f6d90732b1_0:notes"/>
+          <p:cNvPr id="280" name="Google Shape;280;g19b142f6d90732b1_0:notes"/>
           <p:cNvSpPr txBox="1"/>
           <p:nvPr>
             <p:ph idx="1" type="body"/>
@@ -3850,7 +4002,7 @@
   <p:cSld>
     <p:spTree>
       <p:nvGrpSpPr>
-        <p:cNvPr id="286" name="Shape 286"/>
+        <p:cNvPr id="285" name="Shape 285"/>
         <p:cNvGrpSpPr/>
         <p:nvPr/>
       </p:nvGrpSpPr>
@@ -3864,7 +4016,7 @@
       </p:grpSpPr>
       <p:sp>
         <p:nvSpPr>
-          <p:cNvPr id="287" name="Google Shape;287;gfe88c0b359_0_48:notes"/>
+          <p:cNvPr id="286" name="Google Shape;286;gfe88c0b359_0_48:notes"/>
           <p:cNvSpPr/>
           <p:nvPr>
             <p:ph idx="2" type="sldImg"/>
@@ -3899,7 +4051,7 @@
       </p:sp>
       <p:sp>
         <p:nvSpPr>
-          <p:cNvPr id="288" name="Google Shape;288;gfe88c0b359_0_48:notes"/>
+          <p:cNvPr id="287" name="Google Shape;287;gfe88c0b359_0_48:notes"/>
           <p:cNvSpPr txBox="1"/>
           <p:nvPr>
             <p:ph idx="1" type="body"/>
@@ -3949,7 +4101,7 @@
   <p:cSld>
     <p:spTree>
       <p:nvGrpSpPr>
-        <p:cNvPr id="292" name="Shape 292"/>
+        <p:cNvPr id="291" name="Shape 291"/>
         <p:cNvGrpSpPr/>
         <p:nvPr/>
       </p:nvGrpSpPr>
@@ -3963,7 +4115,7 @@
       </p:grpSpPr>
       <p:sp>
         <p:nvSpPr>
-          <p:cNvPr id="293" name="Google Shape;293;gfe88c0b359_0_42:notes"/>
+          <p:cNvPr id="292" name="Google Shape;292;gfe88c0b359_0_42:notes"/>
           <p:cNvSpPr/>
           <p:nvPr>
             <p:ph idx="2" type="sldImg"/>
@@ -3998,7 +4150,7 @@
       </p:sp>
       <p:sp>
         <p:nvSpPr>
-          <p:cNvPr id="294" name="Google Shape;294;gfe88c0b359_0_42:notes"/>
+          <p:cNvPr id="293" name="Google Shape;293;gfe88c0b359_0_42:notes"/>
           <p:cNvSpPr txBox="1"/>
           <p:nvPr>
             <p:ph idx="1" type="body"/>
@@ -4049,7 +4201,7 @@
   <p:cSld>
     <p:spTree>
       <p:nvGrpSpPr>
-        <p:cNvPr id="299" name="Shape 299"/>
+        <p:cNvPr id="298" name="Shape 298"/>
         <p:cNvGrpSpPr/>
         <p:nvPr/>
       </p:nvGrpSpPr>
@@ -4063,7 +4215,7 @@
       </p:grpSpPr>
       <p:sp>
         <p:nvSpPr>
-          <p:cNvPr id="300" name="Google Shape;300;gfe88c0b359_0_74:notes"/>
+          <p:cNvPr id="299" name="Google Shape;299;gfe88c0b359_0_74:notes"/>
           <p:cNvSpPr/>
           <p:nvPr>
             <p:ph idx="2" type="sldImg"/>
@@ -4098,7 +4250,7 @@
       </p:sp>
       <p:sp>
         <p:nvSpPr>
-          <p:cNvPr id="301" name="Google Shape;301;gfe88c0b359_0_74:notes"/>
+          <p:cNvPr id="300" name="Google Shape;300;gfe88c0b359_0_74:notes"/>
           <p:cNvSpPr txBox="1"/>
           <p:nvPr>
             <p:ph idx="1" type="body"/>
@@ -4247,7 +4399,7 @@
   <p:cSld>
     <p:spTree>
       <p:nvGrpSpPr>
-        <p:cNvPr id="305" name="Shape 305"/>
+        <p:cNvPr id="304" name="Shape 304"/>
         <p:cNvGrpSpPr/>
         <p:nvPr/>
       </p:nvGrpSpPr>
@@ -4261,7 +4413,7 @@
       </p:grpSpPr>
       <p:sp>
         <p:nvSpPr>
-          <p:cNvPr id="306" name="Google Shape;306;g15461750198_0_0:notes"/>
+          <p:cNvPr id="305" name="Google Shape;305;g15461750198_0_0:notes"/>
           <p:cNvSpPr/>
           <p:nvPr>
             <p:ph idx="2" type="sldImg"/>
@@ -4296,7 +4448,7 @@
       </p:sp>
       <p:sp>
         <p:nvSpPr>
-          <p:cNvPr id="307" name="Google Shape;307;g15461750198_0_0:notes"/>
+          <p:cNvPr id="306" name="Google Shape;306;g15461750198_0_0:notes"/>
           <p:cNvSpPr txBox="1"/>
           <p:nvPr>
             <p:ph idx="1" type="body"/>
@@ -4346,7 +4498,7 @@
   <p:cSld>
     <p:spTree>
       <p:nvGrpSpPr>
-        <p:cNvPr id="311" name="Shape 311"/>
+        <p:cNvPr id="310" name="Shape 310"/>
         <p:cNvGrpSpPr/>
         <p:nvPr/>
       </p:nvGrpSpPr>
@@ -4360,7 +4512,7 @@
       </p:grpSpPr>
       <p:sp>
         <p:nvSpPr>
-          <p:cNvPr id="312" name="Google Shape;312;g1945a35d6e8ca7cc_82:notes"/>
+          <p:cNvPr id="311" name="Google Shape;311;g1557f2a48ca_0_1:notes"/>
           <p:cNvSpPr/>
           <p:nvPr>
             <p:ph idx="2" type="sldImg"/>
@@ -4395,7 +4547,7 @@
       </p:sp>
       <p:sp>
         <p:nvSpPr>
-          <p:cNvPr id="313" name="Google Shape;313;g1945a35d6e8ca7cc_82:notes"/>
+          <p:cNvPr id="312" name="Google Shape;312;g1557f2a48ca_0_1:notes"/>
           <p:cNvSpPr txBox="1"/>
           <p:nvPr>
             <p:ph idx="1" type="body"/>
@@ -4445,7 +4597,7 @@
   <p:cSld>
     <p:spTree>
       <p:nvGrpSpPr>
-        <p:cNvPr id="319" name="Shape 319"/>
+        <p:cNvPr id="317" name="Shape 317"/>
         <p:cNvGrpSpPr/>
         <p:nvPr/>
       </p:nvGrpSpPr>
@@ -4459,7 +4611,7 @@
       </p:grpSpPr>
       <p:sp>
         <p:nvSpPr>
-          <p:cNvPr id="320" name="Google Shape;320;g1945a35d6e8ca7cc_92:notes"/>
+          <p:cNvPr id="318" name="Google Shape;318;g1557f2a48ca_0_8:notes"/>
           <p:cNvSpPr/>
           <p:nvPr>
             <p:ph idx="2" type="sldImg"/>
@@ -4494,7 +4646,7 @@
       </p:sp>
       <p:sp>
         <p:nvSpPr>
-          <p:cNvPr id="321" name="Google Shape;321;g1945a35d6e8ca7cc_92:notes"/>
+          <p:cNvPr id="319" name="Google Shape;319;g1557f2a48ca_0_8:notes"/>
           <p:cNvSpPr txBox="1"/>
           <p:nvPr>
             <p:ph idx="1" type="body"/>
@@ -4525,142 +4677,7 @@
               <a:buNone/>
             </a:pPr>
             <a:r>
-              <a:rPr lang="es"/>
-              <a:t>En la actualidad usamos una gran cantidad de </a:t>
-            </a:r>
-            <a:r>
-              <a:rPr i="1" lang="es"/>
-              <a:t>software </a:t>
-            </a:r>
-            <a:r>
-              <a:rPr lang="es"/>
-              <a:t>con algún componente </a:t>
-            </a:r>
-            <a:r>
-              <a:rPr i="1" lang="es"/>
-              <a:t>web</a:t>
-            </a:r>
-            <a:r>
-              <a:rPr lang="es"/>
-              <a:t>. Este sería el caso de las redes sociales, comercio electrónico, entre otras.</a:t>
-            </a:r>
-            <a:endParaRPr/>
-          </a:p>
-          <a:p>
-            <a:pPr indent="0" lvl="0" marL="0" rtl="0" algn="l">
-              <a:spcBef>
-                <a:spcPts val="0"/>
-              </a:spcBef>
-              <a:spcAft>
-                <a:spcPts val="0"/>
-              </a:spcAft>
-              <a:buNone/>
-            </a:pPr>
-            <a:r>
               <a:t/>
-            </a:r>
-            <a:endParaRPr/>
-          </a:p>
-          <a:p>
-            <a:pPr indent="0" lvl="0" marL="0" rtl="0" algn="l">
-              <a:spcBef>
-                <a:spcPts val="0"/>
-              </a:spcBef>
-              <a:spcAft>
-                <a:spcPts val="0"/>
-              </a:spcAft>
-              <a:buNone/>
-            </a:pPr>
-            <a:r>
-              <a:rPr lang="es"/>
-              <a:t>En el caso de una tienda on-line, debe estar accesible el máximo tiempo posible. Si un usuario quiere comprar algo a las 4 de la mañana, debe poder hacerlo.</a:t>
-            </a:r>
-            <a:endParaRPr/>
-          </a:p>
-          <a:p>
-            <a:pPr indent="0" lvl="0" marL="0" rtl="0" algn="l">
-              <a:spcBef>
-                <a:spcPts val="0"/>
-              </a:spcBef>
-              <a:spcAft>
-                <a:spcPts val="0"/>
-              </a:spcAft>
-              <a:buClr>
-                <a:schemeClr val="dk1"/>
-              </a:buClr>
-              <a:buSzPts val="1100"/>
-              <a:buFont typeface="Arial"/>
-              <a:buNone/>
-            </a:pPr>
-            <a:r>
-              <a:rPr lang="es">
-                <a:solidFill>
-                  <a:schemeClr val="dk1"/>
-                </a:solidFill>
-              </a:rPr>
-              <a:t>Si no, el usuario compraría en otra tienda y perderían potenciales ingresos.</a:t>
-            </a:r>
-            <a:endParaRPr/>
-          </a:p>
-          <a:p>
-            <a:pPr indent="0" lvl="0" marL="0" rtl="0" algn="l">
-              <a:spcBef>
-                <a:spcPts val="0"/>
-              </a:spcBef>
-              <a:spcAft>
-                <a:spcPts val="0"/>
-              </a:spcAft>
-              <a:buNone/>
-            </a:pPr>
-            <a:r>
-              <a:t/>
-            </a:r>
-            <a:endParaRPr/>
-          </a:p>
-          <a:p>
-            <a:pPr indent="0" lvl="0" marL="0" rtl="0" algn="l">
-              <a:spcBef>
-                <a:spcPts val="0"/>
-              </a:spcBef>
-              <a:spcAft>
-                <a:spcPts val="0"/>
-              </a:spcAft>
-              <a:buNone/>
-            </a:pPr>
-            <a:r>
-              <a:rPr lang="es"/>
-              <a:t>Por tanto, tiene asociado un requisito de alta disponibilidad. El downtime debe ser mínimo.</a:t>
-            </a:r>
-            <a:endParaRPr/>
-          </a:p>
-          <a:p>
-            <a:pPr indent="0" lvl="0" marL="0" rtl="0" algn="l">
-              <a:spcBef>
-                <a:spcPts val="0"/>
-              </a:spcBef>
-              <a:spcAft>
-                <a:spcPts val="0"/>
-              </a:spcAft>
-              <a:buNone/>
-            </a:pPr>
-            <a:r>
-              <a:t/>
-            </a:r>
-            <a:endParaRPr/>
-          </a:p>
-          <a:p>
-            <a:pPr indent="0" lvl="0" marL="0" rtl="0" algn="l">
-              <a:spcBef>
-                <a:spcPts val="0"/>
-              </a:spcBef>
-              <a:spcAft>
-                <a:spcPts val="0"/>
-              </a:spcAft>
-              <a:buNone/>
-            </a:pPr>
-            <a:r>
-              <a:rPr lang="es"/>
-              <a:t>En caso de que surja algún problema, cómo es inviable tener operarios humanos pendientes del estado de la aplicación durante todo el día, ya sea por costes o por que no quieren. Sería preferible que el sistema sea capaz de recuperarse de errores o adaptarse a las distintas situaciones que surjan durante su ejecución.</a:t>
             </a:r>
             <a:endParaRPr/>
           </a:p>
@@ -4679,7 +4696,7 @@
   <p:cSld>
     <p:spTree>
       <p:nvGrpSpPr>
-        <p:cNvPr id="326" name="Shape 326"/>
+        <p:cNvPr id="324" name="Shape 324"/>
         <p:cNvGrpSpPr/>
         <p:nvPr/>
       </p:nvGrpSpPr>
@@ -4693,7 +4710,7 @@
       </p:grpSpPr>
       <p:sp>
         <p:nvSpPr>
-          <p:cNvPr id="327" name="Google Shape;327;g14b58dcdcb0_0_55:notes"/>
+          <p:cNvPr id="325" name="Google Shape;325;g1945a35d6e8ca7cc_92:notes"/>
           <p:cNvSpPr/>
           <p:nvPr>
             <p:ph idx="2" type="sldImg"/>
@@ -4728,7 +4745,7 @@
       </p:sp>
       <p:sp>
         <p:nvSpPr>
-          <p:cNvPr id="328" name="Google Shape;328;g14b58dcdcb0_0_55:notes"/>
+          <p:cNvPr id="326" name="Google Shape;326;g1945a35d6e8ca7cc_92:notes"/>
           <p:cNvSpPr txBox="1"/>
           <p:nvPr>
             <p:ph idx="1" type="body"/>
@@ -4759,7 +4776,142 @@
               <a:buNone/>
             </a:pPr>
             <a:r>
+              <a:rPr lang="es"/>
+              <a:t>En la actualidad usamos una gran cantidad de </a:t>
+            </a:r>
+            <a:r>
+              <a:rPr i="1" lang="es"/>
+              <a:t>software </a:t>
+            </a:r>
+            <a:r>
+              <a:rPr lang="es"/>
+              <a:t>con algún componente </a:t>
+            </a:r>
+            <a:r>
+              <a:rPr i="1" lang="es"/>
+              <a:t>web</a:t>
+            </a:r>
+            <a:r>
+              <a:rPr lang="es"/>
+              <a:t>. Este sería el caso de las redes sociales, comercio electrónico, entre otras.</a:t>
+            </a:r>
+            <a:endParaRPr/>
+          </a:p>
+          <a:p>
+            <a:pPr indent="0" lvl="0" marL="0" rtl="0" algn="l">
+              <a:spcBef>
+                <a:spcPts val="0"/>
+              </a:spcBef>
+              <a:spcAft>
+                <a:spcPts val="0"/>
+              </a:spcAft>
+              <a:buNone/>
+            </a:pPr>
+            <a:r>
               <a:t/>
+            </a:r>
+            <a:endParaRPr/>
+          </a:p>
+          <a:p>
+            <a:pPr indent="0" lvl="0" marL="0" rtl="0" algn="l">
+              <a:spcBef>
+                <a:spcPts val="0"/>
+              </a:spcBef>
+              <a:spcAft>
+                <a:spcPts val="0"/>
+              </a:spcAft>
+              <a:buNone/>
+            </a:pPr>
+            <a:r>
+              <a:rPr lang="es"/>
+              <a:t>En el caso de una tienda on-line, debe estar accesible el máximo tiempo posible. Si un usuario quiere comprar algo a las 4 de la mañana, debe poder hacerlo.</a:t>
+            </a:r>
+            <a:endParaRPr/>
+          </a:p>
+          <a:p>
+            <a:pPr indent="0" lvl="0" marL="0" rtl="0" algn="l">
+              <a:spcBef>
+                <a:spcPts val="0"/>
+              </a:spcBef>
+              <a:spcAft>
+                <a:spcPts val="0"/>
+              </a:spcAft>
+              <a:buClr>
+                <a:schemeClr val="dk1"/>
+              </a:buClr>
+              <a:buSzPts val="1100"/>
+              <a:buFont typeface="Arial"/>
+              <a:buNone/>
+            </a:pPr>
+            <a:r>
+              <a:rPr lang="es">
+                <a:solidFill>
+                  <a:schemeClr val="dk1"/>
+                </a:solidFill>
+              </a:rPr>
+              <a:t>Si no, el usuario compraría en otra tienda y perderían potenciales ingresos.</a:t>
+            </a:r>
+            <a:endParaRPr/>
+          </a:p>
+          <a:p>
+            <a:pPr indent="0" lvl="0" marL="0" rtl="0" algn="l">
+              <a:spcBef>
+                <a:spcPts val="0"/>
+              </a:spcBef>
+              <a:spcAft>
+                <a:spcPts val="0"/>
+              </a:spcAft>
+              <a:buNone/>
+            </a:pPr>
+            <a:r>
+              <a:t/>
+            </a:r>
+            <a:endParaRPr/>
+          </a:p>
+          <a:p>
+            <a:pPr indent="0" lvl="0" marL="0" rtl="0" algn="l">
+              <a:spcBef>
+                <a:spcPts val="0"/>
+              </a:spcBef>
+              <a:spcAft>
+                <a:spcPts val="0"/>
+              </a:spcAft>
+              <a:buNone/>
+            </a:pPr>
+            <a:r>
+              <a:rPr lang="es"/>
+              <a:t>Por tanto, tiene asociado un requisito de alta disponibilidad. El downtime debe ser mínimo.</a:t>
+            </a:r>
+            <a:endParaRPr/>
+          </a:p>
+          <a:p>
+            <a:pPr indent="0" lvl="0" marL="0" rtl="0" algn="l">
+              <a:spcBef>
+                <a:spcPts val="0"/>
+              </a:spcBef>
+              <a:spcAft>
+                <a:spcPts val="0"/>
+              </a:spcAft>
+              <a:buNone/>
+            </a:pPr>
+            <a:r>
+              <a:t/>
+            </a:r>
+            <a:endParaRPr/>
+          </a:p>
+          <a:p>
+            <a:pPr indent="0" lvl="0" marL="0" rtl="0" algn="l">
+              <a:spcBef>
+                <a:spcPts val="0"/>
+              </a:spcBef>
+              <a:spcAft>
+                <a:spcPts val="0"/>
+              </a:spcAft>
+              <a:buNone/>
+            </a:pPr>
+            <a:r>
+              <a:rPr lang="es"/>
+              <a:t>En caso de que surja algún problema, cómo es inviable tener operarios humanos pendientes del estado de la aplicación durante todo el día, ya sea por costes o por que no quieren. Sería preferible que el sistema sea capaz de recuperarse de errores o adaptarse a las distintas situaciones que surjan durante su ejecución.</a:t>
             </a:r>
             <a:endParaRPr/>
           </a:p>
@@ -4778,7 +4930,7 @@
   <p:cSld>
     <p:spTree>
       <p:nvGrpSpPr>
-        <p:cNvPr id="334" name="Shape 334"/>
+        <p:cNvPr id="331" name="Shape 331"/>
         <p:cNvGrpSpPr/>
         <p:nvPr/>
       </p:nvGrpSpPr>
@@ -4792,7 +4944,7 @@
       </p:grpSpPr>
       <p:sp>
         <p:nvSpPr>
-          <p:cNvPr id="335" name="Google Shape;335;g14b58dcdcb0_0_36:notes"/>
+          <p:cNvPr id="332" name="Google Shape;332;g14b58dcdcb0_0_55:notes"/>
           <p:cNvSpPr/>
           <p:nvPr>
             <p:ph idx="2" type="sldImg"/>
@@ -4827,7 +4979,7 @@
       </p:sp>
       <p:sp>
         <p:nvSpPr>
-          <p:cNvPr id="336" name="Google Shape;336;g14b58dcdcb0_0_36:notes"/>
+          <p:cNvPr id="333" name="Google Shape;333;g14b58dcdcb0_0_55:notes"/>
           <p:cNvSpPr txBox="1"/>
           <p:nvPr>
             <p:ph idx="1" type="body"/>
@@ -4877,7 +5029,7 @@
   <p:cSld>
     <p:spTree>
       <p:nvGrpSpPr>
-        <p:cNvPr id="342" name="Shape 342"/>
+        <p:cNvPr id="339" name="Shape 339"/>
         <p:cNvGrpSpPr/>
         <p:nvPr/>
       </p:nvGrpSpPr>
@@ -4891,7 +5043,7 @@
       </p:grpSpPr>
       <p:sp>
         <p:nvSpPr>
-          <p:cNvPr id="343" name="Google Shape;343;g14b7724f5fa_0_0:notes"/>
+          <p:cNvPr id="340" name="Google Shape;340;g14b58dcdcb0_0_36:notes"/>
           <p:cNvSpPr/>
           <p:nvPr>
             <p:ph idx="2" type="sldImg"/>
@@ -4926,7 +5078,7 @@
       </p:sp>
       <p:sp>
         <p:nvSpPr>
-          <p:cNvPr id="344" name="Google Shape;344;g14b7724f5fa_0_0:notes"/>
+          <p:cNvPr id="341" name="Google Shape;341;g14b58dcdcb0_0_36:notes"/>
           <p:cNvSpPr txBox="1"/>
           <p:nvPr>
             <p:ph idx="1" type="body"/>
@@ -4957,55 +5109,7 @@
               <a:buNone/>
             </a:pPr>
             <a:r>
-              <a:rPr lang="es"/>
-              <a:t>Esta arquitectura es empleada por el </a:t>
-            </a:r>
-            <a:r>
-              <a:rPr i="1" lang="es"/>
-              <a:t>framework</a:t>
-            </a:r>
-            <a:r>
-              <a:rPr lang="es"/>
-              <a:t> Fada. Desarrollado por el grupo PROS Tatami del </a:t>
-            </a:r>
-            <a:r>
-              <a:rPr lang="es"/>
-              <a:t>instituto</a:t>
-            </a:r>
-            <a:r>
-              <a:rPr lang="es"/>
-              <a:t> Vrain UPV. </a:t>
-            </a:r>
-            <a:endParaRPr/>
-          </a:p>
-          <a:p>
-            <a:pPr indent="0" lvl="0" marL="0" rtl="0" algn="l">
-              <a:spcBef>
-                <a:spcPts val="0"/>
-              </a:spcBef>
-              <a:spcAft>
-                <a:spcPts val="0"/>
-              </a:spcAft>
-              <a:buNone/>
-            </a:pPr>
-            <a:r>
               <a:t/>
-            </a:r>
-            <a:endParaRPr/>
-          </a:p>
-          <a:p>
-            <a:pPr indent="0" lvl="0" marL="0" rtl="0" algn="l">
-              <a:spcBef>
-                <a:spcPts val="0"/>
-              </a:spcBef>
-              <a:spcAft>
-                <a:spcPts val="0"/>
-              </a:spcAft>
-              <a:buNone/>
-            </a:pPr>
-            <a:r>
-              <a:rPr lang="es"/>
-              <a:t>Está compuesto por una serie de herramientas y metodologías para el desarrollo de sistemas autoadaptativos. Entre ellas, se encuentran distintos modelos de bucles de control MAPE-K.</a:t>
             </a:r>
             <a:endParaRPr/>
           </a:p>
@@ -5024,7 +5128,7 @@
   <p:cSld>
     <p:spTree>
       <p:nvGrpSpPr>
-        <p:cNvPr id="350" name="Shape 350"/>
+        <p:cNvPr id="347" name="Shape 347"/>
         <p:cNvGrpSpPr/>
         <p:nvPr/>
       </p:nvGrpSpPr>
@@ -5038,7 +5142,7 @@
       </p:grpSpPr>
       <p:sp>
         <p:nvSpPr>
-          <p:cNvPr id="351" name="Google Shape;351;g14b58dcdcb0_0_20:notes"/>
+          <p:cNvPr id="348" name="Google Shape;348;g14b7724f5fa_0_22:notes"/>
           <p:cNvSpPr/>
           <p:nvPr>
             <p:ph idx="2" type="sldImg"/>
@@ -5073,7 +5177,7 @@
       </p:sp>
       <p:sp>
         <p:nvSpPr>
-          <p:cNvPr id="352" name="Google Shape;352;g14b58dcdcb0_0_20:notes"/>
+          <p:cNvPr id="349" name="Google Shape;349;g14b7724f5fa_0_22:notes"/>
           <p:cNvSpPr txBox="1"/>
           <p:nvPr>
             <p:ph idx="1" type="body"/>
@@ -5123,7 +5227,7 @@
   <p:cSld>
     <p:spTree>
       <p:nvGrpSpPr>
-        <p:cNvPr id="357" name="Shape 357"/>
+        <p:cNvPr id="355" name="Shape 355"/>
         <p:cNvGrpSpPr/>
         <p:nvPr/>
       </p:nvGrpSpPr>
@@ -5137,7 +5241,7 @@
       </p:grpSpPr>
       <p:sp>
         <p:nvSpPr>
-          <p:cNvPr id="358" name="Google Shape;358;g14b7724f5fa_0_22:notes"/>
+          <p:cNvPr id="356" name="Google Shape;356;g14b7724f5fa_0_29:notes"/>
           <p:cNvSpPr/>
           <p:nvPr>
             <p:ph idx="2" type="sldImg"/>
@@ -5172,7 +5276,7 @@
       </p:sp>
       <p:sp>
         <p:nvSpPr>
-          <p:cNvPr id="359" name="Google Shape;359;g14b7724f5fa_0_22:notes"/>
+          <p:cNvPr id="357" name="Google Shape;357;g14b7724f5fa_0_29:notes"/>
           <p:cNvSpPr txBox="1"/>
           <p:nvPr>
             <p:ph idx="1" type="body"/>
@@ -5222,7 +5326,7 @@
   <p:cSld>
     <p:spTree>
       <p:nvGrpSpPr>
-        <p:cNvPr id="365" name="Shape 365"/>
+        <p:cNvPr id="363" name="Shape 363"/>
         <p:cNvGrpSpPr/>
         <p:nvPr/>
       </p:nvGrpSpPr>
@@ -5236,7 +5340,7 @@
       </p:grpSpPr>
       <p:sp>
         <p:nvSpPr>
-          <p:cNvPr id="366" name="Google Shape;366;g14b7724f5fa_0_29:notes"/>
+          <p:cNvPr id="364" name="Google Shape;364;g14b7724f5fa_0_36:notes"/>
           <p:cNvSpPr/>
           <p:nvPr>
             <p:ph idx="2" type="sldImg"/>
@@ -5271,7 +5375,7 @@
       </p:sp>
       <p:sp>
         <p:nvSpPr>
-          <p:cNvPr id="367" name="Google Shape;367;g14b7724f5fa_0_29:notes"/>
+          <p:cNvPr id="365" name="Google Shape;365;g14b7724f5fa_0_36:notes"/>
           <p:cNvSpPr txBox="1"/>
           <p:nvPr>
             <p:ph idx="1" type="body"/>
@@ -5321,7 +5425,7 @@
   <p:cSld>
     <p:spTree>
       <p:nvGrpSpPr>
-        <p:cNvPr id="373" name="Shape 373"/>
+        <p:cNvPr id="371" name="Shape 371"/>
         <p:cNvGrpSpPr/>
         <p:nvPr/>
       </p:nvGrpSpPr>
@@ -5335,7 +5439,7 @@
       </p:grpSpPr>
       <p:sp>
         <p:nvSpPr>
-          <p:cNvPr id="374" name="Google Shape;374;g14b7724f5fa_0_36:notes"/>
+          <p:cNvPr id="372" name="Google Shape;372;g14b7724f5fa_0_44:notes"/>
           <p:cNvSpPr/>
           <p:nvPr>
             <p:ph idx="2" type="sldImg"/>
@@ -5370,7 +5474,7 @@
       </p:sp>
       <p:sp>
         <p:nvSpPr>
-          <p:cNvPr id="375" name="Google Shape;375;g14b7724f5fa_0_36:notes"/>
+          <p:cNvPr id="373" name="Google Shape;373;g14b7724f5fa_0_44:notes"/>
           <p:cNvSpPr txBox="1"/>
           <p:nvPr>
             <p:ph idx="1" type="body"/>
@@ -5401,7 +5505,8 @@
               <a:buNone/>
             </a:pPr>
             <a:r>
-              <a:t/>
+              <a:rPr lang="es"/>
+              <a:t>Propone el nuevo estado del sistema. En esta regla vemos que debe estar activo el componente de aire acondicionado con el modo Cooling Activo.</a:t>
             </a:r>
             <a:endParaRPr/>
           </a:p>
@@ -5572,7 +5677,39 @@
                   <a:schemeClr val="dk1"/>
                 </a:solidFill>
               </a:rPr>
-              <a:t>Está compuesto por un termómetro, que reporta la temperatura actual, y un aparato de aire acondicionado, que calienta o enfría la estancia si fuera necesario.</a:t>
+              <a:t>Está compuesto por un </a:t>
+            </a:r>
+            <a:r>
+              <a:rPr b="1" lang="es">
+                <a:solidFill>
+                  <a:schemeClr val="dk1"/>
+                </a:solidFill>
+              </a:rPr>
+              <a:t>termómetro</a:t>
+            </a:r>
+            <a:r>
+              <a:rPr lang="es">
+                <a:solidFill>
+                  <a:schemeClr val="dk1"/>
+                </a:solidFill>
+              </a:rPr>
+              <a:t>, que reporta la temperatura actual, y un </a:t>
+            </a:r>
+            <a:r>
+              <a:rPr b="1" lang="es">
+                <a:solidFill>
+                  <a:schemeClr val="dk1"/>
+                </a:solidFill>
+              </a:rPr>
+              <a:t>aparato de aire acondicionado</a:t>
+            </a:r>
+            <a:r>
+              <a:rPr lang="es">
+                <a:solidFill>
+                  <a:schemeClr val="dk1"/>
+                </a:solidFill>
+              </a:rPr>
+              <a:t>, que calienta o enfría la estancia si fuera necesario.</a:t>
             </a:r>
             <a:endParaRPr>
               <a:solidFill>
@@ -5666,7 +5803,7 @@
   <p:cSld>
     <p:spTree>
       <p:nvGrpSpPr>
-        <p:cNvPr id="381" name="Shape 381"/>
+        <p:cNvPr id="378" name="Shape 378"/>
         <p:cNvGrpSpPr/>
         <p:nvPr/>
       </p:nvGrpSpPr>
@@ -5680,7 +5817,7 @@
       </p:grpSpPr>
       <p:sp>
         <p:nvSpPr>
-          <p:cNvPr id="382" name="Google Shape;382;g14b7724f5fa_0_44:notes"/>
+          <p:cNvPr id="379" name="Google Shape;379;g14b7724f5fa_0_52:notes"/>
           <p:cNvSpPr/>
           <p:nvPr>
             <p:ph idx="2" type="sldImg"/>
@@ -5715,7 +5852,7 @@
       </p:sp>
       <p:sp>
         <p:nvSpPr>
-          <p:cNvPr id="383" name="Google Shape;383;g14b7724f5fa_0_44:notes"/>
+          <p:cNvPr id="380" name="Google Shape;380;g14b7724f5fa_0_52:notes"/>
           <p:cNvSpPr txBox="1"/>
           <p:nvPr>
             <p:ph idx="1" type="body"/>
@@ -5746,8 +5883,7 @@
               <a:buNone/>
             </a:pPr>
             <a:r>
-              <a:rPr lang="es"/>
-              <a:t>Propone el nuevo estado del sistema. En esta regla vemos que debe estar activo el componente de aire acondicionado con el modo Cooling Activo.</a:t>
+              <a:t/>
             </a:r>
             <a:endParaRPr/>
           </a:p>
@@ -5766,7 +5902,7 @@
   <p:cSld>
     <p:spTree>
       <p:nvGrpSpPr>
-        <p:cNvPr id="388" name="Shape 388"/>
+        <p:cNvPr id="386" name="Shape 386"/>
         <p:cNvGrpSpPr/>
         <p:nvPr/>
       </p:nvGrpSpPr>
@@ -5780,7 +5916,7 @@
       </p:grpSpPr>
       <p:sp>
         <p:nvSpPr>
-          <p:cNvPr id="389" name="Google Shape;389;g14b7724f5fa_0_52:notes"/>
+          <p:cNvPr id="387" name="Google Shape;387;g14b7724f5fa_0_59:notes"/>
           <p:cNvSpPr/>
           <p:nvPr>
             <p:ph idx="2" type="sldImg"/>
@@ -5815,7 +5951,7 @@
       </p:sp>
       <p:sp>
         <p:nvSpPr>
-          <p:cNvPr id="390" name="Google Shape;390;g14b7724f5fa_0_52:notes"/>
+          <p:cNvPr id="388" name="Google Shape;388;g14b7724f5fa_0_59:notes"/>
           <p:cNvSpPr txBox="1"/>
           <p:nvPr>
             <p:ph idx="1" type="body"/>
@@ -5865,7 +6001,7 @@
   <p:cSld>
     <p:spTree>
       <p:nvGrpSpPr>
-        <p:cNvPr id="396" name="Shape 396"/>
+        <p:cNvPr id="395" name="Shape 395"/>
         <p:cNvGrpSpPr/>
         <p:nvPr/>
       </p:nvGrpSpPr>
@@ -5879,7 +6015,7 @@
       </p:grpSpPr>
       <p:sp>
         <p:nvSpPr>
-          <p:cNvPr id="397" name="Google Shape;397;g14b7724f5fa_0_59:notes"/>
+          <p:cNvPr id="396" name="Google Shape;396;gfee37f7134_1_0:notes"/>
           <p:cNvSpPr/>
           <p:nvPr>
             <p:ph idx="2" type="sldImg"/>
@@ -5914,7 +6050,7 @@
       </p:sp>
       <p:sp>
         <p:nvSpPr>
-          <p:cNvPr id="398" name="Google Shape;398;g14b7724f5fa_0_59:notes"/>
+          <p:cNvPr id="397" name="Google Shape;397;gfee37f7134_1_0:notes"/>
           <p:cNvSpPr txBox="1"/>
           <p:nvPr>
             <p:ph idx="1" type="body"/>
@@ -5964,7 +6100,7 @@
   <p:cSld>
     <p:spTree>
       <p:nvGrpSpPr>
-        <p:cNvPr id="405" name="Shape 405"/>
+        <p:cNvPr id="402" name="Shape 402"/>
         <p:cNvGrpSpPr/>
         <p:nvPr/>
       </p:nvGrpSpPr>
@@ -5978,7 +6114,7 @@
       </p:grpSpPr>
       <p:sp>
         <p:nvSpPr>
-          <p:cNvPr id="406" name="Google Shape;406;g69156a04a61dbae8_7:notes"/>
+          <p:cNvPr id="403" name="Google Shape;403;gfee37f7134_1_8:notes"/>
           <p:cNvSpPr/>
           <p:nvPr>
             <p:ph idx="2" type="sldImg"/>
@@ -6013,7 +6149,7 @@
       </p:sp>
       <p:sp>
         <p:nvSpPr>
-          <p:cNvPr id="407" name="Google Shape;407;g69156a04a61dbae8_7:notes"/>
+          <p:cNvPr id="404" name="Google Shape;404;gfee37f7134_1_8:notes"/>
           <p:cNvSpPr txBox="1"/>
           <p:nvPr>
             <p:ph idx="1" type="body"/>
@@ -6063,7 +6199,7 @@
   <p:cSld>
     <p:spTree>
       <p:nvGrpSpPr>
-        <p:cNvPr id="413" name="Shape 413"/>
+        <p:cNvPr id="409" name="Shape 409"/>
         <p:cNvGrpSpPr/>
         <p:nvPr/>
       </p:nvGrpSpPr>
@@ -6077,7 +6213,7 @@
       </p:grpSpPr>
       <p:sp>
         <p:nvSpPr>
-          <p:cNvPr id="414" name="Google Shape;414;gfe88c0b359_0_25:notes"/>
+          <p:cNvPr id="410" name="Google Shape;410;gfee37f7134_1_16:notes"/>
           <p:cNvSpPr/>
           <p:nvPr>
             <p:ph idx="2" type="sldImg"/>
@@ -6112,7 +6248,7 @@
       </p:sp>
       <p:sp>
         <p:nvSpPr>
-          <p:cNvPr id="415" name="Google Shape;415;gfe88c0b359_0_25:notes"/>
+          <p:cNvPr id="411" name="Google Shape;411;gfee37f7134_1_16:notes"/>
           <p:cNvSpPr txBox="1"/>
           <p:nvPr>
             <p:ph idx="1" type="body"/>
@@ -6143,8 +6279,7 @@
               <a:buNone/>
             </a:pPr>
             <a:r>
-              <a:rPr lang="es"/>
-              <a:t>Mediante la métrica del tiempo medio de adaptación podemos ver </a:t>
+              <a:t/>
             </a:r>
             <a:endParaRPr/>
           </a:p>
@@ -6163,7 +6298,7 @@
   <p:cSld>
     <p:spTree>
       <p:nvGrpSpPr>
-        <p:cNvPr id="423" name="Shape 423"/>
+        <p:cNvPr id="416" name="Shape 416"/>
         <p:cNvGrpSpPr/>
         <p:nvPr/>
       </p:nvGrpSpPr>
@@ -6177,7 +6312,7 @@
       </p:grpSpPr>
       <p:sp>
         <p:nvSpPr>
-          <p:cNvPr id="424" name="Google Shape;424;gfe88c0b359_0_34:notes"/>
+          <p:cNvPr id="417" name="Google Shape;417;g69156a04a61dbae8_7:notes"/>
           <p:cNvSpPr/>
           <p:nvPr>
             <p:ph idx="2" type="sldImg"/>
@@ -6212,7 +6347,7 @@
       </p:sp>
       <p:sp>
         <p:nvSpPr>
-          <p:cNvPr id="425" name="Google Shape;425;gfe88c0b359_0_34:notes"/>
+          <p:cNvPr id="418" name="Google Shape;418;g69156a04a61dbae8_7:notes"/>
           <p:cNvSpPr txBox="1"/>
           <p:nvPr>
             <p:ph idx="1" type="body"/>
@@ -6262,7 +6397,7 @@
   <p:cSld>
     <p:spTree>
       <p:nvGrpSpPr>
-        <p:cNvPr id="430" name="Shape 430"/>
+        <p:cNvPr id="424" name="Shape 424"/>
         <p:cNvGrpSpPr/>
         <p:nvPr/>
       </p:nvGrpSpPr>
@@ -6276,7 +6411,7 @@
       </p:grpSpPr>
       <p:sp>
         <p:nvSpPr>
-          <p:cNvPr id="431" name="Google Shape;431;gfe88c0b359_0_65:notes"/>
+          <p:cNvPr id="425" name="Google Shape;425;gfe88c0b359_0_25:notes"/>
           <p:cNvSpPr/>
           <p:nvPr>
             <p:ph idx="2" type="sldImg"/>
@@ -6311,7 +6446,206 @@
       </p:sp>
       <p:sp>
         <p:nvSpPr>
-          <p:cNvPr id="432" name="Google Shape;432;gfe88c0b359_0_65:notes"/>
+          <p:cNvPr id="426" name="Google Shape;426;gfe88c0b359_0_25:notes"/>
+          <p:cNvSpPr txBox="1"/>
+          <p:nvPr>
+            <p:ph idx="1" type="body"/>
+          </p:nvPr>
+        </p:nvSpPr>
+        <p:spPr>
+          <a:xfrm>
+            <a:off x="685800" y="4343400"/>
+            <a:ext cx="5486400" cy="4114800"/>
+          </a:xfrm>
+          <a:prstGeom prst="rect">
+            <a:avLst/>
+          </a:prstGeom>
+        </p:spPr>
+        <p:txBody>
+          <a:bodyPr anchorCtr="0" anchor="t" bIns="91425" lIns="91425" spcFirstLastPara="1" rIns="91425" wrap="square" tIns="91425">
+            <a:noAutofit/>
+          </a:bodyPr>
+          <a:lstStyle/>
+          <a:p>
+            <a:pPr indent="0" lvl="0" marL="0" rtl="0" algn="l">
+              <a:spcBef>
+                <a:spcPts val="0"/>
+              </a:spcBef>
+              <a:spcAft>
+                <a:spcPts val="0"/>
+              </a:spcAft>
+              <a:buNone/>
+            </a:pPr>
+            <a:r>
+              <a:rPr lang="es"/>
+              <a:t>Mediante la métrica del tiempo medio de adaptación podemos ver </a:t>
+            </a:r>
+            <a:endParaRPr/>
+          </a:p>
+        </p:txBody>
+      </p:sp>
+    </p:spTree>
+  </p:cSld>
+  <p:clrMapOvr>
+    <a:masterClrMapping/>
+  </p:clrMapOvr>
+</p:notes>
+</file>
+
+<file path=ppt/notesSlides/notesSlide47.xml><?xml version="1.0" encoding="utf-8"?>
+<p:notes xmlns:a="http://schemas.openxmlformats.org/drawingml/2006/main" xmlns:r="http://schemas.openxmlformats.org/officeDocument/2006/relationships" xmlns:mc="http://schemas.openxmlformats.org/markup-compatibility/2006" xmlns:mv="urn:schemas-microsoft-com:mac:vml" xmlns:p="http://schemas.openxmlformats.org/presentationml/2006/main" xmlns:c="http://schemas.openxmlformats.org/drawingml/2006/chart" xmlns:dgm="http://schemas.openxmlformats.org/drawingml/2006/diagram" xmlns:o="urn:schemas-microsoft-com:office:office" xmlns:v="urn:schemas-microsoft-com:vml" xmlns:pvml="urn:schemas-microsoft-com:office:powerpoint" xmlns:com="http://schemas.openxmlformats.org/drawingml/2006/compatibility" xmlns:p14="http://schemas.microsoft.com/office/powerpoint/2010/main" xmlns:p15="http://schemas.microsoft.com/office/powerpoint/2012/main" xmlns:ahyp="http://schemas.microsoft.com/office/drawing/2018/hyperlinkcolor" showMasterPhAnim="0" showMasterSp="0">
+  <p:cSld>
+    <p:spTree>
+      <p:nvGrpSpPr>
+        <p:cNvPr id="434" name="Shape 434"/>
+        <p:cNvGrpSpPr/>
+        <p:nvPr/>
+      </p:nvGrpSpPr>
+      <p:grpSpPr>
+        <a:xfrm>
+          <a:off x="0" y="0"/>
+          <a:ext cx="0" cy="0"/>
+          <a:chOff x="0" y="0"/>
+          <a:chExt cx="0" cy="0"/>
+        </a:xfrm>
+      </p:grpSpPr>
+      <p:sp>
+        <p:nvSpPr>
+          <p:cNvPr id="435" name="Google Shape;435;gfe88c0b359_0_34:notes"/>
+          <p:cNvSpPr/>
+          <p:nvPr>
+            <p:ph idx="2" type="sldImg"/>
+          </p:nvPr>
+        </p:nvSpPr>
+        <p:spPr>
+          <a:xfrm>
+            <a:off x="381300" y="685800"/>
+            <a:ext cx="6096000" cy="3429000"/>
+          </a:xfrm>
+          <a:custGeom>
+            <a:rect b="b" l="l" r="r" t="t"/>
+            <a:pathLst>
+              <a:path extrusionOk="0" h="120000" w="120000">
+                <a:moveTo>
+                  <a:pt x="0" y="0"/>
+                </a:moveTo>
+                <a:lnTo>
+                  <a:pt x="120000" y="0"/>
+                </a:lnTo>
+                <a:lnTo>
+                  <a:pt x="120000" y="120000"/>
+                </a:lnTo>
+                <a:lnTo>
+                  <a:pt x="0" y="120000"/>
+                </a:lnTo>
+                <a:close/>
+              </a:path>
+            </a:pathLst>
+          </a:custGeom>
+        </p:spPr>
+      </p:sp>
+      <p:sp>
+        <p:nvSpPr>
+          <p:cNvPr id="436" name="Google Shape;436;gfe88c0b359_0_34:notes"/>
+          <p:cNvSpPr txBox="1"/>
+          <p:nvPr>
+            <p:ph idx="1" type="body"/>
+          </p:nvPr>
+        </p:nvSpPr>
+        <p:spPr>
+          <a:xfrm>
+            <a:off x="685800" y="4343400"/>
+            <a:ext cx="5486400" cy="4114800"/>
+          </a:xfrm>
+          <a:prstGeom prst="rect">
+            <a:avLst/>
+          </a:prstGeom>
+        </p:spPr>
+        <p:txBody>
+          <a:bodyPr anchorCtr="0" anchor="t" bIns="91425" lIns="91425" spcFirstLastPara="1" rIns="91425" wrap="square" tIns="91425">
+            <a:noAutofit/>
+          </a:bodyPr>
+          <a:lstStyle/>
+          <a:p>
+            <a:pPr indent="0" lvl="0" marL="0" rtl="0" algn="l">
+              <a:spcBef>
+                <a:spcPts val="0"/>
+              </a:spcBef>
+              <a:spcAft>
+                <a:spcPts val="0"/>
+              </a:spcAft>
+              <a:buNone/>
+            </a:pPr>
+            <a:r>
+              <a:t/>
+            </a:r>
+            <a:endParaRPr/>
+          </a:p>
+        </p:txBody>
+      </p:sp>
+    </p:spTree>
+  </p:cSld>
+  <p:clrMapOvr>
+    <a:masterClrMapping/>
+  </p:clrMapOvr>
+</p:notes>
+</file>
+
+<file path=ppt/notesSlides/notesSlide48.xml><?xml version="1.0" encoding="utf-8"?>
+<p:notes xmlns:a="http://schemas.openxmlformats.org/drawingml/2006/main" xmlns:r="http://schemas.openxmlformats.org/officeDocument/2006/relationships" xmlns:mc="http://schemas.openxmlformats.org/markup-compatibility/2006" xmlns:mv="urn:schemas-microsoft-com:mac:vml" xmlns:p="http://schemas.openxmlformats.org/presentationml/2006/main" xmlns:c="http://schemas.openxmlformats.org/drawingml/2006/chart" xmlns:dgm="http://schemas.openxmlformats.org/drawingml/2006/diagram" xmlns:o="urn:schemas-microsoft-com:office:office" xmlns:v="urn:schemas-microsoft-com:vml" xmlns:pvml="urn:schemas-microsoft-com:office:powerpoint" xmlns:com="http://schemas.openxmlformats.org/drawingml/2006/compatibility" xmlns:p14="http://schemas.microsoft.com/office/powerpoint/2010/main" xmlns:p15="http://schemas.microsoft.com/office/powerpoint/2012/main" xmlns:ahyp="http://schemas.microsoft.com/office/drawing/2018/hyperlinkcolor" showMasterPhAnim="0" showMasterSp="0">
+  <p:cSld>
+    <p:spTree>
+      <p:nvGrpSpPr>
+        <p:cNvPr id="441" name="Shape 441"/>
+        <p:cNvGrpSpPr/>
+        <p:nvPr/>
+      </p:nvGrpSpPr>
+      <p:grpSpPr>
+        <a:xfrm>
+          <a:off x="0" y="0"/>
+          <a:ext cx="0" cy="0"/>
+          <a:chOff x="0" y="0"/>
+          <a:chExt cx="0" cy="0"/>
+        </a:xfrm>
+      </p:grpSpPr>
+      <p:sp>
+        <p:nvSpPr>
+          <p:cNvPr id="442" name="Google Shape;442;gfe88c0b359_0_65:notes"/>
+          <p:cNvSpPr/>
+          <p:nvPr>
+            <p:ph idx="2" type="sldImg"/>
+          </p:nvPr>
+        </p:nvSpPr>
+        <p:spPr>
+          <a:xfrm>
+            <a:off x="381300" y="685800"/>
+            <a:ext cx="6096000" cy="3429000"/>
+          </a:xfrm>
+          <a:custGeom>
+            <a:rect b="b" l="l" r="r" t="t"/>
+            <a:pathLst>
+              <a:path extrusionOk="0" h="120000" w="120000">
+                <a:moveTo>
+                  <a:pt x="0" y="0"/>
+                </a:moveTo>
+                <a:lnTo>
+                  <a:pt x="120000" y="0"/>
+                </a:lnTo>
+                <a:lnTo>
+                  <a:pt x="120000" y="120000"/>
+                </a:lnTo>
+                <a:lnTo>
+                  <a:pt x="0" y="120000"/>
+                </a:lnTo>
+                <a:close/>
+              </a:path>
+            </a:pathLst>
+          </a:custGeom>
+        </p:spPr>
+      </p:sp>
+      <p:sp>
+        <p:nvSpPr>
+          <p:cNvPr id="443" name="Google Shape;443;gfe88c0b359_0_65:notes"/>
           <p:cNvSpPr txBox="1"/>
           <p:nvPr>
             <p:ph idx="1" type="body"/>
@@ -6529,81 +6863,7 @@
                   <a:schemeClr val="dk1"/>
                 </a:solidFill>
               </a:rPr>
-              <a:t>Por ejemplo, en base a las mediciones de temperatura, se enciende o se apaga el aire acondicionado para alcanzar la temperatura objetivo.</a:t>
-            </a:r>
-            <a:endParaRPr>
-              <a:solidFill>
-                <a:schemeClr val="dk1"/>
-              </a:solidFill>
-            </a:endParaRPr>
-          </a:p>
-          <a:p>
-            <a:pPr indent="0" lvl="0" marL="0" rtl="0" algn="l">
-              <a:spcBef>
-                <a:spcPts val="0"/>
-              </a:spcBef>
-              <a:spcAft>
-                <a:spcPts val="0"/>
-              </a:spcAft>
-              <a:buNone/>
-            </a:pPr>
-            <a:r>
-              <a:t/>
-            </a:r>
-            <a:endParaRPr/>
-          </a:p>
-          <a:p>
-            <a:pPr indent="0" lvl="0" marL="0" rtl="0" algn="l">
-              <a:spcBef>
-                <a:spcPts val="0"/>
-              </a:spcBef>
-              <a:spcAft>
-                <a:spcPts val="0"/>
-              </a:spcAft>
-              <a:buNone/>
-            </a:pPr>
-            <a:r>
-              <a:t/>
-            </a:r>
-            <a:endParaRPr/>
-          </a:p>
-          <a:p>
-            <a:pPr indent="0" lvl="0" marL="0" rtl="0" algn="l">
-              <a:spcBef>
-                <a:spcPts val="0"/>
-              </a:spcBef>
-              <a:spcAft>
-                <a:spcPts val="0"/>
-              </a:spcAft>
-              <a:buNone/>
-            </a:pPr>
-            <a:r>
-              <a:rPr lang="es"/>
-              <a:t>Se basan en el concepto de bucle de control o </a:t>
-            </a:r>
-            <a:r>
-              <a:rPr i="1" lang="es"/>
-              <a:t>feedback loops</a:t>
-            </a:r>
-            <a:r>
-              <a:rPr lang="es"/>
-              <a:t>. Se trata de procesos iterativos que, en base a información del sistema y del entorno, detectan situaciones que requieran que el sistema se </a:t>
-            </a:r>
-            <a:r>
-              <a:rPr b="1" lang="es"/>
-              <a:t>adapte</a:t>
-            </a:r>
-            <a:r>
-              <a:rPr lang="es"/>
-              <a:t>. En base a ellas, se </a:t>
-            </a:r>
-            <a:r>
-              <a:rPr b="1" lang="es"/>
-              <a:t>cambia la configuración</a:t>
-            </a:r>
-            <a:r>
-              <a:rPr b="1" lang="es"/>
-              <a:t> el sistema. </a:t>
+              <a:t>Por ejemplo, en base a las mediciones de temperatura, si es un día que hace mucho calor, se encenderá el aire acondicionado para enfriar la habitación.</a:t>
             </a:r>
             <a:endParaRPr/>
           </a:p>
@@ -6712,7 +6972,7 @@
                   <a:schemeClr val="dk1"/>
                 </a:solidFill>
               </a:rPr>
-              <a:t>En el ámbito del software los podemos implementar mediante la arquitectura de bucle MAPE-K. Se trata de una propuesta arquitectónica de IBM. </a:t>
+              <a:t>Para implementar este tipo de sistemas, contamos con una propuesta arquitectónica de IBM. El bucle MAPE-K.</a:t>
             </a:r>
             <a:endParaRPr>
               <a:solidFill>
@@ -6765,7 +7025,23 @@
                   <a:schemeClr val="dk1"/>
                 </a:solidFill>
               </a:rPr>
-              <a:t>La arquitectura está compuesta por elementos autónomos, como el que vemos en la figura. Se trata de componentes que son capaces de gestionarse a sí mismos en base a </a:t>
+              <a:t>Esta define el concepto de </a:t>
+            </a:r>
+            <a:r>
+              <a:rPr b="1" lang="es">
+                <a:solidFill>
+                  <a:schemeClr val="dk1"/>
+                </a:solidFill>
+              </a:rPr>
+              <a:t>elementos autónomos</a:t>
+            </a:r>
+            <a:r>
+              <a:rPr lang="es">
+                <a:solidFill>
+                  <a:schemeClr val="dk1"/>
+                </a:solidFill>
+              </a:rPr>
+              <a:t> (los sistemas autoadaptativos). Estos son capaces de gestionarse a sí mismos en base a </a:t>
             </a:r>
             <a:r>
               <a:rPr b="1" lang="es">
@@ -6781,7 +7057,7 @@
                   <a:schemeClr val="dk1"/>
                 </a:solidFill>
               </a:rPr>
-              <a:t>definidas por los operarios humanos. En el caso de estudio, la temperatura de confort.</a:t>
+              <a:t>definidas por los operarios humanos. En el sistema de climatización, la temperatura de confort.</a:t>
             </a:r>
             <a:endParaRPr>
               <a:solidFill>
@@ -6829,36 +7105,76 @@
               <a:buNone/>
             </a:pPr>
             <a:r>
-              <a:t/>
-            </a:r>
-            <a:endParaRPr>
-              <a:solidFill>
-                <a:schemeClr val="dk1"/>
-              </a:solidFill>
-            </a:endParaRPr>
-          </a:p>
-          <a:p>
-            <a:pPr indent="0" lvl="0" marL="0" rtl="0" algn="l">
-              <a:spcBef>
-                <a:spcPts val="0"/>
-              </a:spcBef>
-              <a:spcAft>
-                <a:spcPts val="0"/>
-              </a:spcAft>
-              <a:buClr>
-                <a:schemeClr val="dk1"/>
-              </a:buClr>
-              <a:buSzPts val="1100"/>
-              <a:buFont typeface="Arial"/>
-              <a:buNone/>
-            </a:pPr>
-            <a:r>
               <a:rPr lang="es">
                 <a:solidFill>
                   <a:schemeClr val="dk1"/>
                 </a:solidFill>
               </a:rPr>
-              <a:t>Estos se dividen en dos partes: el controlador autónomo (el bucle MAPE-K) y el recurso manejado (nuestro sistema).</a:t>
+              <a:t>Estos se dividen en dos partes: En primer lugar tenemos el recurso manejado (el aparato de aire acondicionado). Este </a:t>
+            </a:r>
+            <a:r>
+              <a:rPr b="1" lang="es">
+                <a:solidFill>
+                  <a:schemeClr val="dk1"/>
+                </a:solidFill>
+              </a:rPr>
+              <a:t>ofrece </a:t>
+            </a:r>
+            <a:r>
+              <a:rPr lang="es">
+                <a:solidFill>
+                  <a:schemeClr val="dk1"/>
+                </a:solidFill>
+              </a:rPr>
+              <a:t>una serie de </a:t>
+            </a:r>
+            <a:r>
+              <a:rPr b="1" lang="es">
+                <a:solidFill>
+                  <a:schemeClr val="dk1"/>
+                </a:solidFill>
+              </a:rPr>
+              <a:t>interfaces</a:t>
+            </a:r>
+            <a:r>
+              <a:rPr lang="es">
+                <a:solidFill>
+                  <a:schemeClr val="dk1"/>
+                </a:solidFill>
+              </a:rPr>
+              <a:t> </a:t>
+            </a:r>
+            <a:r>
+              <a:rPr b="1" lang="es">
+                <a:solidFill>
+                  <a:schemeClr val="dk1"/>
+                </a:solidFill>
+              </a:rPr>
+              <a:t>o touchpoints</a:t>
+            </a:r>
+            <a:r>
+              <a:rPr lang="es">
+                <a:solidFill>
+                  <a:schemeClr val="dk1"/>
+                </a:solidFill>
+              </a:rPr>
+              <a:t> que permiten a un </a:t>
+            </a:r>
+            <a:r>
+              <a:rPr b="1" lang="es">
+                <a:solidFill>
+                  <a:schemeClr val="dk1"/>
+                </a:solidFill>
+              </a:rPr>
+              <a:t>controlador autonomo (el bucle MAPE-K)</a:t>
+            </a:r>
+            <a:r>
+              <a:rPr lang="es">
+                <a:solidFill>
+                  <a:schemeClr val="dk1"/>
+                </a:solidFill>
+              </a:rPr>
+              <a:t> controlarlo externamente.</a:t>
             </a:r>
             <a:endParaRPr>
               <a:solidFill>
@@ -6919,296 +7235,23 @@
                   <a:schemeClr val="dk1"/>
                 </a:solidFill>
               </a:rPr>
-              <a:t>siglas (MAPE-K) representan las etapas del bucle de control: monitorizar el sistema y el entorno, recogiendo información de las sondas como el termómetro, analizar los datos recogidos para determinar si hace falta ejecutar una adaptación (como encen, planificar adaptaciones y ejecutarlas. La K representa el conocimiento, que informa a todas las etapas del bucle.</a:t>
-            </a:r>
-            <a:endParaRPr>
-              <a:solidFill>
-                <a:schemeClr val="dk1"/>
-              </a:solidFill>
-            </a:endParaRPr>
-          </a:p>
-          <a:p>
-            <a:pPr indent="0" lvl="0" marL="0" rtl="0" algn="l">
-              <a:spcBef>
-                <a:spcPts val="0"/>
-              </a:spcBef>
-              <a:spcAft>
-                <a:spcPts val="0"/>
-              </a:spcAft>
-              <a:buClr>
-                <a:schemeClr val="dk1"/>
-              </a:buClr>
-              <a:buSzPts val="1100"/>
-              <a:buFont typeface="Arial"/>
-              <a:buNone/>
-            </a:pPr>
-            <a:r>
-              <a:t/>
-            </a:r>
-            <a:endParaRPr>
-              <a:solidFill>
-                <a:schemeClr val="dk1"/>
-              </a:solidFill>
-            </a:endParaRPr>
-          </a:p>
-          <a:p>
-            <a:pPr indent="0" lvl="0" marL="0" rtl="0" algn="l">
-              <a:spcBef>
-                <a:spcPts val="0"/>
-              </a:spcBef>
-              <a:spcAft>
-                <a:spcPts val="0"/>
-              </a:spcAft>
-              <a:buClr>
-                <a:schemeClr val="dk1"/>
-              </a:buClr>
-              <a:buSzPts val="1100"/>
-              <a:buFont typeface="Arial"/>
-              <a:buNone/>
-            </a:pPr>
-            <a:r>
-              <a:t/>
-            </a:r>
-            <a:endParaRPr>
-              <a:solidFill>
-                <a:schemeClr val="dk1"/>
-              </a:solidFill>
-            </a:endParaRPr>
-          </a:p>
-          <a:p>
-            <a:pPr indent="0" lvl="0" marL="0" rtl="0" algn="l">
-              <a:spcBef>
-                <a:spcPts val="0"/>
-              </a:spcBef>
-              <a:spcAft>
-                <a:spcPts val="0"/>
-              </a:spcAft>
-              <a:buClr>
-                <a:schemeClr val="dk1"/>
-              </a:buClr>
-              <a:buSzPts val="1100"/>
-              <a:buFont typeface="Arial"/>
-              <a:buNone/>
-            </a:pPr>
+              <a:t>siglas (MAPE-K) representan las etapas del bucle de control: monitorizar el sistema y el entorno, recogiendo información de las sondas como el termómetro, extrae información relevante y </a:t>
+            </a:r>
+            <a:r>
+              <a:rPr b="1" lang="es">
+                <a:solidFill>
+                  <a:schemeClr val="dk1"/>
+                </a:solidFill>
+              </a:rPr>
+              <a:t>la almacena en la base de conocimiento</a:t>
+            </a:r>
             <a:r>
               <a:rPr lang="es">
                 <a:solidFill>
                   <a:schemeClr val="dk1"/>
                 </a:solidFill>
               </a:rPr>
-              <a:t>. El bucle obtiene información a través de la sondas (la temperatura), la procesa y decide si es necesario una adaptación. En caso afirmativo, planificará las acciones necesarias para cambiar la configuración del recurso manejado a través de sus efectores. Por ejemplo, activar el modo enfriar del aire acondicionado.</a:t>
-            </a:r>
-            <a:endParaRPr>
-              <a:solidFill>
-                <a:schemeClr val="dk1"/>
-              </a:solidFill>
-            </a:endParaRPr>
-          </a:p>
-          <a:p>
-            <a:pPr indent="0" lvl="0" marL="0" rtl="0" algn="l">
-              <a:spcBef>
-                <a:spcPts val="0"/>
-              </a:spcBef>
-              <a:spcAft>
-                <a:spcPts val="0"/>
-              </a:spcAft>
-              <a:buClr>
-                <a:schemeClr val="dk1"/>
-              </a:buClr>
-              <a:buSzPts val="1100"/>
-              <a:buFont typeface="Arial"/>
-              <a:buNone/>
-            </a:pPr>
-            <a:r>
-              <a:t/>
-            </a:r>
-            <a:endParaRPr>
-              <a:solidFill>
-                <a:schemeClr val="dk1"/>
-              </a:solidFill>
-            </a:endParaRPr>
-          </a:p>
-          <a:p>
-            <a:pPr indent="0" lvl="0" marL="0" rtl="0" algn="l">
-              <a:spcBef>
-                <a:spcPts val="0"/>
-              </a:spcBef>
-              <a:spcAft>
-                <a:spcPts val="0"/>
-              </a:spcAft>
-              <a:buClr>
-                <a:schemeClr val="dk1"/>
-              </a:buClr>
-              <a:buSzPts val="1100"/>
-              <a:buFont typeface="Arial"/>
-              <a:buNone/>
-            </a:pPr>
-            <a:r>
-              <a:rPr lang="es">
-                <a:solidFill>
-                  <a:schemeClr val="dk1"/>
-                </a:solidFill>
-              </a:rPr>
-              <a:t>—-----------------------------------</a:t>
-            </a:r>
-            <a:endParaRPr>
-              <a:solidFill>
-                <a:schemeClr val="dk1"/>
-              </a:solidFill>
-            </a:endParaRPr>
-          </a:p>
-          <a:p>
-            <a:pPr indent="0" lvl="0" marL="0" rtl="0" algn="l">
-              <a:spcBef>
-                <a:spcPts val="0"/>
-              </a:spcBef>
-              <a:spcAft>
-                <a:spcPts val="0"/>
-              </a:spcAft>
-              <a:buClr>
-                <a:schemeClr val="dk1"/>
-              </a:buClr>
-              <a:buSzPts val="1100"/>
-              <a:buFont typeface="Arial"/>
-              <a:buNone/>
-            </a:pPr>
-            <a:r>
-              <a:t/>
-            </a:r>
-            <a:endParaRPr>
-              <a:solidFill>
-                <a:schemeClr val="dk1"/>
-              </a:solidFill>
-            </a:endParaRPr>
-          </a:p>
-          <a:p>
-            <a:pPr indent="0" lvl="0" marL="0" rtl="0" algn="l">
-              <a:spcBef>
-                <a:spcPts val="0"/>
-              </a:spcBef>
-              <a:spcAft>
-                <a:spcPts val="0"/>
-              </a:spcAft>
-              <a:buClr>
-                <a:schemeClr val="dk1"/>
-              </a:buClr>
-              <a:buSzPts val="1100"/>
-              <a:buFont typeface="Arial"/>
-              <a:buNone/>
-            </a:pPr>
-            <a:r>
-              <a:rPr lang="es">
-                <a:solidFill>
-                  <a:schemeClr val="dk1"/>
-                </a:solidFill>
-              </a:rPr>
-              <a:t>El bucle contacta con nuestro sistema a través de las sondas y efectores, los touchpoints. Las sondas reportan información, y los efectores le permiten cambiar su configuración.</a:t>
-            </a:r>
-            <a:endParaRPr>
-              <a:solidFill>
-                <a:schemeClr val="dk1"/>
-              </a:solidFill>
-            </a:endParaRPr>
-          </a:p>
-          <a:p>
-            <a:pPr indent="0" lvl="0" marL="0" rtl="0" algn="l">
-              <a:spcBef>
-                <a:spcPts val="0"/>
-              </a:spcBef>
-              <a:spcAft>
-                <a:spcPts val="0"/>
-              </a:spcAft>
-              <a:buClr>
-                <a:schemeClr val="dk1"/>
-              </a:buClr>
-              <a:buSzPts val="1100"/>
-              <a:buFont typeface="Arial"/>
-              <a:buNone/>
-            </a:pPr>
-            <a:r>
-              <a:t/>
-            </a:r>
-            <a:endParaRPr>
-              <a:solidFill>
-                <a:schemeClr val="dk1"/>
-              </a:solidFill>
-            </a:endParaRPr>
-          </a:p>
-          <a:p>
-            <a:pPr indent="0" lvl="0" marL="0" rtl="0" algn="l">
-              <a:spcBef>
-                <a:spcPts val="0"/>
-              </a:spcBef>
-              <a:spcAft>
-                <a:spcPts val="0"/>
-              </a:spcAft>
-              <a:buClr>
-                <a:schemeClr val="dk1"/>
-              </a:buClr>
-              <a:buSzPts val="1100"/>
-              <a:buFont typeface="Arial"/>
-              <a:buNone/>
-            </a:pPr>
-            <a:r>
-              <a:rPr lang="es">
-                <a:solidFill>
-                  <a:schemeClr val="dk1"/>
-                </a:solidFill>
-              </a:rPr>
-              <a:t>Vemos en el diagrama que la información sigue una secuencia: Las sondas recaban información “en bruto” del sistema y el entorno, y se la envían al bucle. Este la procesará, analizará y determinará si es necesario aplicar alguna acción correctiva. Si es así. manipulará los efectores del recurso manejado.</a:t>
-            </a:r>
-            <a:endParaRPr>
-              <a:solidFill>
-                <a:schemeClr val="dk1"/>
-              </a:solidFill>
-            </a:endParaRPr>
-          </a:p>
-          <a:p>
-            <a:pPr indent="0" lvl="0" marL="0" rtl="0" algn="l">
-              <a:spcBef>
-                <a:spcPts val="0"/>
-              </a:spcBef>
-              <a:spcAft>
-                <a:spcPts val="0"/>
-              </a:spcAft>
-              <a:buClr>
-                <a:schemeClr val="dk1"/>
-              </a:buClr>
-              <a:buSzPts val="1100"/>
-              <a:buFont typeface="Arial"/>
-              <a:buNone/>
-            </a:pPr>
-            <a:r>
-              <a:t/>
-            </a:r>
-            <a:endParaRPr>
-              <a:solidFill>
-                <a:schemeClr val="dk1"/>
-              </a:solidFill>
-            </a:endParaRPr>
-          </a:p>
-          <a:p>
-            <a:pPr indent="0" lvl="0" marL="0" rtl="0" algn="l">
-              <a:spcBef>
-                <a:spcPts val="0"/>
-              </a:spcBef>
-              <a:spcAft>
-                <a:spcPts val="0"/>
-              </a:spcAft>
-              <a:buClr>
-                <a:schemeClr val="dk1"/>
-              </a:buClr>
-              <a:buSzPts val="1100"/>
-              <a:buFont typeface="Arial"/>
-              <a:buNone/>
-            </a:pPr>
-            <a:r>
-              <a:rPr lang="es">
-                <a:solidFill>
-                  <a:schemeClr val="dk1"/>
-                </a:solidFill>
-              </a:rPr>
-              <a:t>Por ejemplo, recibirá la temperatura, analizará si excede algún umbral y decidirá si es necesario cambiar el modo actual.</a:t>
+              <a:t>, A continaución analiza los datos recogidos para determinar si hace falta ejecutar una adaptación (como encender o apagar el aire acondicionado), planificar adaptaciones y ejecutarlas. El ejecutor enviará los comandos a los efectores del sistema, que sabrán cómo ejecutarlos. La K representa el conocimiento, que informa a todas las etapas del bucle.</a:t>
             </a:r>
             <a:endParaRPr>
               <a:solidFill>
@@ -7312,7 +7355,15 @@
             </a:pPr>
             <a:r>
               <a:rPr lang="es"/>
-              <a:t>En el framework FAdA encontramos una implementación de esta arquitectura. Este framework, desarrollado   de ellos es el bucle MAPE-K Lite.</a:t>
+              <a:t>En el</a:t>
+            </a:r>
+            <a:r>
+              <a:rPr b="1" lang="es"/>
+              <a:t> framework FAdA</a:t>
+            </a:r>
+            <a:r>
+              <a:rPr lang="es"/>
+              <a:t> encontramos una implementación de esta arquitectura. Este framework es desarrollado por el grupo PROS/Tatami del instituto Vrain/UPV.</a:t>
             </a:r>
             <a:endParaRPr/>
           </a:p>
@@ -7343,7 +7394,46 @@
             </a:pPr>
             <a:r>
               <a:rPr lang="es"/>
-              <a:t>Se trata de un bucle de control genérico </a:t>
+              <a:t>Usando técnicas de Model Driven Development permite el desarrollo de sistemas autoadaptativos. Está compuesto por una serie de herramientas y metodologías, como el Bucle MAPE-K Lite. </a:t>
+            </a:r>
+            <a:endParaRPr/>
+          </a:p>
+          <a:p>
+            <a:pPr indent="0" lvl="0" marL="0" rtl="0" algn="l">
+              <a:spcBef>
+                <a:spcPts val="0"/>
+              </a:spcBef>
+              <a:spcAft>
+                <a:spcPts val="0"/>
+              </a:spcAft>
+              <a:buNone/>
+            </a:pPr>
+            <a:r>
+              <a:t/>
+            </a:r>
+            <a:endParaRPr/>
+          </a:p>
+          <a:p>
+            <a:pPr indent="0" lvl="0" marL="0" rtl="0" algn="l">
+              <a:spcBef>
+                <a:spcPts val="0"/>
+              </a:spcBef>
+              <a:spcAft>
+                <a:spcPts val="0"/>
+              </a:spcAft>
+              <a:buNone/>
+            </a:pPr>
+            <a:r>
+              <a:rPr lang="es"/>
+              <a:t>Se trata de un </a:t>
+            </a:r>
+            <a:r>
+              <a:rPr b="1" lang="es"/>
+              <a:t>bucle de control genérico</a:t>
+            </a:r>
+            <a:r>
+              <a:rPr lang="es"/>
+              <a:t> </a:t>
             </a:r>
             <a:r>
               <a:rPr lang="es"/>
@@ -7351,142 +7441,7 @@
             </a:r>
             <a:r>
               <a:rPr lang="es"/>
-              <a:t> para gestionar sistemas basados en microservicios. Por ello, es capaz solicitar el despliegue de nuevos servicios o su eliminación.</a:t>
-            </a:r>
-            <a:endParaRPr/>
-          </a:p>
-          <a:p>
-            <a:pPr indent="0" lvl="0" marL="0" rtl="0" algn="l">
-              <a:spcBef>
-                <a:spcPts val="0"/>
-              </a:spcBef>
-              <a:spcAft>
-                <a:spcPts val="0"/>
-              </a:spcAft>
-              <a:buNone/>
-            </a:pPr>
-            <a:r>
-              <a:t/>
-            </a:r>
-            <a:endParaRPr/>
-          </a:p>
-          <a:p>
-            <a:pPr indent="0" lvl="0" marL="0" rtl="0" algn="l">
-              <a:spcBef>
-                <a:spcPts val="0"/>
-              </a:spcBef>
-              <a:spcAft>
-                <a:spcPts val="0"/>
-              </a:spcAft>
-              <a:buNone/>
-            </a:pPr>
-            <a:r>
-              <a:rPr lang="es">
-                <a:solidFill>
-                  <a:schemeClr val="dk1"/>
-                </a:solidFill>
-              </a:rPr>
-              <a:t>Está implementado como un servicio modular, en el cual se cargan los componentes específicos para trabajar con distintas soluciones. Por ejemplo, reglas de adaptación que permitan activar o desactivar el aire acondicionado.</a:t>
-            </a:r>
-            <a:endParaRPr/>
-          </a:p>
-          <a:p>
-            <a:pPr indent="0" lvl="0" marL="0" rtl="0" algn="l">
-              <a:spcBef>
-                <a:spcPts val="0"/>
-              </a:spcBef>
-              <a:spcAft>
-                <a:spcPts val="0"/>
-              </a:spcAft>
-              <a:buNone/>
-            </a:pPr>
-            <a:r>
-              <a:t/>
-            </a:r>
-            <a:endParaRPr/>
-          </a:p>
-          <a:p>
-            <a:pPr indent="0" lvl="0" marL="0" rtl="0" algn="l">
-              <a:spcBef>
-                <a:spcPts val="0"/>
-              </a:spcBef>
-              <a:spcAft>
-                <a:spcPts val="0"/>
-              </a:spcAft>
-              <a:buNone/>
-            </a:pPr>
-            <a:r>
-              <a:t/>
-            </a:r>
-            <a:endParaRPr/>
-          </a:p>
-          <a:p>
-            <a:pPr indent="0" lvl="0" marL="0" rtl="0" algn="l">
-              <a:spcBef>
-                <a:spcPts val="0"/>
-              </a:spcBef>
-              <a:spcAft>
-                <a:spcPts val="0"/>
-              </a:spcAft>
-              <a:buNone/>
-            </a:pPr>
-            <a:r>
-              <a:t/>
-            </a:r>
-            <a:endParaRPr/>
-          </a:p>
-          <a:p>
-            <a:pPr indent="0" lvl="0" marL="0" rtl="0" algn="l">
-              <a:spcBef>
-                <a:spcPts val="0"/>
-              </a:spcBef>
-              <a:spcAft>
-                <a:spcPts val="0"/>
-              </a:spcAft>
-              <a:buNone/>
-            </a:pPr>
-            <a:r>
-              <a:rPr lang="es"/>
-              <a:t>El principal problema que tiene, es que estos componentes específicos se despliegan con el propio servicio. Si </a:t>
-            </a:r>
-            <a:r>
-              <a:rPr lang="es"/>
-              <a:t>quisiéramos</a:t>
-            </a:r>
-            <a:r>
-              <a:rPr lang="es"/>
-              <a:t> cambiar alguno, tenemos que parar el servicio y desplegar una nueva estancia. Esto no es muy eficiente y puede dar problemas, como dejar un tiempo sin servicio.</a:t>
-            </a:r>
-            <a:endParaRPr/>
-          </a:p>
-          <a:p>
-            <a:pPr indent="0" lvl="0" marL="0" rtl="0" algn="l">
-              <a:spcBef>
-                <a:spcPts val="0"/>
-              </a:spcBef>
-              <a:spcAft>
-                <a:spcPts val="0"/>
-              </a:spcAft>
-              <a:buNone/>
-            </a:pPr>
-            <a:r>
-              <a:t/>
-            </a:r>
-            <a:endParaRPr/>
-          </a:p>
-          <a:p>
-            <a:pPr indent="0" lvl="0" marL="0" rtl="0" algn="l">
-              <a:spcBef>
-                <a:spcPts val="0"/>
-              </a:spcBef>
-              <a:spcAft>
-                <a:spcPts val="0"/>
-              </a:spcAft>
-              <a:buNone/>
-            </a:pPr>
-            <a:r>
-              <a:rPr lang="es"/>
-              <a:t>Problemas típicos de monolito:</a:t>
+              <a:t> para gestionar sistemas basados en microservicios. Es capaz solicitar el despliegue de nuevos servicios o su eliminación, conectarlos, etc.</a:t>
             </a:r>
             <a:endParaRPr/>
           </a:p>
@@ -7586,7 +7541,23 @@
             </a:pPr>
             <a:r>
               <a:rPr lang="es"/>
-              <a:t>En el framework FAdA encontramos una implementación de esta arquitectura. Este framework, desarrollado   de ellos es el bucle MAPE-K Lite.</a:t>
+              <a:t>Para gestionar las soluciones autoadaptativas deben desarrollarse </a:t>
+            </a:r>
+            <a:r>
+              <a:rPr b="1" lang="es"/>
+              <a:t>componentes específicos, </a:t>
+            </a:r>
+            <a:r>
+              <a:rPr lang="es"/>
+              <a:t>que estarán </a:t>
+            </a:r>
+            <a:r>
+              <a:rPr b="1" lang="es"/>
+              <a:t>acoplados al dominio del recurso manejado. </a:t>
+            </a:r>
+            <a:r>
+              <a:rPr lang="es"/>
+              <a:t>Monitores, reglas de adaptación….</a:t>
             </a:r>
             <a:endParaRPr/>
           </a:p>
@@ -7617,7 +7588,35 @@
             </a:pPr>
             <a:r>
               <a:rPr lang="es"/>
-              <a:t>Se trata de un bucle de control genérico específico para gestionar sistemas basados en microservicios. Por ello, es capaz solicitar el despliegue de nuevos servicios o su eliminación.</a:t>
+              <a:t>Pero el sistema tiene un problema: </a:t>
+            </a:r>
+            <a:r>
+              <a:rPr lang="es"/>
+              <a:t>Se despliega como un </a:t>
+            </a:r>
+            <a:r>
+              <a:rPr b="1" lang="es"/>
+              <a:t>servicio </a:t>
+            </a:r>
+            <a:r>
+              <a:rPr b="1" lang="es"/>
+              <a:t>monolítico</a:t>
+            </a:r>
+            <a:r>
+              <a:rPr b="1" lang="es"/>
+              <a:t>. </a:t>
+            </a:r>
+            <a:r>
+              <a:rPr lang="es"/>
+              <a:t>Todos los componentes específicos se despliegan dentro del mismo proceso del bucle </a:t>
+            </a:r>
+            <a:r>
+              <a:rPr lang="es"/>
+              <a:t>genérico</a:t>
+            </a:r>
+            <a:r>
+              <a:rPr lang="es"/>
+              <a:t>.</a:t>
             </a:r>
             <a:endParaRPr/>
           </a:p>
@@ -7634,7 +7633,11 @@
             <a:r>
               <a:t/>
             </a:r>
-            <a:endParaRPr/>
+            <a:endParaRPr>
+              <a:solidFill>
+                <a:schemeClr val="dk1"/>
+              </a:solidFill>
+            </a:endParaRPr>
           </a:p>
           <a:p>
             <a:pPr indent="0" lvl="0" marL="0" rtl="0" algn="l">
@@ -7652,9 +7655,45 @@
                   <a:schemeClr val="dk1"/>
                 </a:solidFill>
               </a:rPr>
-              <a:t>Está implementado como un servicio modular, en el cual se cargan los componentes específicos para trabajar con distintas soluciones. Por ejemplo, reglas de adaptación que permitan activar o desactivar el aire acondicionado.</a:t>
-            </a:r>
-            <a:endParaRPr/>
+              <a:t>Por tanto, </a:t>
+            </a:r>
+            <a:r>
+              <a:rPr b="1" lang="es">
+                <a:solidFill>
+                  <a:schemeClr val="dk1"/>
+                </a:solidFill>
+              </a:rPr>
+              <a:t>no es un sistema muy flexible</a:t>
+            </a:r>
+            <a:r>
+              <a:rPr lang="es">
+                <a:solidFill>
+                  <a:schemeClr val="dk1"/>
+                </a:solidFill>
+              </a:rPr>
+              <a:t>. Si </a:t>
+            </a:r>
+            <a:r>
+              <a:rPr lang="es">
+                <a:solidFill>
+                  <a:schemeClr val="dk1"/>
+                </a:solidFill>
+              </a:rPr>
+              <a:t>quisiéramos</a:t>
+            </a:r>
+            <a:r>
+              <a:rPr lang="es">
+                <a:solidFill>
+                  <a:schemeClr val="dk1"/>
+                </a:solidFill>
+              </a:rPr>
+              <a:t> cambiar algún componente, tendríamos que redesplegar el servicio entero.</a:t>
+            </a:r>
+            <a:endParaRPr>
+              <a:solidFill>
+                <a:schemeClr val="dk1"/>
+              </a:solidFill>
+            </a:endParaRPr>
           </a:p>
           <a:p>
             <a:pPr indent="0" lvl="0" marL="0" rtl="0" algn="l">
@@ -7669,7 +7708,11 @@
             <a:r>
               <a:t/>
             </a:r>
-            <a:endParaRPr/>
+            <a:endParaRPr>
+              <a:solidFill>
+                <a:schemeClr val="dk1"/>
+              </a:solidFill>
+            </a:endParaRPr>
           </a:p>
           <a:p>
             <a:pPr indent="0" lvl="0" marL="0" rtl="0" algn="l">
@@ -7682,71 +7725,18 @@
               <a:buNone/>
             </a:pPr>
             <a:r>
-              <a:t/>
-            </a:r>
-            <a:endParaRPr/>
-          </a:p>
-          <a:p>
-            <a:pPr indent="0" lvl="0" marL="0" rtl="0" algn="l">
-              <a:spcBef>
-                <a:spcPts val="0"/>
-              </a:spcBef>
-              <a:spcAft>
-                <a:spcPts val="0"/>
-              </a:spcAft>
-              <a:buNone/>
-            </a:pPr>
-            <a:r>
-              <a:t/>
-            </a:r>
-            <a:endParaRPr/>
-          </a:p>
-          <a:p>
-            <a:pPr indent="0" lvl="0" marL="0" rtl="0" algn="l">
-              <a:spcBef>
-                <a:spcPts val="0"/>
-              </a:spcBef>
-              <a:spcAft>
-                <a:spcPts val="0"/>
-              </a:spcAft>
-              <a:buNone/>
-            </a:pPr>
-            <a:r>
-              <a:rPr lang="es"/>
-              <a:t>El principal problema que tiene, es que estos componentes específicos se despliegan con el propio servicio. Si quisiéramos cambiar alguno, tenemos que parar el servicio y desplegar una nueva estancia. Esto no es muy eficiente y puede dar problemas, como dejar un tiempo sin servicio.</a:t>
-            </a:r>
-            <a:endParaRPr/>
-          </a:p>
-          <a:p>
-            <a:pPr indent="0" lvl="0" marL="0" rtl="0" algn="l">
-              <a:spcBef>
-                <a:spcPts val="0"/>
-              </a:spcBef>
-              <a:spcAft>
-                <a:spcPts val="0"/>
-              </a:spcAft>
-              <a:buNone/>
-            </a:pPr>
-            <a:r>
-              <a:t/>
-            </a:r>
-            <a:endParaRPr/>
-          </a:p>
-          <a:p>
-            <a:pPr indent="0" lvl="0" marL="0" rtl="0" algn="l">
-              <a:spcBef>
-                <a:spcPts val="0"/>
-              </a:spcBef>
-              <a:spcAft>
-                <a:spcPts val="0"/>
-              </a:spcAft>
-              <a:buNone/>
-            </a:pPr>
-            <a:r>
-              <a:rPr lang="es"/>
-              <a:t>Problemas típicos de monolito:</a:t>
-            </a:r>
-            <a:endParaRPr/>
+              <a:rPr lang="es">
+                <a:solidFill>
+                  <a:schemeClr val="dk1"/>
+                </a:solidFill>
+              </a:rPr>
+              <a:t>Lo mismo ocurre para escalar la capacidad de cómputo, tendremos que replicar el servicio completo.</a:t>
+            </a:r>
+            <a:endParaRPr>
+              <a:solidFill>
+                <a:schemeClr val="dk1"/>
+              </a:solidFill>
+            </a:endParaRPr>
           </a:p>
         </p:txBody>
       </p:sp>
@@ -7763,7 +7753,7 @@
   <p:cSld>
     <p:spTree>
       <p:nvGrpSpPr>
-        <p:cNvPr id="146" name="Shape 146"/>
+        <p:cNvPr id="145" name="Shape 145"/>
         <p:cNvGrpSpPr/>
         <p:nvPr/>
       </p:nvGrpSpPr>
@@ -7777,7 +7767,7 @@
       </p:grpSpPr>
       <p:sp>
         <p:nvSpPr>
-          <p:cNvPr id="147" name="Google Shape;147;g14b7724f5fa_0_15:notes"/>
+          <p:cNvPr id="146" name="Google Shape;146;g14b7724f5fa_0_15:notes"/>
           <p:cNvSpPr/>
           <p:nvPr>
             <p:ph idx="2" type="sldImg"/>
@@ -7812,7 +7802,7 @@
       </p:sp>
       <p:sp>
         <p:nvSpPr>
-          <p:cNvPr id="148" name="Google Shape;148;g14b7724f5fa_0_15:notes"/>
+          <p:cNvPr id="147" name="Google Shape;147;g14b7724f5fa_0_15:notes"/>
           <p:cNvSpPr txBox="1"/>
           <p:nvPr>
             <p:ph idx="1" type="body"/>
@@ -7855,20 +7845,31 @@
                 <a:cs typeface="Lato"/>
                 <a:sym typeface="Lato"/>
               </a:rPr>
-              <a:t>La motivación de este trabajo es adaptar este bucle para operar en entornos </a:t>
-            </a:r>
-            <a:r>
-              <a:rPr i="1" lang="es">
-                <a:solidFill>
-                  <a:srgbClr val="595959"/>
-                </a:solidFill>
-                <a:latin typeface="Lato"/>
-                <a:ea typeface="Lato"/>
-                <a:cs typeface="Lato"/>
-                <a:sym typeface="Lato"/>
-              </a:rPr>
-              <a:t>cloud</a:t>
-            </a:r>
+              <a:t>Aquí es donde entra en juego nuestro trabajo. Queremos rediseñar la arquitectura del sistema para que funcione como un sistema distribuido. Queremos transformar su arquitectura a una basada en microservicios.</a:t>
+            </a:r>
+            <a:endParaRPr>
+              <a:solidFill>
+                <a:srgbClr val="595959"/>
+              </a:solidFill>
+              <a:latin typeface="Lato"/>
+              <a:ea typeface="Lato"/>
+              <a:cs typeface="Lato"/>
+              <a:sym typeface="Lato"/>
+            </a:endParaRPr>
+          </a:p>
+          <a:p>
+            <a:pPr indent="0" lvl="0" marL="0" rtl="0" algn="l">
+              <a:lnSpc>
+                <a:spcPct val="115000"/>
+              </a:lnSpc>
+              <a:spcBef>
+                <a:spcPts val="1200"/>
+              </a:spcBef>
+              <a:spcAft>
+                <a:spcPts val="0"/>
+              </a:spcAft>
+              <a:buNone/>
+            </a:pPr>
             <a:r>
               <a:rPr lang="es">
                 <a:solidFill>
@@ -7879,7 +7880,7 @@
                 <a:cs typeface="Lato"/>
                 <a:sym typeface="Lato"/>
               </a:rPr>
-              <a:t>. Separando y adaptando el bucle de control a microservicios, podremos añadir o eliminar componentes </a:t>
+              <a:t>Esto nos aportará la flexibilidad en el despliegue que necesitamos para poder añadir o </a:t>
             </a:r>
             <a:r>
               <a:rPr lang="es">
@@ -7891,7 +7892,7 @@
                 <a:cs typeface="Lato"/>
                 <a:sym typeface="Lato"/>
               </a:rPr>
-              <a:t>específicos</a:t>
+              <a:t>eliminar</a:t>
             </a:r>
             <a:r>
               <a:rPr lang="es">
@@ -7903,7 +7904,31 @@
                 <a:cs typeface="Lato"/>
                 <a:sym typeface="Lato"/>
               </a:rPr>
-              <a:t> sin necesidad de parar el bucle. También nos interesaba porque podríamos reutilizar la infraestructura existente para distintas soluciones. Esto se conoce como multi tennancy o multicliente.</a:t>
+              <a:t> componentes en tiempo de ejecución. Nos permitirá independizar el </a:t>
+            </a:r>
+            <a:r>
+              <a:rPr lang="es">
+                <a:solidFill>
+                  <a:srgbClr val="595959"/>
+                </a:solidFill>
+                <a:latin typeface="Lato"/>
+                <a:ea typeface="Lato"/>
+                <a:cs typeface="Lato"/>
+                <a:sym typeface="Lato"/>
+              </a:rPr>
+              <a:t>funcionamiento</a:t>
+            </a:r>
+            <a:r>
+              <a:rPr lang="es">
+                <a:solidFill>
+                  <a:srgbClr val="595959"/>
+                </a:solidFill>
+                <a:latin typeface="Lato"/>
+                <a:ea typeface="Lato"/>
+                <a:cs typeface="Lato"/>
+                <a:sym typeface="Lato"/>
+              </a:rPr>
+              <a:t> de las soluciones autoadaptativas específicas.</a:t>
             </a:r>
             <a:endParaRPr>
               <a:solidFill>
@@ -7924,7 +7949,7 @@
                 <a:spcPts val="1200"/>
               </a:spcBef>
               <a:spcAft>
-                <a:spcPts val="1200"/>
+                <a:spcPts val="0"/>
               </a:spcAft>
               <a:buNone/>
             </a:pPr>
@@ -7938,7 +7963,66 @@
                 <a:cs typeface="Lato"/>
                 <a:sym typeface="Lato"/>
               </a:rPr>
-              <a:t>Por otro lado, queríamos definir una </a:t>
+              <a:t>Además, queremos preparar el sistema para que funcione como </a:t>
+            </a:r>
+            <a:r>
+              <a:rPr b="1" lang="es">
+                <a:solidFill>
+                  <a:srgbClr val="595959"/>
+                </a:solidFill>
+                <a:latin typeface="Lato"/>
+                <a:ea typeface="Lato"/>
+                <a:cs typeface="Lato"/>
+                <a:sym typeface="Lato"/>
+              </a:rPr>
+              <a:t>multitenant</a:t>
+            </a:r>
+            <a:r>
+              <a:rPr lang="es">
+                <a:solidFill>
+                  <a:srgbClr val="595959"/>
+                </a:solidFill>
+                <a:latin typeface="Lato"/>
+                <a:ea typeface="Lato"/>
+                <a:cs typeface="Lato"/>
+                <a:sym typeface="Lato"/>
+              </a:rPr>
+              <a:t>: ofrecer la infraestructura del bucle genérico para que distintas soluciones puedan aprovechar, sin interferir entre ellas.</a:t>
+            </a:r>
+            <a:endParaRPr>
+              <a:solidFill>
+                <a:srgbClr val="595959"/>
+              </a:solidFill>
+              <a:latin typeface="Lato"/>
+              <a:ea typeface="Lato"/>
+              <a:cs typeface="Lato"/>
+              <a:sym typeface="Lato"/>
+            </a:endParaRPr>
+          </a:p>
+          <a:p>
+            <a:pPr indent="0" lvl="0" marL="0" rtl="0" algn="l">
+              <a:lnSpc>
+                <a:spcPct val="115000"/>
+              </a:lnSpc>
+              <a:spcBef>
+                <a:spcPts val="1200"/>
+              </a:spcBef>
+              <a:spcAft>
+                <a:spcPts val="1200"/>
+              </a:spcAft>
+              <a:buNone/>
+            </a:pPr>
+            <a:r>
+              <a:rPr lang="es">
+                <a:solidFill>
+                  <a:srgbClr val="595959"/>
+                </a:solidFill>
+                <a:latin typeface="Lato"/>
+                <a:ea typeface="Lato"/>
+                <a:cs typeface="Lato"/>
+                <a:sym typeface="Lato"/>
+              </a:rPr>
+              <a:t>Aparte del nuevo diseño, también queremos implementar un prototipo para analizar la viabilidad de nuestra propuesta. Como el bucle MAPE-K lite es muy grande, no podríamos aplicar la refactorización sobre él directamente en el tiempo estimado de un TFM.</a:t>
             </a:r>
             <a:endParaRPr>
               <a:solidFill>
@@ -14570,7 +14654,7 @@
   <p:cSld>
     <p:spTree>
       <p:nvGrpSpPr>
-        <p:cNvPr id="156" name="Shape 156"/>
+        <p:cNvPr id="155" name="Shape 155"/>
         <p:cNvGrpSpPr/>
         <p:nvPr/>
       </p:nvGrpSpPr>
@@ -14584,7 +14668,7 @@
       </p:grpSpPr>
       <p:sp>
         <p:nvSpPr>
-          <p:cNvPr id="157" name="Google Shape;157;p22"/>
+          <p:cNvPr id="156" name="Google Shape;156;p22"/>
           <p:cNvSpPr txBox="1"/>
           <p:nvPr>
             <p:ph type="title"/>
@@ -14635,7 +14719,7 @@
       </p:sp>
       <p:sp>
         <p:nvSpPr>
-          <p:cNvPr id="158" name="Google Shape;158;p22"/>
+          <p:cNvPr id="157" name="Google Shape;157;p22"/>
           <p:cNvSpPr txBox="1"/>
           <p:nvPr>
             <p:ph idx="12" type="sldNum"/>
@@ -14694,7 +14778,7 @@
   <p:cSld>
     <p:spTree>
       <p:nvGrpSpPr>
-        <p:cNvPr id="162" name="Shape 162"/>
+        <p:cNvPr id="161" name="Shape 161"/>
         <p:cNvGrpSpPr/>
         <p:nvPr/>
       </p:nvGrpSpPr>
@@ -14708,7 +14792,7 @@
       </p:grpSpPr>
       <p:sp>
         <p:nvSpPr>
-          <p:cNvPr id="163" name="Google Shape;163;p23"/>
+          <p:cNvPr id="162" name="Google Shape;162;p23"/>
           <p:cNvSpPr txBox="1"/>
           <p:nvPr>
             <p:ph type="title"/>
@@ -14752,7 +14836,7 @@
       </p:sp>
       <p:sp>
         <p:nvSpPr>
-          <p:cNvPr id="164" name="Google Shape;164;p23"/>
+          <p:cNvPr id="163" name="Google Shape;163;p23"/>
           <p:cNvSpPr txBox="1"/>
           <p:nvPr>
             <p:ph idx="1" type="body"/>
@@ -14915,7 +14999,7 @@
       </p:sp>
       <p:sp>
         <p:nvSpPr>
-          <p:cNvPr id="165" name="Google Shape;165;p23"/>
+          <p:cNvPr id="164" name="Google Shape;164;p23"/>
           <p:cNvSpPr txBox="1"/>
           <p:nvPr>
             <p:ph idx="12" type="sldNum"/>
@@ -14966,7 +15050,7 @@
   <p:cSld>
     <p:spTree>
       <p:nvGrpSpPr>
-        <p:cNvPr id="169" name="Shape 169"/>
+        <p:cNvPr id="168" name="Shape 168"/>
         <p:cNvGrpSpPr/>
         <p:nvPr/>
       </p:nvGrpSpPr>
@@ -14980,7 +15064,7 @@
       </p:grpSpPr>
       <p:sp>
         <p:nvSpPr>
-          <p:cNvPr id="170" name="Google Shape;170;p24"/>
+          <p:cNvPr id="169" name="Google Shape;169;p24"/>
           <p:cNvSpPr txBox="1"/>
           <p:nvPr>
             <p:ph type="title"/>
@@ -15020,7 +15104,7 @@
       </p:sp>
       <p:sp>
         <p:nvSpPr>
-          <p:cNvPr id="171" name="Google Shape;171;p24"/>
+          <p:cNvPr id="170" name="Google Shape;170;p24"/>
           <p:cNvSpPr txBox="1"/>
           <p:nvPr>
             <p:ph idx="12" type="sldNum"/>
@@ -15068,7 +15152,7 @@
       </p:sp>
       <p:sp>
         <p:nvSpPr>
-          <p:cNvPr id="172" name="Google Shape;172;p24"/>
+          <p:cNvPr id="171" name="Google Shape;171;p24"/>
           <p:cNvSpPr txBox="1"/>
           <p:nvPr>
             <p:ph idx="1" type="body"/>
@@ -15130,7 +15214,7 @@
       </p:sp>
       <p:pic>
         <p:nvPicPr>
-          <p:cNvPr id="173" name="Google Shape;173;p24"/>
+          <p:cNvPr id="172" name="Google Shape;172;p24"/>
           <p:cNvPicPr preferRelativeResize="0"/>
           <p:nvPr/>
         </p:nvPicPr>
@@ -15168,7 +15252,7 @@
   <p:cSld>
     <p:spTree>
       <p:nvGrpSpPr>
-        <p:cNvPr id="177" name="Shape 177"/>
+        <p:cNvPr id="176" name="Shape 176"/>
         <p:cNvGrpSpPr/>
         <p:nvPr/>
       </p:nvGrpSpPr>
@@ -15182,7 +15266,7 @@
       </p:grpSpPr>
       <p:sp>
         <p:nvSpPr>
-          <p:cNvPr id="178" name="Google Shape;178;p25"/>
+          <p:cNvPr id="177" name="Google Shape;177;p25"/>
           <p:cNvSpPr txBox="1"/>
           <p:nvPr>
             <p:ph type="title"/>
@@ -15222,7 +15306,7 @@
       </p:sp>
       <p:sp>
         <p:nvSpPr>
-          <p:cNvPr id="179" name="Google Shape;179;p25"/>
+          <p:cNvPr id="178" name="Google Shape;178;p25"/>
           <p:cNvSpPr txBox="1"/>
           <p:nvPr>
             <p:ph idx="12" type="sldNum"/>
@@ -15270,7 +15354,7 @@
       </p:sp>
       <p:sp>
         <p:nvSpPr>
-          <p:cNvPr id="180" name="Google Shape;180;p25"/>
+          <p:cNvPr id="179" name="Google Shape;179;p25"/>
           <p:cNvSpPr txBox="1"/>
           <p:nvPr>
             <p:ph idx="1" type="body"/>
@@ -15357,7 +15441,7 @@
       </p:sp>
       <p:pic>
         <p:nvPicPr>
-          <p:cNvPr id="181" name="Google Shape;181;p25"/>
+          <p:cNvPr id="180" name="Google Shape;180;p25"/>
           <p:cNvPicPr preferRelativeResize="0"/>
           <p:nvPr/>
         </p:nvPicPr>
@@ -15396,7 +15480,7 @@
   <p:cSld>
     <p:spTree>
       <p:nvGrpSpPr>
-        <p:cNvPr id="185" name="Shape 185"/>
+        <p:cNvPr id="184" name="Shape 184"/>
         <p:cNvGrpSpPr/>
         <p:nvPr/>
       </p:nvGrpSpPr>
@@ -15410,7 +15494,7 @@
       </p:grpSpPr>
       <p:sp>
         <p:nvSpPr>
-          <p:cNvPr id="186" name="Google Shape;186;p26"/>
+          <p:cNvPr id="185" name="Google Shape;185;p26"/>
           <p:cNvSpPr txBox="1"/>
           <p:nvPr>
             <p:ph type="title"/>
@@ -15450,7 +15534,7 @@
       </p:sp>
       <p:sp>
         <p:nvSpPr>
-          <p:cNvPr id="187" name="Google Shape;187;p26"/>
+          <p:cNvPr id="186" name="Google Shape;186;p26"/>
           <p:cNvSpPr txBox="1"/>
           <p:nvPr>
             <p:ph idx="12" type="sldNum"/>
@@ -15498,7 +15582,7 @@
       </p:sp>
       <p:sp>
         <p:nvSpPr>
-          <p:cNvPr id="188" name="Google Shape;188;p26"/>
+          <p:cNvPr id="187" name="Google Shape;187;p26"/>
           <p:cNvSpPr txBox="1"/>
           <p:nvPr>
             <p:ph idx="1" type="body"/>
@@ -15581,7 +15665,7 @@
       </p:sp>
       <p:pic>
         <p:nvPicPr>
-          <p:cNvPr id="189" name="Google Shape;189;p26"/>
+          <p:cNvPr id="188" name="Google Shape;188;p26"/>
           <p:cNvPicPr preferRelativeResize="0"/>
           <p:nvPr/>
         </p:nvPicPr>
@@ -15620,7 +15704,7 @@
   <p:cSld>
     <p:spTree>
       <p:nvGrpSpPr>
-        <p:cNvPr id="193" name="Shape 193"/>
+        <p:cNvPr id="192" name="Shape 192"/>
         <p:cNvGrpSpPr/>
         <p:nvPr/>
       </p:nvGrpSpPr>
@@ -15634,7 +15718,7 @@
       </p:grpSpPr>
       <p:sp>
         <p:nvSpPr>
-          <p:cNvPr id="194" name="Google Shape;194;p27"/>
+          <p:cNvPr id="193" name="Google Shape;193;p27"/>
           <p:cNvSpPr txBox="1"/>
           <p:nvPr>
             <p:ph type="title"/>
@@ -15689,7 +15773,7 @@
       </p:sp>
       <p:sp>
         <p:nvSpPr>
-          <p:cNvPr id="195" name="Google Shape;195;p27"/>
+          <p:cNvPr id="194" name="Google Shape;194;p27"/>
           <p:cNvSpPr txBox="1"/>
           <p:nvPr>
             <p:ph idx="1" type="body"/>
@@ -15895,7 +15979,7 @@
       </p:sp>
       <p:sp>
         <p:nvSpPr>
-          <p:cNvPr id="196" name="Google Shape;196;p27"/>
+          <p:cNvPr id="195" name="Google Shape;195;p27"/>
           <p:cNvSpPr txBox="1"/>
           <p:nvPr>
             <p:ph idx="12" type="sldNum"/>
@@ -15935,7 +16019,7 @@
       </p:sp>
       <p:pic>
         <p:nvPicPr>
-          <p:cNvPr id="197" name="Google Shape;197;p27"/>
+          <p:cNvPr id="196" name="Google Shape;196;p27"/>
           <p:cNvPicPr preferRelativeResize="0"/>
           <p:nvPr/>
         </p:nvPicPr>
@@ -15973,7 +16057,7 @@
   <p:cSld>
     <p:spTree>
       <p:nvGrpSpPr>
-        <p:cNvPr id="201" name="Shape 201"/>
+        <p:cNvPr id="200" name="Shape 200"/>
         <p:cNvGrpSpPr/>
         <p:nvPr/>
       </p:nvGrpSpPr>
@@ -15987,7 +16071,7 @@
       </p:grpSpPr>
       <p:sp>
         <p:nvSpPr>
-          <p:cNvPr id="202" name="Google Shape;202;p28"/>
+          <p:cNvPr id="201" name="Google Shape;201;p28"/>
           <p:cNvSpPr txBox="1"/>
           <p:nvPr>
             <p:ph type="title"/>
@@ -16042,7 +16126,7 @@
       </p:sp>
       <p:sp>
         <p:nvSpPr>
-          <p:cNvPr id="203" name="Google Shape;203;p28"/>
+          <p:cNvPr id="202" name="Google Shape;202;p28"/>
           <p:cNvSpPr txBox="1"/>
           <p:nvPr>
             <p:ph idx="1" type="body"/>
@@ -16185,7 +16269,7 @@
       </p:sp>
       <p:sp>
         <p:nvSpPr>
-          <p:cNvPr id="204" name="Google Shape;204;p28"/>
+          <p:cNvPr id="203" name="Google Shape;203;p28"/>
           <p:cNvSpPr txBox="1"/>
           <p:nvPr>
             <p:ph idx="12" type="sldNum"/>
@@ -16225,7 +16309,7 @@
       </p:sp>
       <p:pic>
         <p:nvPicPr>
-          <p:cNvPr id="205" name="Google Shape;205;p28"/>
+          <p:cNvPr id="204" name="Google Shape;204;p28"/>
           <p:cNvPicPr preferRelativeResize="0"/>
           <p:nvPr/>
         </p:nvPicPr>
@@ -16264,7 +16348,7 @@
   <p:cSld>
     <p:spTree>
       <p:nvGrpSpPr>
-        <p:cNvPr id="209" name="Shape 209"/>
+        <p:cNvPr id="208" name="Shape 208"/>
         <p:cNvGrpSpPr/>
         <p:nvPr/>
       </p:nvGrpSpPr>
@@ -16278,7 +16362,7 @@
       </p:grpSpPr>
       <p:sp>
         <p:nvSpPr>
-          <p:cNvPr id="210" name="Google Shape;210;p29"/>
+          <p:cNvPr id="209" name="Google Shape;209;p29"/>
           <p:cNvSpPr txBox="1"/>
           <p:nvPr>
             <p:ph idx="12" type="sldNum"/>
@@ -16318,7 +16402,7 @@
       </p:sp>
       <p:pic>
         <p:nvPicPr>
-          <p:cNvPr id="211" name="Google Shape;211;p29"/>
+          <p:cNvPr id="210" name="Google Shape;210;p29"/>
           <p:cNvPicPr preferRelativeResize="0"/>
           <p:nvPr/>
         </p:nvPicPr>
@@ -16346,7 +16430,7 @@
       </p:pic>
       <p:sp>
         <p:nvSpPr>
-          <p:cNvPr id="212" name="Google Shape;212;p29"/>
+          <p:cNvPr id="211" name="Google Shape;211;p29"/>
           <p:cNvSpPr txBox="1"/>
           <p:nvPr>
             <p:ph type="title"/>
@@ -16414,7 +16498,7 @@
   <p:cSld>
     <p:spTree>
       <p:nvGrpSpPr>
-        <p:cNvPr id="216" name="Shape 216"/>
+        <p:cNvPr id="215" name="Shape 215"/>
         <p:cNvGrpSpPr/>
         <p:nvPr/>
       </p:nvGrpSpPr>
@@ -16428,7 +16512,7 @@
       </p:grpSpPr>
       <p:sp>
         <p:nvSpPr>
-          <p:cNvPr id="217" name="Google Shape;217;p30"/>
+          <p:cNvPr id="216" name="Google Shape;216;p30"/>
           <p:cNvSpPr txBox="1"/>
           <p:nvPr>
             <p:ph type="title"/>
@@ -16468,7 +16552,7 @@
       </p:sp>
       <p:sp>
         <p:nvSpPr>
-          <p:cNvPr id="218" name="Google Shape;218;p30"/>
+          <p:cNvPr id="217" name="Google Shape;217;p30"/>
           <p:cNvSpPr txBox="1"/>
           <p:nvPr>
             <p:ph idx="1" type="body"/>
@@ -16501,14 +16585,35 @@
             </a:pPr>
             <a:r>
               <a:rPr lang="es" sz="1688"/>
-              <a:t>Prototipo para verificar la arquitectura.</a:t>
+              <a:t>Se implementó un p</a:t>
+            </a:r>
+            <a:r>
+              <a:rPr lang="es" sz="1688"/>
+              <a:t>rototipo para verificar la arquitectura.</a:t>
             </a:r>
             <a:endParaRPr sz="1688"/>
           </a:p>
           <a:p>
+            <a:pPr indent="-323119" lvl="0" marL="914400" rtl="0" algn="l">
+              <a:spcBef>
+                <a:spcPts val="1200"/>
+              </a:spcBef>
+              <a:spcAft>
+                <a:spcPts val="0"/>
+              </a:spcAft>
+              <a:buSzPts val="1488"/>
+              <a:buChar char="-"/>
+            </a:pPr>
+            <a:r>
+              <a:rPr lang="es" sz="1488"/>
+              <a:t>Sistema de climatización</a:t>
+            </a:r>
+            <a:endParaRPr sz="1488"/>
+          </a:p>
+          <a:p>
             <a:pPr indent="-335819" lvl="0" marL="457200" rtl="0" algn="l">
               <a:spcBef>
-                <a:spcPts val="1200"/>
+                <a:spcPts val="1000"/>
               </a:spcBef>
               <a:spcAft>
                 <a:spcPts val="0"/>
@@ -16518,53 +16623,15 @@
             </a:pPr>
             <a:r>
               <a:rPr lang="es" sz="1688"/>
-              <a:t>Servicios ASP.NET.</a:t>
+              <a:t>Gran variedad de tecnologías empleadas.</a:t>
             </a:r>
             <a:endParaRPr sz="1688"/>
           </a:p>
-          <a:p>
-            <a:pPr indent="-335819" lvl="0" marL="457200" rtl="0" algn="l">
-              <a:spcBef>
-                <a:spcPts val="1000"/>
-              </a:spcBef>
-              <a:spcAft>
-                <a:spcPts val="0"/>
-              </a:spcAft>
-              <a:buSzPts val="1688"/>
-              <a:buChar char="●"/>
-            </a:pPr>
-            <a:r>
-              <a:rPr lang="es" sz="1688"/>
-              <a:t>Gran variedad de tecnologías empleadas.</a:t>
-            </a:r>
-            <a:endParaRPr sz="1688"/>
-          </a:p>
-          <a:p>
-            <a:pPr indent="-361950" lvl="1" marL="914400" rtl="0" algn="l">
-              <a:spcBef>
-                <a:spcPts val="0"/>
-              </a:spcBef>
-              <a:spcAft>
-                <a:spcPts val="0"/>
-              </a:spcAft>
-              <a:buSzPts val="2100"/>
-              <a:buChar char="○"/>
-            </a:pPr>
-            <a:r>
-              <a:rPr lang="es" sz="1456"/>
-              <a:t>Priorizamos multi plataforma</a:t>
-            </a:r>
-            <a:r>
-              <a:rPr lang="es" sz="2100"/>
-              <a:t>.</a:t>
-            </a:r>
-            <a:endParaRPr sz="2400"/>
-          </a:p>
         </p:txBody>
       </p:sp>
       <p:sp>
         <p:nvSpPr>
-          <p:cNvPr id="219" name="Google Shape;219;p30"/>
+          <p:cNvPr id="218" name="Google Shape;218;p30"/>
           <p:cNvSpPr txBox="1"/>
           <p:nvPr>
             <p:ph idx="12" type="sldNum"/>
@@ -16604,7 +16671,7 @@
       </p:sp>
       <p:pic>
         <p:nvPicPr>
-          <p:cNvPr id="220" name="Google Shape;220;p30"/>
+          <p:cNvPr id="219" name="Google Shape;219;p30"/>
           <p:cNvPicPr preferRelativeResize="0"/>
           <p:nvPr/>
         </p:nvPicPr>
@@ -16632,7 +16699,7 @@
       </p:pic>
       <p:pic>
         <p:nvPicPr>
-          <p:cNvPr id="221" name="Google Shape;221;p30"/>
+          <p:cNvPr id="220" name="Google Shape;220;p30"/>
           <p:cNvPicPr preferRelativeResize="0"/>
           <p:nvPr/>
         </p:nvPicPr>
@@ -16660,7 +16727,7 @@
       </p:pic>
       <p:pic>
         <p:nvPicPr>
-          <p:cNvPr id="222" name="Google Shape;222;p30"/>
+          <p:cNvPr id="221" name="Google Shape;221;p30"/>
           <p:cNvPicPr preferRelativeResize="0"/>
           <p:nvPr/>
         </p:nvPicPr>
@@ -16688,7 +16755,7 @@
       </p:pic>
       <p:pic>
         <p:nvPicPr>
-          <p:cNvPr id="223" name="Google Shape;223;p30"/>
+          <p:cNvPr id="222" name="Google Shape;222;p30"/>
           <p:cNvPicPr preferRelativeResize="0"/>
           <p:nvPr/>
         </p:nvPicPr>
@@ -16715,7 +16782,7 @@
       </p:pic>
       <p:pic>
         <p:nvPicPr>
-          <p:cNvPr id="224" name="Google Shape;224;p30"/>
+          <p:cNvPr id="223" name="Google Shape;223;p30"/>
           <p:cNvPicPr preferRelativeResize="0"/>
           <p:nvPr/>
         </p:nvPicPr>
@@ -16743,7 +16810,7 @@
       </p:pic>
       <p:pic>
         <p:nvPicPr>
-          <p:cNvPr id="225" name="Google Shape;225;p30"/>
+          <p:cNvPr id="224" name="Google Shape;224;p30"/>
           <p:cNvPicPr preferRelativeResize="0"/>
           <p:nvPr/>
         </p:nvPicPr>
@@ -16771,7 +16838,7 @@
       </p:pic>
       <p:pic>
         <p:nvPicPr>
-          <p:cNvPr id="226" name="Google Shape;226;p30"/>
+          <p:cNvPr id="225" name="Google Shape;225;p30"/>
           <p:cNvPicPr preferRelativeResize="0"/>
           <p:nvPr/>
         </p:nvPicPr>
@@ -16799,7 +16866,7 @@
       </p:pic>
       <p:pic>
         <p:nvPicPr>
-          <p:cNvPr id="227" name="Google Shape;227;p30"/>
+          <p:cNvPr id="226" name="Google Shape;226;p30"/>
           <p:cNvPicPr preferRelativeResize="0"/>
           <p:nvPr/>
         </p:nvPicPr>
@@ -16827,7 +16894,7 @@
       </p:pic>
       <p:pic>
         <p:nvPicPr>
-          <p:cNvPr id="228" name="Google Shape;228;p30"/>
+          <p:cNvPr id="227" name="Google Shape;227;p30"/>
           <p:cNvPicPr preferRelativeResize="0"/>
           <p:nvPr/>
         </p:nvPicPr>
@@ -16855,7 +16922,7 @@
       </p:pic>
       <p:pic>
         <p:nvPicPr>
-          <p:cNvPr id="229" name="Google Shape;229;p30"/>
+          <p:cNvPr id="228" name="Google Shape;228;p30"/>
           <p:cNvPicPr preferRelativeResize="0"/>
           <p:nvPr/>
         </p:nvPicPr>
@@ -16883,7 +16950,7 @@
       </p:pic>
       <p:pic>
         <p:nvPicPr>
-          <p:cNvPr id="230" name="Google Shape;230;p30"/>
+          <p:cNvPr id="229" name="Google Shape;229;p30"/>
           <p:cNvPicPr preferRelativeResize="0"/>
           <p:nvPr/>
         </p:nvPicPr>
@@ -16922,7 +16989,7 @@
   <p:cSld>
     <p:spTree>
       <p:nvGrpSpPr>
-        <p:cNvPr id="234" name="Shape 234"/>
+        <p:cNvPr id="233" name="Shape 233"/>
         <p:cNvGrpSpPr/>
         <p:nvPr/>
       </p:nvGrpSpPr>
@@ -16936,7 +17003,7 @@
       </p:grpSpPr>
       <p:sp>
         <p:nvSpPr>
-          <p:cNvPr id="235" name="Google Shape;235;p31"/>
+          <p:cNvPr id="234" name="Google Shape;234;p31"/>
           <p:cNvSpPr txBox="1"/>
           <p:nvPr>
             <p:ph type="title"/>
@@ -16976,7 +17043,7 @@
       </p:sp>
       <p:sp>
         <p:nvSpPr>
-          <p:cNvPr id="236" name="Google Shape;236;p31"/>
+          <p:cNvPr id="235" name="Google Shape;235;p31"/>
           <p:cNvSpPr txBox="1"/>
           <p:nvPr>
             <p:ph idx="12" type="sldNum"/>
@@ -17104,7 +17171,7 @@
           <a:p>
             <a:pPr indent="-336550" lvl="0" marL="457200" rtl="0" algn="l">
               <a:spcBef>
-                <a:spcPts val="0"/>
+                <a:spcPts val="1000"/>
               </a:spcBef>
               <a:spcAft>
                 <a:spcPts val="0"/>
@@ -17125,7 +17192,7 @@
           <a:p>
             <a:pPr indent="-336550" lvl="0" marL="457200" rtl="0" algn="l">
               <a:spcBef>
-                <a:spcPts val="0"/>
+                <a:spcPts val="1200"/>
               </a:spcBef>
               <a:spcAft>
                 <a:spcPts val="0"/>
@@ -17142,7 +17209,7 @@
           <a:p>
             <a:pPr indent="-336550" lvl="0" marL="457200" rtl="0" algn="l">
               <a:spcBef>
-                <a:spcPts val="0"/>
+                <a:spcPts val="1000"/>
               </a:spcBef>
               <a:spcAft>
                 <a:spcPts val="0"/>
@@ -17159,7 +17226,7 @@
           <a:p>
             <a:pPr indent="-336550" lvl="0" marL="457200" rtl="0" algn="l">
               <a:spcBef>
-                <a:spcPts val="0"/>
+                <a:spcPts val="1000"/>
               </a:spcBef>
               <a:spcAft>
                 <a:spcPts val="0"/>
@@ -17176,10 +17243,10 @@
           <a:p>
             <a:pPr indent="-336550" lvl="0" marL="457200" rtl="0" algn="l">
               <a:spcBef>
-                <a:spcPts val="0"/>
-              </a:spcBef>
-              <a:spcAft>
-                <a:spcPts val="0"/>
+                <a:spcPts val="1000"/>
+              </a:spcBef>
+              <a:spcAft>
+                <a:spcPts val="1200"/>
               </a:spcAft>
               <a:buSzPts val="1700"/>
               <a:buAutoNum type="arabicPeriod"/>
@@ -17245,7 +17312,7 @@
   <p:cSld>
     <p:spTree>
       <p:nvGrpSpPr>
-        <p:cNvPr id="240" name="Shape 240"/>
+        <p:cNvPr id="239" name="Shape 239"/>
         <p:cNvGrpSpPr/>
         <p:nvPr/>
       </p:nvGrpSpPr>
@@ -17259,7 +17326,7 @@
       </p:grpSpPr>
       <p:sp>
         <p:nvSpPr>
-          <p:cNvPr id="241" name="Google Shape;241;p32"/>
+          <p:cNvPr id="240" name="Google Shape;240;p32"/>
           <p:cNvSpPr txBox="1"/>
           <p:nvPr>
             <p:ph type="title"/>
@@ -17298,7 +17365,7 @@
       </p:sp>
       <p:sp>
         <p:nvSpPr>
-          <p:cNvPr id="242" name="Google Shape;242;p32"/>
+          <p:cNvPr id="241" name="Google Shape;241;p32"/>
           <p:cNvSpPr txBox="1"/>
           <p:nvPr>
             <p:ph idx="1" type="body"/>
@@ -17322,26 +17389,6 @@
             <a:pPr indent="0" lvl="0" marL="0" rtl="0" algn="l">
               <a:spcBef>
                 <a:spcPts val="0"/>
-              </a:spcBef>
-              <a:spcAft>
-                <a:spcPts val="0"/>
-              </a:spcAft>
-              <a:buNone/>
-            </a:pPr>
-            <a:r>
-              <a:rPr lang="es"/>
-              <a:t>V</a:t>
-            </a:r>
-            <a:r>
-              <a:rPr lang="es"/>
-              <a:t>ídeo de youtube si todo explota:</a:t>
-            </a:r>
-            <a:endParaRPr/>
-          </a:p>
-          <a:p>
-            <a:pPr indent="0" lvl="0" marL="0" rtl="0" algn="l">
-              <a:spcBef>
-                <a:spcPts val="1200"/>
               </a:spcBef>
               <a:spcAft>
                 <a:spcPts val="0"/>
@@ -17378,7 +17425,7 @@
       </p:sp>
       <p:sp>
         <p:nvSpPr>
-          <p:cNvPr id="243" name="Google Shape;243;p32"/>
+          <p:cNvPr id="242" name="Google Shape;242;p32"/>
           <p:cNvSpPr txBox="1"/>
           <p:nvPr>
             <p:ph idx="12" type="sldNum"/>
@@ -17429,7 +17476,7 @@
   <p:cSld>
     <p:spTree>
       <p:nvGrpSpPr>
-        <p:cNvPr id="247" name="Shape 247"/>
+        <p:cNvPr id="246" name="Shape 246"/>
         <p:cNvGrpSpPr/>
         <p:nvPr/>
       </p:nvGrpSpPr>
@@ -17443,7 +17490,7 @@
       </p:grpSpPr>
       <p:sp>
         <p:nvSpPr>
-          <p:cNvPr id="248" name="Google Shape;248;p33"/>
+          <p:cNvPr id="247" name="Google Shape;247;p33"/>
           <p:cNvSpPr txBox="1"/>
           <p:nvPr>
             <p:ph type="title"/>
@@ -17487,7 +17534,7 @@
       </p:sp>
       <p:sp>
         <p:nvSpPr>
-          <p:cNvPr id="249" name="Google Shape;249;p33"/>
+          <p:cNvPr id="248" name="Google Shape;248;p33"/>
           <p:cNvSpPr txBox="1"/>
           <p:nvPr>
             <p:ph idx="12" type="sldNum"/>
@@ -17538,7 +17585,7 @@
   <p:cSld>
     <p:spTree>
       <p:nvGrpSpPr>
-        <p:cNvPr id="253" name="Shape 253"/>
+        <p:cNvPr id="252" name="Shape 252"/>
         <p:cNvGrpSpPr/>
         <p:nvPr/>
       </p:nvGrpSpPr>
@@ -17552,7 +17599,7 @@
       </p:grpSpPr>
       <p:sp>
         <p:nvSpPr>
-          <p:cNvPr id="254" name="Google Shape;254;p34"/>
+          <p:cNvPr id="253" name="Google Shape;253;p34"/>
           <p:cNvSpPr txBox="1"/>
           <p:nvPr>
             <p:ph type="title"/>
@@ -17596,7 +17643,7 @@
       </p:sp>
       <p:sp>
         <p:nvSpPr>
-          <p:cNvPr id="255" name="Google Shape;255;p34"/>
+          <p:cNvPr id="254" name="Google Shape;254;p34"/>
           <p:cNvSpPr txBox="1"/>
           <p:nvPr>
             <p:ph idx="1" type="body"/>
@@ -17650,7 +17697,7 @@
             </a:pPr>
             <a:r>
               <a:rPr lang="es" sz="1600"/>
-              <a:t>Se ejecutan las adaptaciones correspondientes .</a:t>
+              <a:t>Se ejecutan las adaptaciones correspondientes.</a:t>
             </a:r>
             <a:endParaRPr sz="1600"/>
           </a:p>
@@ -17696,7 +17743,7 @@
       </p:sp>
       <p:sp>
         <p:nvSpPr>
-          <p:cNvPr id="256" name="Google Shape;256;p34"/>
+          <p:cNvPr id="255" name="Google Shape;255;p34"/>
           <p:cNvSpPr txBox="1"/>
           <p:nvPr>
             <p:ph idx="12" type="sldNum"/>
@@ -17747,7 +17794,7 @@
   <p:cSld>
     <p:spTree>
       <p:nvGrpSpPr>
-        <p:cNvPr id="260" name="Shape 260"/>
+        <p:cNvPr id="259" name="Shape 259"/>
         <p:cNvGrpSpPr/>
         <p:nvPr/>
       </p:nvGrpSpPr>
@@ -17761,7 +17808,7 @@
       </p:grpSpPr>
       <p:sp>
         <p:nvSpPr>
-          <p:cNvPr id="261" name="Google Shape;261;p35"/>
+          <p:cNvPr id="260" name="Google Shape;260;p35"/>
           <p:cNvSpPr txBox="1"/>
           <p:nvPr>
             <p:ph type="title"/>
@@ -17806,7 +17853,7 @@
       </p:sp>
       <p:sp>
         <p:nvSpPr>
-          <p:cNvPr id="262" name="Google Shape;262;p35"/>
+          <p:cNvPr id="261" name="Google Shape;261;p35"/>
           <p:cNvSpPr txBox="1"/>
           <p:nvPr>
             <p:ph idx="12" type="sldNum"/>
@@ -17846,7 +17893,7 @@
       </p:sp>
       <p:pic>
         <p:nvPicPr>
-          <p:cNvPr id="263" name="Google Shape;263;p35"/>
+          <p:cNvPr id="262" name="Google Shape;262;p35"/>
           <p:cNvPicPr preferRelativeResize="0"/>
           <p:nvPr/>
         </p:nvPicPr>
@@ -17874,7 +17921,7 @@
       </p:pic>
       <p:pic>
         <p:nvPicPr>
-          <p:cNvPr id="264" name="Google Shape;264;p35"/>
+          <p:cNvPr id="263" name="Google Shape;263;p35"/>
           <p:cNvPicPr preferRelativeResize="0"/>
           <p:nvPr/>
         </p:nvPicPr>
@@ -17913,7 +17960,7 @@
   <p:cSld>
     <p:spTree>
       <p:nvGrpSpPr>
-        <p:cNvPr id="268" name="Shape 268"/>
+        <p:cNvPr id="267" name="Shape 267"/>
         <p:cNvGrpSpPr/>
         <p:nvPr/>
       </p:nvGrpSpPr>
@@ -17927,7 +17974,7 @@
       </p:grpSpPr>
       <p:sp>
         <p:nvSpPr>
-          <p:cNvPr id="269" name="Google Shape;269;p36"/>
+          <p:cNvPr id="268" name="Google Shape;268;p36"/>
           <p:cNvSpPr txBox="1"/>
           <p:nvPr>
             <p:ph type="title"/>
@@ -17982,7 +18029,7 @@
       </p:sp>
       <p:sp>
         <p:nvSpPr>
-          <p:cNvPr id="270" name="Google Shape;270;p36"/>
+          <p:cNvPr id="269" name="Google Shape;269;p36"/>
           <p:cNvSpPr txBox="1"/>
           <p:nvPr>
             <p:ph idx="12" type="sldNum"/>
@@ -18022,7 +18069,7 @@
       </p:sp>
       <p:pic>
         <p:nvPicPr>
-          <p:cNvPr id="271" name="Google Shape;271;p36"/>
+          <p:cNvPr id="270" name="Google Shape;270;p36"/>
           <p:cNvPicPr preferRelativeResize="0"/>
           <p:nvPr/>
         </p:nvPicPr>
@@ -18061,7 +18108,7 @@
   <p:cSld>
     <p:spTree>
       <p:nvGrpSpPr>
-        <p:cNvPr id="275" name="Shape 275"/>
+        <p:cNvPr id="274" name="Shape 274"/>
         <p:cNvGrpSpPr/>
         <p:nvPr/>
       </p:nvGrpSpPr>
@@ -18075,7 +18122,7 @@
       </p:grpSpPr>
       <p:sp>
         <p:nvSpPr>
-          <p:cNvPr id="276" name="Google Shape;276;p37"/>
+          <p:cNvPr id="275" name="Google Shape;275;p37"/>
           <p:cNvSpPr txBox="1"/>
           <p:nvPr>
             <p:ph type="title"/>
@@ -18130,7 +18177,7 @@
       </p:sp>
       <p:sp>
         <p:nvSpPr>
-          <p:cNvPr id="277" name="Google Shape;277;p37"/>
+          <p:cNvPr id="276" name="Google Shape;276;p37"/>
           <p:cNvSpPr txBox="1"/>
           <p:nvPr>
             <p:ph idx="12" type="sldNum"/>
@@ -18170,7 +18217,7 @@
       </p:sp>
       <p:pic>
         <p:nvPicPr>
-          <p:cNvPr id="278" name="Google Shape;278;p37"/>
+          <p:cNvPr id="277" name="Google Shape;277;p37"/>
           <p:cNvPicPr preferRelativeResize="0"/>
           <p:nvPr/>
         </p:nvPicPr>
@@ -18208,7 +18255,7 @@
   <p:cSld>
     <p:spTree>
       <p:nvGrpSpPr>
-        <p:cNvPr id="282" name="Shape 282"/>
+        <p:cNvPr id="281" name="Shape 281"/>
         <p:cNvGrpSpPr/>
         <p:nvPr/>
       </p:nvGrpSpPr>
@@ -18222,7 +18269,7 @@
       </p:grpSpPr>
       <p:sp>
         <p:nvSpPr>
-          <p:cNvPr id="283" name="Google Shape;283;p38"/>
+          <p:cNvPr id="282" name="Google Shape;282;p38"/>
           <p:cNvSpPr txBox="1"/>
           <p:nvPr>
             <p:ph type="title"/>
@@ -18262,7 +18309,7 @@
       </p:sp>
       <p:sp>
         <p:nvSpPr>
-          <p:cNvPr id="284" name="Google Shape;284;p38"/>
+          <p:cNvPr id="283" name="Google Shape;283;p38"/>
           <p:cNvSpPr txBox="1"/>
           <p:nvPr>
             <p:ph idx="12" type="sldNum"/>
@@ -18302,7 +18349,7 @@
       </p:sp>
       <p:pic>
         <p:nvPicPr>
-          <p:cNvPr id="285" name="Google Shape;285;p38"/>
+          <p:cNvPr id="284" name="Google Shape;284;p38"/>
           <p:cNvPicPr preferRelativeResize="0"/>
           <p:nvPr/>
         </p:nvPicPr>
@@ -18341,7 +18388,7 @@
   <p:cSld>
     <p:spTree>
       <p:nvGrpSpPr>
-        <p:cNvPr id="289" name="Shape 289"/>
+        <p:cNvPr id="288" name="Shape 288"/>
         <p:cNvGrpSpPr/>
         <p:nvPr/>
       </p:nvGrpSpPr>
@@ -18355,7 +18402,7 @@
       </p:grpSpPr>
       <p:sp>
         <p:nvSpPr>
-          <p:cNvPr id="290" name="Google Shape;290;p39"/>
+          <p:cNvPr id="289" name="Google Shape;289;p39"/>
           <p:cNvSpPr txBox="1"/>
           <p:nvPr>
             <p:ph type="title"/>
@@ -18395,7 +18442,7 @@
       </p:sp>
       <p:sp>
         <p:nvSpPr>
-          <p:cNvPr id="291" name="Google Shape;291;p39"/>
+          <p:cNvPr id="290" name="Google Shape;290;p39"/>
           <p:cNvSpPr txBox="1"/>
           <p:nvPr>
             <p:ph idx="12" type="sldNum"/>
@@ -18454,7 +18501,7 @@
   <p:cSld>
     <p:spTree>
       <p:nvGrpSpPr>
-        <p:cNvPr id="295" name="Shape 295"/>
+        <p:cNvPr id="294" name="Shape 294"/>
         <p:cNvGrpSpPr/>
         <p:nvPr/>
       </p:nvGrpSpPr>
@@ -18468,7 +18515,7 @@
       </p:grpSpPr>
       <p:sp>
         <p:nvSpPr>
-          <p:cNvPr id="296" name="Google Shape;296;p40"/>
+          <p:cNvPr id="295" name="Google Shape;295;p40"/>
           <p:cNvSpPr txBox="1"/>
           <p:nvPr>
             <p:ph type="title"/>
@@ -18508,7 +18555,7 @@
       </p:sp>
       <p:sp>
         <p:nvSpPr>
-          <p:cNvPr id="297" name="Google Shape;297;p40"/>
+          <p:cNvPr id="296" name="Google Shape;296;p40"/>
           <p:cNvSpPr txBox="1"/>
           <p:nvPr>
             <p:ph idx="1" type="body"/>
@@ -18562,7 +18609,7 @@
             </a:pPr>
             <a:r>
               <a:rPr lang="es" sz="2100"/>
-              <a:t>Sistema de climatización para verificar su funcionamiento.</a:t>
+              <a:t>Implementado un sistema de climatización para verificar su funcionamiento.</a:t>
             </a:r>
             <a:endParaRPr sz="2100"/>
           </a:p>
@@ -18579,7 +18626,7 @@
             </a:pPr>
             <a:r>
               <a:rPr lang="es" sz="2100"/>
-              <a:t>Falta aplicar la refactorización sobre el bucle real.</a:t>
+              <a:t>Falta aplicar la refactorización sobre el bucle MAPE-K Lite.</a:t>
             </a:r>
             <a:endParaRPr sz="2100"/>
           </a:p>
@@ -18587,7 +18634,7 @@
       </p:sp>
       <p:sp>
         <p:nvSpPr>
-          <p:cNvPr id="298" name="Google Shape;298;p40"/>
+          <p:cNvPr id="297" name="Google Shape;297;p40"/>
           <p:cNvSpPr txBox="1"/>
           <p:nvPr>
             <p:ph idx="12" type="sldNum"/>
@@ -18638,7 +18685,7 @@
   <p:cSld>
     <p:spTree>
       <p:nvGrpSpPr>
-        <p:cNvPr id="302" name="Shape 302"/>
+        <p:cNvPr id="301" name="Shape 301"/>
         <p:cNvGrpSpPr/>
         <p:nvPr/>
       </p:nvGrpSpPr>
@@ -18652,7 +18699,7 @@
       </p:grpSpPr>
       <p:sp>
         <p:nvSpPr>
-          <p:cNvPr id="303" name="Google Shape;303;p41"/>
+          <p:cNvPr id="302" name="Google Shape;302;p41"/>
           <p:cNvSpPr txBox="1"/>
           <p:nvPr>
             <p:ph type="title"/>
@@ -18708,7 +18755,7 @@
       </p:sp>
       <p:sp>
         <p:nvSpPr>
-          <p:cNvPr id="304" name="Google Shape;304;p41"/>
+          <p:cNvPr id="303" name="Google Shape;303;p41"/>
           <p:cNvSpPr txBox="1"/>
           <p:nvPr>
             <p:ph idx="12" type="sldNum"/>
@@ -18873,7 +18920,7 @@
   <p:cSld>
     <p:spTree>
       <p:nvGrpSpPr>
-        <p:cNvPr id="308" name="Shape 308"/>
+        <p:cNvPr id="307" name="Shape 307"/>
         <p:cNvGrpSpPr/>
         <p:nvPr/>
       </p:nvGrpSpPr>
@@ -18887,7 +18934,7 @@
       </p:grpSpPr>
       <p:sp>
         <p:nvSpPr>
-          <p:cNvPr id="309" name="Google Shape;309;p42"/>
+          <p:cNvPr id="308" name="Google Shape;308;p42"/>
           <p:cNvSpPr txBox="1"/>
           <p:nvPr>
             <p:ph type="title"/>
@@ -18927,7 +18974,7 @@
       </p:sp>
       <p:sp>
         <p:nvSpPr>
-          <p:cNvPr id="310" name="Google Shape;310;p42"/>
+          <p:cNvPr id="309" name="Google Shape;309;p42"/>
           <p:cNvSpPr txBox="1"/>
           <p:nvPr>
             <p:ph idx="12" type="sldNum"/>
@@ -18978,7 +19025,7 @@
   <p:cSld>
     <p:spTree>
       <p:nvGrpSpPr>
-        <p:cNvPr id="314" name="Shape 314"/>
+        <p:cNvPr id="313" name="Shape 313"/>
         <p:cNvGrpSpPr/>
         <p:nvPr/>
       </p:nvGrpSpPr>
@@ -18992,7 +19039,7 @@
       </p:grpSpPr>
       <p:sp>
         <p:nvSpPr>
-          <p:cNvPr id="315" name="Google Shape;315;p43"/>
+          <p:cNvPr id="314" name="Google Shape;314;p43"/>
           <p:cNvSpPr txBox="1"/>
           <p:nvPr>
             <p:ph type="title"/>
@@ -19001,7 +19048,7 @@
         <p:spPr>
           <a:xfrm>
             <a:off x="729450" y="1318650"/>
-            <a:ext cx="7688400" cy="535200"/>
+            <a:ext cx="7688700" cy="535200"/>
           </a:xfrm>
           <a:prstGeom prst="rect">
             <a:avLst/>
@@ -19024,11 +19071,7 @@
             </a:pPr>
             <a:r>
               <a:rPr lang="es"/>
-              <a:t>Intro</a:t>
-            </a:r>
-            <a:r>
-              <a:rPr lang="es"/>
-              <a:t>ducción</a:t>
+              <a:t>Trabajos futuros</a:t>
             </a:r>
             <a:endParaRPr/>
           </a:p>
@@ -19036,7 +19079,7 @@
       </p:sp>
       <p:sp>
         <p:nvSpPr>
-          <p:cNvPr id="316" name="Google Shape;316;p43"/>
+          <p:cNvPr id="315" name="Google Shape;315;p43"/>
           <p:cNvSpPr txBox="1"/>
           <p:nvPr>
             <p:ph idx="1" type="body"/>
@@ -19044,8 +19087,8 @@
         </p:nvSpPr>
         <p:spPr>
           <a:xfrm>
-            <a:off x="616625" y="2078875"/>
-            <a:ext cx="3955500" cy="2261100"/>
+            <a:off x="729450" y="2078875"/>
+            <a:ext cx="7688700" cy="2261100"/>
           </a:xfrm>
           <a:prstGeom prst="rect">
             <a:avLst/>
@@ -19057,161 +19100,61 @@
           </a:bodyPr>
           <a:lstStyle/>
           <a:p>
-            <a:pPr indent="-330200" lvl="0" marL="457200" rtl="0" algn="l">
-              <a:spcBef>
-                <a:spcPts val="0"/>
-              </a:spcBef>
-              <a:spcAft>
-                <a:spcPts val="0"/>
-              </a:spcAft>
-              <a:buSzPts val="1600"/>
+            <a:pPr indent="-381000" lvl="0" marL="457200" rtl="0" algn="l">
+              <a:spcBef>
+                <a:spcPts val="1000"/>
+              </a:spcBef>
+              <a:spcAft>
+                <a:spcPts val="0"/>
+              </a:spcAft>
+              <a:buSzPts val="2400"/>
               <a:buChar char="●"/>
             </a:pPr>
             <a:r>
-              <a:rPr lang="es" sz="1600"/>
-              <a:t>Gran parte del </a:t>
-            </a:r>
-            <a:r>
-              <a:rPr i="1" lang="es" sz="1600"/>
-              <a:t>software </a:t>
-            </a:r>
-            <a:r>
-              <a:rPr lang="es" sz="1600"/>
-              <a:t>que usamos d</a:t>
-            </a:r>
-            <a:r>
-              <a:rPr lang="es" sz="1600"/>
-              <a:t>ía a día tiene </a:t>
-            </a:r>
-            <a:r>
-              <a:rPr b="1" lang="es" sz="1600">
-                <a:solidFill>
-                  <a:schemeClr val="accent3"/>
-                </a:solidFill>
-              </a:rPr>
-              <a:t>algún componente web</a:t>
-            </a:r>
-            <a:r>
-              <a:rPr lang="es" sz="1600"/>
-              <a:t>.</a:t>
-            </a:r>
-            <a:endParaRPr sz="1600"/>
-          </a:p>
-          <a:p>
-            <a:pPr indent="-317500" lvl="1" marL="914400" rtl="0" algn="l">
-              <a:spcBef>
-                <a:spcPts val="0"/>
-              </a:spcBef>
-              <a:spcAft>
-                <a:spcPts val="0"/>
-              </a:spcAft>
-              <a:buSzPts val="1400"/>
-              <a:buChar char="○"/>
-            </a:pPr>
-            <a:r>
-              <a:rPr lang="es" sz="1400"/>
-              <a:t>Redes sociales, comercio </a:t>
-            </a:r>
-            <a:r>
-              <a:rPr i="1" lang="es" sz="1400"/>
-              <a:t>on-line</a:t>
-            </a:r>
-            <a:r>
-              <a:rPr lang="es" sz="1400"/>
-              <a:t>… </a:t>
-            </a:r>
-            <a:endParaRPr sz="1400"/>
-          </a:p>
-          <a:p>
-            <a:pPr indent="-323850" lvl="0" marL="457200" rtl="0" algn="l">
+              <a:rPr lang="es" sz="2400"/>
+              <a:t>Aplicar refactorización sobre el bucle MAPE-K Lite.</a:t>
+            </a:r>
+            <a:endParaRPr sz="2400"/>
+          </a:p>
+          <a:p>
+            <a:pPr indent="-381000" lvl="0" marL="457200" rtl="0" algn="l">
+              <a:spcBef>
+                <a:spcPts val="1200"/>
+              </a:spcBef>
+              <a:spcAft>
+                <a:spcPts val="0"/>
+              </a:spcAft>
+              <a:buSzPts val="2400"/>
+              <a:buChar char="●"/>
+            </a:pPr>
+            <a:r>
+              <a:rPr lang="es" sz="2400"/>
+              <a:t>Aprovechar la plataforma de observabilidad para informar al bucle.</a:t>
+            </a:r>
+            <a:endParaRPr sz="2400"/>
+          </a:p>
+          <a:p>
+            <a:pPr indent="-381000" lvl="0" marL="457200" rtl="0" algn="l">
               <a:spcBef>
                 <a:spcPts val="1000"/>
               </a:spcBef>
               <a:spcAft>
-                <a:spcPts val="0"/>
-              </a:spcAft>
-              <a:buSzPts val="1500"/>
+                <a:spcPts val="1200"/>
+              </a:spcAft>
+              <a:buSzPts val="2400"/>
               <a:buChar char="●"/>
             </a:pPr>
             <a:r>
-              <a:rPr lang="es" sz="1500"/>
-              <a:t>Estas aplicaciones suelen ser accesibles globalmente y en cualquier momento.</a:t>
-            </a:r>
-            <a:endParaRPr sz="1500"/>
-          </a:p>
-          <a:p>
-            <a:pPr indent="-323850" lvl="0" marL="457200" rtl="0" algn="l">
-              <a:spcBef>
-                <a:spcPts val="1000"/>
-              </a:spcBef>
-              <a:spcAft>
-                <a:spcPts val="1200"/>
-              </a:spcAft>
-              <a:buSzPts val="1500"/>
-              <a:buChar char="●"/>
-            </a:pPr>
-            <a:r>
-              <a:rPr lang="es" sz="1500"/>
-              <a:t>Tienen un requisito de </a:t>
-            </a:r>
-            <a:r>
-              <a:rPr b="1" lang="es" sz="1500">
-                <a:solidFill>
-                  <a:schemeClr val="accent3"/>
-                </a:solidFill>
-              </a:rPr>
-              <a:t>alta disponibilidad</a:t>
-            </a:r>
-            <a:r>
-              <a:rPr lang="es" sz="1500"/>
-              <a:t>.</a:t>
-            </a:r>
-            <a:endParaRPr sz="1500"/>
+              <a:rPr lang="es" sz="2400"/>
+              <a:t>Generación de código.</a:t>
+            </a:r>
+            <a:endParaRPr sz="2400"/>
           </a:p>
         </p:txBody>
       </p:sp>
       <p:sp>
         <p:nvSpPr>
-          <p:cNvPr id="317" name="Google Shape;317;p43"/>
-          <p:cNvSpPr txBox="1"/>
-          <p:nvPr>
-            <p:ph idx="2" type="body"/>
-          </p:nvPr>
-        </p:nvSpPr>
-        <p:spPr>
-          <a:xfrm>
-            <a:off x="4643604" y="2078875"/>
-            <a:ext cx="3774300" cy="2261100"/>
-          </a:xfrm>
-          <a:prstGeom prst="rect">
-            <a:avLst/>
-          </a:prstGeom>
-        </p:spPr>
-        <p:txBody>
-          <a:bodyPr anchorCtr="0" anchor="t" bIns="91425" lIns="91425" spcFirstLastPara="1" rIns="91425" wrap="square" tIns="91425">
-            <a:normAutofit/>
-          </a:bodyPr>
-          <a:lstStyle/>
-          <a:p>
-            <a:pPr indent="0" lvl="0" marL="0" rtl="0" algn="l">
-              <a:spcBef>
-                <a:spcPts val="0"/>
-              </a:spcBef>
-              <a:spcAft>
-                <a:spcPts val="1200"/>
-              </a:spcAft>
-              <a:buNone/>
-            </a:pPr>
-            <a:r>
-              <a:t/>
-            </a:r>
-            <a:endParaRPr/>
-          </a:p>
-        </p:txBody>
-      </p:sp>
-      <p:sp>
-        <p:nvSpPr>
-          <p:cNvPr id="318" name="Google Shape;318;p43"/>
+          <p:cNvPr id="316" name="Google Shape;316;p43"/>
           <p:cNvSpPr txBox="1"/>
           <p:nvPr>
             <p:ph idx="12" type="sldNum"/>
@@ -19262,7 +19205,7 @@
   <p:cSld>
     <p:spTree>
       <p:nvGrpSpPr>
-        <p:cNvPr id="322" name="Shape 322"/>
+        <p:cNvPr id="320" name="Shape 320"/>
         <p:cNvGrpSpPr/>
         <p:nvPr/>
       </p:nvGrpSpPr>
@@ -19276,7 +19219,7 @@
       </p:grpSpPr>
       <p:sp>
         <p:nvSpPr>
-          <p:cNvPr id="323" name="Google Shape;323;p44"/>
+          <p:cNvPr id="321" name="Google Shape;321;p44"/>
           <p:cNvSpPr txBox="1"/>
           <p:nvPr>
             <p:ph type="title"/>
@@ -19285,7 +19228,7 @@
         <p:spPr>
           <a:xfrm>
             <a:off x="729450" y="1318650"/>
-            <a:ext cx="7688400" cy="535200"/>
+            <a:ext cx="7688700" cy="535200"/>
           </a:xfrm>
           <a:prstGeom prst="rect">
             <a:avLst/>
@@ -19308,11 +19251,7 @@
             </a:pPr>
             <a:r>
               <a:rPr lang="es"/>
-              <a:t>Introducc</a:t>
-            </a:r>
-            <a:r>
-              <a:rPr lang="es"/>
-              <a:t>ión (II) - Disponibilidad</a:t>
+              <a:t>Asignaturas Relacionadas</a:t>
             </a:r>
             <a:endParaRPr/>
           </a:p>
@@ -19320,7 +19259,7 @@
       </p:sp>
       <p:sp>
         <p:nvSpPr>
-          <p:cNvPr id="324" name="Google Shape;324;p44"/>
+          <p:cNvPr id="322" name="Google Shape;322;p44"/>
           <p:cNvSpPr txBox="1"/>
           <p:nvPr>
             <p:ph idx="1" type="body"/>
@@ -19328,8 +19267,8 @@
         </p:nvSpPr>
         <p:spPr>
           <a:xfrm>
-            <a:off x="729325" y="2078875"/>
-            <a:ext cx="7688400" cy="2670900"/>
+            <a:off x="729450" y="2078875"/>
+            <a:ext cx="7688700" cy="2261100"/>
           </a:xfrm>
           <a:prstGeom prst="rect">
             <a:avLst/>
@@ -19337,106 +19276,85 @@
         </p:spPr>
         <p:txBody>
           <a:bodyPr anchorCtr="0" anchor="t" bIns="91425" lIns="91425" spcFirstLastPara="1" rIns="91425" wrap="square" tIns="91425">
-            <a:noAutofit/>
+            <a:normAutofit/>
           </a:bodyPr>
           <a:lstStyle/>
           <a:p>
-            <a:pPr indent="-381000" lvl="0" marL="457200" rtl="0" algn="l">
-              <a:spcBef>
-                <a:spcPts val="0"/>
-              </a:spcBef>
-              <a:spcAft>
-                <a:spcPts val="0"/>
-              </a:spcAft>
-              <a:buSzPts val="2400"/>
+            <a:pPr indent="-342900" lvl="0" marL="457200" rtl="0" algn="l">
+              <a:spcBef>
+                <a:spcPts val="1000"/>
+              </a:spcBef>
+              <a:spcAft>
+                <a:spcPts val="0"/>
+              </a:spcAft>
+              <a:buSzPts val="1800"/>
               <a:buChar char="●"/>
             </a:pPr>
             <a:r>
-              <a:rPr b="1" lang="es" sz="2400">
-                <a:solidFill>
-                  <a:schemeClr val="accent3"/>
-                </a:solidFill>
-              </a:rPr>
-              <a:t>¿Cómo aseguramos la alta disponibilidad?</a:t>
-            </a:r>
-            <a:endParaRPr b="1" sz="2400">
-              <a:solidFill>
-                <a:schemeClr val="accent3"/>
-              </a:solidFill>
-            </a:endParaRPr>
-          </a:p>
-          <a:p>
-            <a:pPr indent="-381000" lvl="0" marL="457200" rtl="0" algn="l">
-              <a:spcBef>
-                <a:spcPts val="0"/>
-              </a:spcBef>
-              <a:spcAft>
-                <a:spcPts val="0"/>
-              </a:spcAft>
-              <a:buSzPts val="2400"/>
+              <a:rPr b="1" lang="es" sz="1800"/>
+              <a:t>Diseño de sistemas Ubicuos Adaptativos</a:t>
+            </a:r>
+            <a:r>
+              <a:rPr lang="es" sz="1800"/>
+              <a:t> (SUA): Autoadaptación, Bucle MAPE-K…</a:t>
+            </a:r>
+            <a:endParaRPr sz="1800"/>
+          </a:p>
+          <a:p>
+            <a:pPr indent="-342900" lvl="0" marL="457200" rtl="0" algn="l">
+              <a:spcBef>
+                <a:spcPts val="1200"/>
+              </a:spcBef>
+              <a:spcAft>
+                <a:spcPts val="0"/>
+              </a:spcAft>
+              <a:buSzPts val="1800"/>
               <a:buChar char="●"/>
             </a:pPr>
             <a:r>
-              <a:rPr lang="es" sz="2400"/>
-              <a:t>Operarios humanos = muy costoso.</a:t>
-            </a:r>
-            <a:endParaRPr sz="2400"/>
-          </a:p>
-          <a:p>
-            <a:pPr indent="-381000" lvl="0" marL="914400" rtl="0" algn="l">
-              <a:spcBef>
-                <a:spcPts val="0"/>
-              </a:spcBef>
-              <a:spcAft>
-                <a:spcPts val="0"/>
-              </a:spcAft>
-              <a:buSzPts val="2400"/>
-              <a:buChar char="-"/>
-            </a:pPr>
-            <a:r>
-              <a:rPr lang="es" sz="2300"/>
-              <a:t>Recurrir a ellos d</a:t>
-            </a:r>
-            <a:r>
-              <a:rPr lang="es" sz="2300"/>
-              <a:t>ebería ser nuestro último recurso</a:t>
-            </a:r>
-            <a:endParaRPr sz="2300"/>
-          </a:p>
-          <a:p>
-            <a:pPr indent="-381000" lvl="0" marL="457200" rtl="0" algn="l">
-              <a:spcBef>
-                <a:spcPts val="0"/>
-              </a:spcBef>
-              <a:spcAft>
-                <a:spcPts val="0"/>
-              </a:spcAft>
-              <a:buSzPts val="2400"/>
+              <a:rPr b="1" lang="es" sz="1800"/>
+              <a:t>Internet de los servicios y las cosas</a:t>
+            </a:r>
+            <a:r>
+              <a:rPr lang="es" sz="1800"/>
+              <a:t> (ISC): Arquitecturas basadas en microservicios, </a:t>
+            </a:r>
+            <a:endParaRPr sz="1800"/>
+          </a:p>
+          <a:p>
+            <a:pPr indent="-342900" lvl="0" marL="457200" rtl="0" algn="l">
+              <a:spcBef>
+                <a:spcPts val="1000"/>
+              </a:spcBef>
+              <a:spcAft>
+                <a:spcPts val="1200"/>
+              </a:spcAft>
+              <a:buSzPts val="1800"/>
               <a:buChar char="●"/>
             </a:pPr>
             <a:r>
-              <a:rPr lang="es" sz="2400"/>
-              <a:t>El sistema debería recuperarse automáticamente. </a:t>
-            </a:r>
-            <a:r>
-              <a:rPr b="1" lang="es" sz="2400">
-                <a:solidFill>
-                  <a:schemeClr val="accent3"/>
-                </a:solidFill>
-              </a:rPr>
-              <a:t>Autoadaptación</a:t>
-            </a:r>
-            <a:r>
-              <a:rPr lang="es" sz="2400"/>
-              <a:t>.</a:t>
-            </a:r>
-            <a:endParaRPr sz="2300"/>
+              <a:rPr b="1" lang="es" sz="1800"/>
+              <a:t>Data Science</a:t>
+            </a:r>
+            <a:r>
+              <a:rPr lang="es" sz="1800"/>
+              <a:t> (DAS) y </a:t>
+            </a:r>
+            <a:r>
+              <a:rPr b="1" lang="es" sz="1800"/>
+              <a:t>Extracción de datos de las Redes Sociales</a:t>
+            </a:r>
+            <a:r>
+              <a:rPr lang="es" sz="1800"/>
+              <a:t> (ERS).</a:t>
+            </a:r>
+            <a:endParaRPr sz="1800"/>
           </a:p>
         </p:txBody>
       </p:sp>
       <p:sp>
         <p:nvSpPr>
-          <p:cNvPr id="325" name="Google Shape;325;p44"/>
+          <p:cNvPr id="323" name="Google Shape;323;p44"/>
           <p:cNvSpPr txBox="1"/>
           <p:nvPr>
             <p:ph idx="12" type="sldNum"/>
@@ -19487,7 +19405,7 @@
   <p:cSld>
     <p:spTree>
       <p:nvGrpSpPr>
-        <p:cNvPr id="329" name="Shape 329"/>
+        <p:cNvPr id="327" name="Shape 327"/>
         <p:cNvGrpSpPr/>
         <p:nvPr/>
       </p:nvGrpSpPr>
@@ -19501,7 +19419,7 @@
       </p:grpSpPr>
       <p:sp>
         <p:nvSpPr>
-          <p:cNvPr id="330" name="Google Shape;330;p45"/>
+          <p:cNvPr id="328" name="Google Shape;328;p45"/>
           <p:cNvSpPr txBox="1"/>
           <p:nvPr>
             <p:ph type="title"/>
@@ -19533,6 +19451,231 @@
             </a:pPr>
             <a:r>
               <a:rPr lang="es"/>
+              <a:t>Introducc</a:t>
+            </a:r>
+            <a:r>
+              <a:rPr lang="es"/>
+              <a:t>ión (II) - Disponibilidad</a:t>
+            </a:r>
+            <a:endParaRPr/>
+          </a:p>
+        </p:txBody>
+      </p:sp>
+      <p:sp>
+        <p:nvSpPr>
+          <p:cNvPr id="329" name="Google Shape;329;p45"/>
+          <p:cNvSpPr txBox="1"/>
+          <p:nvPr>
+            <p:ph idx="1" type="body"/>
+          </p:nvPr>
+        </p:nvSpPr>
+        <p:spPr>
+          <a:xfrm>
+            <a:off x="729325" y="2078875"/>
+            <a:ext cx="7688400" cy="2670900"/>
+          </a:xfrm>
+          <a:prstGeom prst="rect">
+            <a:avLst/>
+          </a:prstGeom>
+        </p:spPr>
+        <p:txBody>
+          <a:bodyPr anchorCtr="0" anchor="t" bIns="91425" lIns="91425" spcFirstLastPara="1" rIns="91425" wrap="square" tIns="91425">
+            <a:noAutofit/>
+          </a:bodyPr>
+          <a:lstStyle/>
+          <a:p>
+            <a:pPr indent="-381000" lvl="0" marL="457200" rtl="0" algn="l">
+              <a:spcBef>
+                <a:spcPts val="0"/>
+              </a:spcBef>
+              <a:spcAft>
+                <a:spcPts val="0"/>
+              </a:spcAft>
+              <a:buSzPts val="2400"/>
+              <a:buChar char="●"/>
+            </a:pPr>
+            <a:r>
+              <a:rPr b="1" lang="es" sz="2400">
+                <a:solidFill>
+                  <a:schemeClr val="accent3"/>
+                </a:solidFill>
+              </a:rPr>
+              <a:t>¿Cómo aseguramos la alta disponibilidad?</a:t>
+            </a:r>
+            <a:endParaRPr b="1" sz="2400">
+              <a:solidFill>
+                <a:schemeClr val="accent3"/>
+              </a:solidFill>
+            </a:endParaRPr>
+          </a:p>
+          <a:p>
+            <a:pPr indent="-381000" lvl="0" marL="457200" rtl="0" algn="l">
+              <a:spcBef>
+                <a:spcPts val="0"/>
+              </a:spcBef>
+              <a:spcAft>
+                <a:spcPts val="0"/>
+              </a:spcAft>
+              <a:buSzPts val="2400"/>
+              <a:buChar char="●"/>
+            </a:pPr>
+            <a:r>
+              <a:rPr lang="es" sz="2400"/>
+              <a:t>Operarios humanos = muy costoso.</a:t>
+            </a:r>
+            <a:endParaRPr sz="2400"/>
+          </a:p>
+          <a:p>
+            <a:pPr indent="-381000" lvl="0" marL="914400" rtl="0" algn="l">
+              <a:spcBef>
+                <a:spcPts val="0"/>
+              </a:spcBef>
+              <a:spcAft>
+                <a:spcPts val="0"/>
+              </a:spcAft>
+              <a:buSzPts val="2400"/>
+              <a:buChar char="-"/>
+            </a:pPr>
+            <a:r>
+              <a:rPr lang="es" sz="2300"/>
+              <a:t>Recurrir a ellos d</a:t>
+            </a:r>
+            <a:r>
+              <a:rPr lang="es" sz="2300"/>
+              <a:t>ebería ser nuestro último recurso</a:t>
+            </a:r>
+            <a:endParaRPr sz="2300"/>
+          </a:p>
+          <a:p>
+            <a:pPr indent="-381000" lvl="0" marL="457200" rtl="0" algn="l">
+              <a:spcBef>
+                <a:spcPts val="0"/>
+              </a:spcBef>
+              <a:spcAft>
+                <a:spcPts val="0"/>
+              </a:spcAft>
+              <a:buSzPts val="2400"/>
+              <a:buChar char="●"/>
+            </a:pPr>
+            <a:r>
+              <a:rPr lang="es" sz="2400"/>
+              <a:t>El sistema debería recuperarse automáticamente. </a:t>
+            </a:r>
+            <a:r>
+              <a:rPr b="1" lang="es" sz="2400">
+                <a:solidFill>
+                  <a:schemeClr val="accent3"/>
+                </a:solidFill>
+              </a:rPr>
+              <a:t>Autoadaptación</a:t>
+            </a:r>
+            <a:r>
+              <a:rPr lang="es" sz="2400"/>
+              <a:t>.</a:t>
+            </a:r>
+            <a:endParaRPr sz="2300"/>
+          </a:p>
+        </p:txBody>
+      </p:sp>
+      <p:sp>
+        <p:nvSpPr>
+          <p:cNvPr id="330" name="Google Shape;330;p45"/>
+          <p:cNvSpPr txBox="1"/>
+          <p:nvPr>
+            <p:ph idx="12" type="sldNum"/>
+          </p:nvPr>
+        </p:nvSpPr>
+        <p:spPr>
+          <a:xfrm>
+            <a:off x="8536302" y="4749851"/>
+            <a:ext cx="548700" cy="393600"/>
+          </a:xfrm>
+          <a:prstGeom prst="rect">
+            <a:avLst/>
+          </a:prstGeom>
+        </p:spPr>
+        <p:txBody>
+          <a:bodyPr anchorCtr="0" anchor="ctr" bIns="91425" lIns="91425" spcFirstLastPara="1" rIns="91425" wrap="square" tIns="91425">
+            <a:normAutofit/>
+          </a:bodyPr>
+          <a:lstStyle/>
+          <a:p>
+            <a:pPr indent="0" lvl="0" marL="0" rtl="0" algn="r">
+              <a:spcBef>
+                <a:spcPts val="0"/>
+              </a:spcBef>
+              <a:spcAft>
+                <a:spcPts val="0"/>
+              </a:spcAft>
+              <a:buNone/>
+            </a:pPr>
+            <a:fld id="{00000000-1234-1234-1234-123412341234}" type="slidenum">
+              <a:rPr lang="es"/>
+              <a:t>‹#›</a:t>
+            </a:fld>
+            <a:endParaRPr/>
+          </a:p>
+        </p:txBody>
+      </p:sp>
+    </p:spTree>
+  </p:cSld>
+  <p:clrMapOvr>
+    <a:masterClrMapping/>
+  </p:clrMapOvr>
+</p:sld>
+</file>
+
+<file path=ppt/slides/slide34.xml><?xml version="1.0" encoding="utf-8"?>
+<p:sld xmlns:a="http://schemas.openxmlformats.org/drawingml/2006/main" xmlns:r="http://schemas.openxmlformats.org/officeDocument/2006/relationships" xmlns:mc="http://schemas.openxmlformats.org/markup-compatibility/2006" xmlns:mv="urn:schemas-microsoft-com:mac:vml" xmlns:p="http://schemas.openxmlformats.org/presentationml/2006/main" xmlns:c="http://schemas.openxmlformats.org/drawingml/2006/chart" xmlns:dgm="http://schemas.openxmlformats.org/drawingml/2006/diagram" xmlns:o="urn:schemas-microsoft-com:office:office" xmlns:v="urn:schemas-microsoft-com:vml" xmlns:pvml="urn:schemas-microsoft-com:office:powerpoint" xmlns:com="http://schemas.openxmlformats.org/drawingml/2006/compatibility" xmlns:p14="http://schemas.microsoft.com/office/powerpoint/2010/main" xmlns:p15="http://schemas.microsoft.com/office/powerpoint/2012/main" xmlns:ahyp="http://schemas.microsoft.com/office/drawing/2018/hyperlinkcolor">
+  <p:cSld>
+    <p:spTree>
+      <p:nvGrpSpPr>
+        <p:cNvPr id="334" name="Shape 334"/>
+        <p:cNvGrpSpPr/>
+        <p:nvPr/>
+      </p:nvGrpSpPr>
+      <p:grpSpPr>
+        <a:xfrm>
+          <a:off x="0" y="0"/>
+          <a:ext cx="0" cy="0"/>
+          <a:chOff x="0" y="0"/>
+          <a:chExt cx="0" cy="0"/>
+        </a:xfrm>
+      </p:grpSpPr>
+      <p:sp>
+        <p:nvSpPr>
+          <p:cNvPr id="335" name="Google Shape;335;p46"/>
+          <p:cNvSpPr txBox="1"/>
+          <p:nvPr>
+            <p:ph type="title"/>
+          </p:nvPr>
+        </p:nvSpPr>
+        <p:spPr>
+          <a:xfrm>
+            <a:off x="729450" y="1318650"/>
+            <a:ext cx="7688400" cy="535200"/>
+          </a:xfrm>
+          <a:prstGeom prst="rect">
+            <a:avLst/>
+          </a:prstGeom>
+        </p:spPr>
+        <p:txBody>
+          <a:bodyPr anchorCtr="0" anchor="t" bIns="91425" lIns="91425" spcFirstLastPara="1" rIns="91425" wrap="square" tIns="91425">
+            <a:normAutofit fontScale="90000"/>
+          </a:bodyPr>
+          <a:lstStyle/>
+          <a:p>
+            <a:pPr indent="0" lvl="0" marL="0" rtl="0" algn="l">
+              <a:spcBef>
+                <a:spcPts val="0"/>
+              </a:spcBef>
+              <a:spcAft>
+                <a:spcPts val="0"/>
+              </a:spcAft>
+              <a:buNone/>
+            </a:pPr>
+            <a:r>
+              <a:rPr lang="es"/>
               <a:t>Caso de estudio: Sistema de climatización (II)</a:t>
             </a:r>
             <a:endParaRPr/>
@@ -19541,7 +19684,7 @@
       </p:sp>
       <p:sp>
         <p:nvSpPr>
-          <p:cNvPr id="331" name="Google Shape;331;p45"/>
+          <p:cNvPr id="336" name="Google Shape;336;p46"/>
           <p:cNvSpPr txBox="1"/>
           <p:nvPr>
             <p:ph idx="12" type="sldNum"/>
@@ -19589,7 +19732,7 @@
       </p:sp>
       <p:sp>
         <p:nvSpPr>
-          <p:cNvPr id="332" name="Google Shape;332;p45"/>
+          <p:cNvPr id="337" name="Google Shape;337;p46"/>
           <p:cNvSpPr txBox="1"/>
           <p:nvPr>
             <p:ph idx="1" type="body"/>
@@ -19741,7 +19884,7 @@
       </p:sp>
       <p:pic>
         <p:nvPicPr>
-          <p:cNvPr id="333" name="Google Shape;333;p45"/>
+          <p:cNvPr id="338" name="Google Shape;338;p46"/>
           <p:cNvPicPr preferRelativeResize="0"/>
           <p:nvPr/>
         </p:nvPicPr>
@@ -19757,265 +19900,6 @@
           <a:xfrm>
             <a:off x="5027850" y="1950676"/>
             <a:ext cx="3257900" cy="2517475"/>
-          </a:xfrm>
-          <a:prstGeom prst="rect">
-            <a:avLst/>
-          </a:prstGeom>
-          <a:noFill/>
-          <a:ln>
-            <a:noFill/>
-          </a:ln>
-        </p:spPr>
-      </p:pic>
-    </p:spTree>
-  </p:cSld>
-  <p:clrMapOvr>
-    <a:masterClrMapping/>
-  </p:clrMapOvr>
-</p:sld>
-</file>
-
-<file path=ppt/slides/slide34.xml><?xml version="1.0" encoding="utf-8"?>
-<p:sld xmlns:a="http://schemas.openxmlformats.org/drawingml/2006/main" xmlns:r="http://schemas.openxmlformats.org/officeDocument/2006/relationships" xmlns:mc="http://schemas.openxmlformats.org/markup-compatibility/2006" xmlns:mv="urn:schemas-microsoft-com:mac:vml" xmlns:p="http://schemas.openxmlformats.org/presentationml/2006/main" xmlns:c="http://schemas.openxmlformats.org/drawingml/2006/chart" xmlns:dgm="http://schemas.openxmlformats.org/drawingml/2006/diagram" xmlns:o="urn:schemas-microsoft-com:office:office" xmlns:v="urn:schemas-microsoft-com:vml" xmlns:pvml="urn:schemas-microsoft-com:office:powerpoint" xmlns:com="http://schemas.openxmlformats.org/drawingml/2006/compatibility" xmlns:p14="http://schemas.microsoft.com/office/powerpoint/2010/main" xmlns:p15="http://schemas.microsoft.com/office/powerpoint/2012/main" xmlns:ahyp="http://schemas.microsoft.com/office/drawing/2018/hyperlinkcolor">
-  <p:cSld>
-    <p:spTree>
-      <p:nvGrpSpPr>
-        <p:cNvPr id="337" name="Shape 337"/>
-        <p:cNvGrpSpPr/>
-        <p:nvPr/>
-      </p:nvGrpSpPr>
-      <p:grpSpPr>
-        <a:xfrm>
-          <a:off x="0" y="0"/>
-          <a:ext cx="0" cy="0"/>
-          <a:chOff x="0" y="0"/>
-          <a:chExt cx="0" cy="0"/>
-        </a:xfrm>
-      </p:grpSpPr>
-      <p:sp>
-        <p:nvSpPr>
-          <p:cNvPr id="338" name="Google Shape;338;p46"/>
-          <p:cNvSpPr txBox="1"/>
-          <p:nvPr>
-            <p:ph type="title"/>
-          </p:nvPr>
-        </p:nvSpPr>
-        <p:spPr>
-          <a:xfrm>
-            <a:off x="729450" y="1318650"/>
-            <a:ext cx="7688400" cy="535200"/>
-          </a:xfrm>
-          <a:prstGeom prst="rect">
-            <a:avLst/>
-          </a:prstGeom>
-        </p:spPr>
-        <p:txBody>
-          <a:bodyPr anchorCtr="0" anchor="t" bIns="91425" lIns="91425" spcFirstLastPara="1" rIns="91425" wrap="square" tIns="91425">
-            <a:normAutofit fontScale="90000"/>
-          </a:bodyPr>
-          <a:lstStyle/>
-          <a:p>
-            <a:pPr indent="0" lvl="0" marL="0" rtl="0" algn="l">
-              <a:spcBef>
-                <a:spcPts val="0"/>
-              </a:spcBef>
-              <a:spcAft>
-                <a:spcPts val="0"/>
-              </a:spcAft>
-              <a:buNone/>
-            </a:pPr>
-            <a:r>
-              <a:rPr lang="es"/>
-              <a:t>Introducción (III) - Bucles de control</a:t>
-            </a:r>
-            <a:endParaRPr/>
-          </a:p>
-        </p:txBody>
-      </p:sp>
-      <p:sp>
-        <p:nvSpPr>
-          <p:cNvPr id="339" name="Google Shape;339;p46"/>
-          <p:cNvSpPr txBox="1"/>
-          <p:nvPr>
-            <p:ph idx="1" type="body"/>
-          </p:nvPr>
-        </p:nvSpPr>
-        <p:spPr>
-          <a:xfrm>
-            <a:off x="729325" y="2078875"/>
-            <a:ext cx="3774300" cy="2261100"/>
-          </a:xfrm>
-          <a:prstGeom prst="rect">
-            <a:avLst/>
-          </a:prstGeom>
-        </p:spPr>
-        <p:txBody>
-          <a:bodyPr anchorCtr="0" anchor="t" bIns="91425" lIns="91425" spcFirstLastPara="1" rIns="91425" wrap="square" tIns="91425">
-            <a:normAutofit/>
-          </a:bodyPr>
-          <a:lstStyle/>
-          <a:p>
-            <a:pPr indent="-336550" lvl="0" marL="457200" rtl="0" algn="l">
-              <a:spcBef>
-                <a:spcPts val="0"/>
-              </a:spcBef>
-              <a:spcAft>
-                <a:spcPts val="0"/>
-              </a:spcAft>
-              <a:buSzPts val="1700"/>
-              <a:buChar char="●"/>
-            </a:pPr>
-            <a:r>
-              <a:rPr lang="es" sz="1700"/>
-              <a:t>Concepto de la teoría de control.</a:t>
-            </a:r>
-            <a:endParaRPr sz="1700"/>
-          </a:p>
-          <a:p>
-            <a:pPr indent="-336550" lvl="0" marL="457200" rtl="0" algn="l">
-              <a:spcBef>
-                <a:spcPts val="1000"/>
-              </a:spcBef>
-              <a:spcAft>
-                <a:spcPts val="0"/>
-              </a:spcAft>
-              <a:buSzPts val="1700"/>
-              <a:buChar char="●"/>
-            </a:pPr>
-            <a:r>
-              <a:rPr lang="es" sz="1700"/>
-              <a:t>Proceso secuencial de 4 etapas:</a:t>
-            </a:r>
-            <a:endParaRPr sz="1700"/>
-          </a:p>
-          <a:p>
-            <a:pPr indent="-323850" lvl="1" marL="914400" rtl="0" algn="l">
-              <a:spcBef>
-                <a:spcPts val="0"/>
-              </a:spcBef>
-              <a:spcAft>
-                <a:spcPts val="0"/>
-              </a:spcAft>
-              <a:buSzPts val="1500"/>
-              <a:buChar char="○"/>
-            </a:pPr>
-            <a:r>
-              <a:rPr lang="es" sz="1500"/>
-              <a:t>Recoger información</a:t>
-            </a:r>
-            <a:endParaRPr sz="1500"/>
-          </a:p>
-          <a:p>
-            <a:pPr indent="-323850" lvl="1" marL="914400" rtl="0" algn="l">
-              <a:spcBef>
-                <a:spcPts val="0"/>
-              </a:spcBef>
-              <a:spcAft>
-                <a:spcPts val="0"/>
-              </a:spcAft>
-              <a:buSzPts val="1500"/>
-              <a:buChar char="○"/>
-            </a:pPr>
-            <a:r>
-              <a:rPr lang="es" sz="1500"/>
-              <a:t>Detectar síntomas</a:t>
-            </a:r>
-            <a:endParaRPr sz="1500"/>
-          </a:p>
-          <a:p>
-            <a:pPr indent="-323850" lvl="1" marL="914400" rtl="0" algn="l">
-              <a:spcBef>
-                <a:spcPts val="0"/>
-              </a:spcBef>
-              <a:spcAft>
-                <a:spcPts val="0"/>
-              </a:spcAft>
-              <a:buSzPts val="1500"/>
-              <a:buChar char="○"/>
-            </a:pPr>
-            <a:r>
-              <a:rPr lang="es" sz="1500"/>
-              <a:t>Decidir si requiere corrección</a:t>
-            </a:r>
-            <a:endParaRPr sz="1500"/>
-          </a:p>
-          <a:p>
-            <a:pPr indent="-323850" lvl="1" marL="914400" rtl="0" algn="l">
-              <a:spcBef>
-                <a:spcPts val="0"/>
-              </a:spcBef>
-              <a:spcAft>
-                <a:spcPts val="0"/>
-              </a:spcAft>
-              <a:buSzPts val="1500"/>
-              <a:buChar char="○"/>
-            </a:pPr>
-            <a:r>
-              <a:rPr lang="es" sz="1500"/>
-              <a:t>Aplicar correcciones.</a:t>
-            </a:r>
-            <a:endParaRPr sz="1500"/>
-          </a:p>
-        </p:txBody>
-      </p:sp>
-      <p:sp>
-        <p:nvSpPr>
-          <p:cNvPr id="340" name="Google Shape;340;p46"/>
-          <p:cNvSpPr txBox="1"/>
-          <p:nvPr>
-            <p:ph idx="12" type="sldNum"/>
-          </p:nvPr>
-        </p:nvSpPr>
-        <p:spPr>
-          <a:xfrm>
-            <a:off x="8536302" y="4749851"/>
-            <a:ext cx="548700" cy="393600"/>
-          </a:xfrm>
-          <a:prstGeom prst="rect">
-            <a:avLst/>
-          </a:prstGeom>
-        </p:spPr>
-        <p:txBody>
-          <a:bodyPr anchorCtr="0" anchor="ctr" bIns="91425" lIns="91425" spcFirstLastPara="1" rIns="91425" wrap="square" tIns="91425">
-            <a:normAutofit/>
-          </a:bodyPr>
-          <a:lstStyle/>
-          <a:p>
-            <a:pPr indent="0" lvl="0" marL="0" rtl="0" algn="r">
-              <a:spcBef>
-                <a:spcPts val="0"/>
-              </a:spcBef>
-              <a:spcAft>
-                <a:spcPts val="0"/>
-              </a:spcAft>
-              <a:buNone/>
-            </a:pPr>
-            <a:fld id="{00000000-1234-1234-1234-123412341234}" type="slidenum">
-              <a:rPr lang="es"/>
-              <a:t>‹#›</a:t>
-            </a:fld>
-            <a:endParaRPr/>
-          </a:p>
-        </p:txBody>
-      </p:sp>
-      <p:pic>
-        <p:nvPicPr>
-          <p:cNvPr id="341" name="Google Shape;341;p46"/>
-          <p:cNvPicPr preferRelativeResize="0"/>
-          <p:nvPr/>
-        </p:nvPicPr>
-        <p:blipFill>
-          <a:blip r:embed="rId3">
-            <a:alphaModFix/>
-          </a:blip>
-          <a:stretch>
-            <a:fillRect/>
-          </a:stretch>
-        </p:blipFill>
-        <p:spPr>
-          <a:xfrm>
-            <a:off x="4936300" y="1881301"/>
-            <a:ext cx="3944899" cy="2656250"/>
           </a:xfrm>
           <a:prstGeom prst="rect">
             <a:avLst/>
@@ -20039,7 +19923,7 @@
   <p:cSld>
     <p:spTree>
       <p:nvGrpSpPr>
-        <p:cNvPr id="345" name="Shape 345"/>
+        <p:cNvPr id="342" name="Shape 342"/>
         <p:cNvGrpSpPr/>
         <p:nvPr/>
       </p:nvGrpSpPr>
@@ -20053,7 +19937,7 @@
       </p:grpSpPr>
       <p:sp>
         <p:nvSpPr>
-          <p:cNvPr id="346" name="Google Shape;346;p47"/>
+          <p:cNvPr id="343" name="Google Shape;343;p47"/>
           <p:cNvSpPr txBox="1"/>
           <p:nvPr>
             <p:ph type="title"/>
@@ -20084,12 +19968,8 @@
               <a:buNone/>
             </a:pPr>
             <a:r>
-              <a:rPr i="1" lang="es"/>
-              <a:t>Framework</a:t>
-            </a:r>
-            <a:r>
               <a:rPr lang="es"/>
-              <a:t> FAdA</a:t>
+              <a:t>Introducción (III) - Bucles de control</a:t>
             </a:r>
             <a:endParaRPr/>
           </a:p>
@@ -20097,7 +19977,7 @@
       </p:sp>
       <p:sp>
         <p:nvSpPr>
-          <p:cNvPr id="347" name="Google Shape;347;p47"/>
+          <p:cNvPr id="344" name="Google Shape;344;p47"/>
           <p:cNvSpPr txBox="1"/>
           <p:nvPr>
             <p:ph idx="1" type="body"/>
@@ -20106,7 +19986,7 @@
         <p:spPr>
           <a:xfrm>
             <a:off x="729325" y="2078875"/>
-            <a:ext cx="4365300" cy="2850000"/>
+            <a:ext cx="3774300" cy="2261100"/>
           </a:xfrm>
           <a:prstGeom prst="rect">
             <a:avLst/>
@@ -20114,117 +19994,116 @@
         </p:spPr>
         <p:txBody>
           <a:bodyPr anchorCtr="0" anchor="t" bIns="91425" lIns="91425" spcFirstLastPara="1" rIns="91425" wrap="square" tIns="91425">
-            <a:normAutofit fontScale="62500" lnSpcReduction="20000"/>
+            <a:normAutofit/>
           </a:bodyPr>
           <a:lstStyle/>
           <a:p>
-            <a:pPr indent="-329334" lvl="0" marL="457200" rtl="0" algn="l">
-              <a:spcBef>
-                <a:spcPts val="0"/>
-              </a:spcBef>
-              <a:spcAft>
-                <a:spcPts val="0"/>
-              </a:spcAft>
-              <a:buSzPct val="100000"/>
+            <a:pPr indent="-336550" lvl="0" marL="457200" rtl="0" algn="l">
+              <a:spcBef>
+                <a:spcPts val="0"/>
+              </a:spcBef>
+              <a:spcAft>
+                <a:spcPts val="0"/>
+              </a:spcAft>
+              <a:buSzPts val="1700"/>
               <a:buChar char="●"/>
             </a:pPr>
             <a:r>
-              <a:rPr b="1" lang="es" sz="2538">
-                <a:solidFill>
-                  <a:schemeClr val="accent3"/>
-                </a:solidFill>
-              </a:rPr>
-              <a:t>FAdA</a:t>
-            </a:r>
-            <a:r>
-              <a:rPr lang="es" sz="2538"/>
-              <a:t>: </a:t>
-            </a:r>
-            <a:r>
-              <a:rPr i="1" lang="es" sz="2538"/>
-              <a:t>Framework </a:t>
-            </a:r>
-            <a:r>
-              <a:rPr lang="es" sz="2538"/>
-              <a:t>para el desarrollo de sistemas autoadaptativos.</a:t>
-            </a:r>
-            <a:endParaRPr sz="2538"/>
-          </a:p>
-          <a:p>
-            <a:pPr indent="-328143" lvl="0" marL="914400" rtl="0" algn="l">
-              <a:spcBef>
-                <a:spcPts val="0"/>
-              </a:spcBef>
-              <a:spcAft>
-                <a:spcPts val="0"/>
-              </a:spcAft>
-              <a:buSzPct val="100000"/>
-              <a:buChar char="-"/>
-            </a:pPr>
-            <a:r>
-              <a:rPr i="1" lang="es" sz="2508"/>
-              <a:t>Model Driven Development</a:t>
-            </a:r>
-            <a:r>
-              <a:rPr lang="es" sz="2508"/>
-              <a:t>,  herramientas de generación de código….</a:t>
-            </a:r>
-            <a:endParaRPr sz="2508"/>
-          </a:p>
-          <a:p>
-            <a:pPr indent="-329334" lvl="0" marL="457200" rtl="0" algn="l">
+              <a:rPr lang="es" sz="1700"/>
+              <a:t>Concepto de la teoría de control.</a:t>
+            </a:r>
+            <a:endParaRPr sz="1700"/>
+          </a:p>
+          <a:p>
+            <a:pPr indent="-336550" lvl="0" marL="457200" rtl="0" algn="l">
               <a:spcBef>
                 <a:spcPts val="1000"/>
               </a:spcBef>
               <a:spcAft>
                 <a:spcPts val="0"/>
               </a:spcAft>
-              <a:buSzPct val="100000"/>
+              <a:buSzPts val="1700"/>
               <a:buChar char="●"/>
             </a:pPr>
             <a:r>
-              <a:rPr lang="es" sz="2538"/>
-              <a:t>Desarrollado por el grupo PROS/Tatami del instituto VRAIN/UPV.</a:t>
-            </a:r>
-            <a:endParaRPr sz="2538"/>
-          </a:p>
-          <a:p>
-            <a:pPr indent="-329334" lvl="0" marL="457200" rtl="0" algn="l">
-              <a:spcBef>
-                <a:spcPts val="1000"/>
-              </a:spcBef>
-              <a:spcAft>
-                <a:spcPts val="0"/>
-              </a:spcAft>
-              <a:buSzPct val="100000"/>
-              <a:buChar char="●"/>
-            </a:pPr>
-            <a:r>
-              <a:rPr lang="es" sz="2538"/>
-              <a:t>Cuenta con varios bucles de control genéricos distintos.</a:t>
-            </a:r>
-            <a:endParaRPr sz="2538"/>
-          </a:p>
-          <a:p>
-            <a:pPr indent="0" lvl="0" marL="0" rtl="0" algn="l">
-              <a:spcBef>
-                <a:spcPts val="1200"/>
-              </a:spcBef>
-              <a:spcAft>
-                <a:spcPts val="1200"/>
-              </a:spcAft>
-              <a:buNone/>
-            </a:pPr>
-            <a:r>
-              <a:t/>
+              <a:rPr lang="es" sz="1700"/>
+              <a:t>Proceso secuencial de 4 etapas:</a:t>
+            </a:r>
+            <a:endParaRPr sz="1700"/>
+          </a:p>
+          <a:p>
+            <a:pPr indent="-323850" lvl="1" marL="914400" rtl="0" algn="l">
+              <a:spcBef>
+                <a:spcPts val="0"/>
+              </a:spcBef>
+              <a:spcAft>
+                <a:spcPts val="0"/>
+              </a:spcAft>
+              <a:buSzPts val="1500"/>
+              <a:buChar char="○"/>
+            </a:pPr>
+            <a:r>
+              <a:rPr lang="es" sz="1500"/>
+              <a:t>Recoger información</a:t>
             </a:r>
             <a:endParaRPr sz="1500"/>
           </a:p>
+          <a:p>
+            <a:pPr indent="-323850" lvl="1" marL="914400" rtl="0" algn="l">
+              <a:spcBef>
+                <a:spcPts val="0"/>
+              </a:spcBef>
+              <a:spcAft>
+                <a:spcPts val="0"/>
+              </a:spcAft>
+              <a:buSzPts val="1500"/>
+              <a:buChar char="○"/>
+            </a:pPr>
+            <a:r>
+              <a:rPr lang="es" sz="1500"/>
+              <a:t>Detectar síntomas</a:t>
+            </a:r>
+            <a:endParaRPr sz="1500"/>
+          </a:p>
+          <a:p>
+            <a:pPr indent="-323850" lvl="1" marL="914400" rtl="0" algn="l">
+              <a:spcBef>
+                <a:spcPts val="0"/>
+              </a:spcBef>
+              <a:spcAft>
+                <a:spcPts val="0"/>
+              </a:spcAft>
+              <a:buSzPts val="1500"/>
+              <a:buChar char="○"/>
+            </a:pPr>
+            <a:r>
+              <a:rPr lang="es" sz="1500"/>
+              <a:t>Decidir si requiere corrección</a:t>
+            </a:r>
+            <a:endParaRPr sz="1500"/>
+          </a:p>
+          <a:p>
+            <a:pPr indent="-323850" lvl="1" marL="914400" rtl="0" algn="l">
+              <a:spcBef>
+                <a:spcPts val="0"/>
+              </a:spcBef>
+              <a:spcAft>
+                <a:spcPts val="0"/>
+              </a:spcAft>
+              <a:buSzPts val="1500"/>
+              <a:buChar char="○"/>
+            </a:pPr>
+            <a:r>
+              <a:rPr lang="es" sz="1500"/>
+              <a:t>Aplicar correcciones.</a:t>
+            </a:r>
+            <a:endParaRPr sz="1500"/>
+          </a:p>
         </p:txBody>
       </p:sp>
       <p:sp>
         <p:nvSpPr>
-          <p:cNvPr id="348" name="Google Shape;348;p47"/>
+          <p:cNvPr id="345" name="Google Shape;345;p47"/>
           <p:cNvSpPr txBox="1"/>
           <p:nvPr>
             <p:ph idx="12" type="sldNum"/>
@@ -20264,7 +20143,7 @@
       </p:sp>
       <p:pic>
         <p:nvPicPr>
-          <p:cNvPr id="349" name="Google Shape;349;p47"/>
+          <p:cNvPr id="346" name="Google Shape;346;p47"/>
           <p:cNvPicPr preferRelativeResize="0"/>
           <p:nvPr/>
         </p:nvPicPr>
@@ -20278,8 +20157,8 @@
         </p:blipFill>
         <p:spPr>
           <a:xfrm>
-            <a:off x="5355675" y="2617050"/>
-            <a:ext cx="3062175" cy="1118275"/>
+            <a:off x="4936300" y="1881301"/>
+            <a:ext cx="3944899" cy="2656250"/>
           </a:xfrm>
           <a:prstGeom prst="rect">
             <a:avLst/>
@@ -20303,7 +20182,7 @@
   <p:cSld>
     <p:spTree>
       <p:nvGrpSpPr>
-        <p:cNvPr id="353" name="Shape 353"/>
+        <p:cNvPr id="350" name="Shape 350"/>
         <p:cNvGrpSpPr/>
         <p:nvPr/>
       </p:nvGrpSpPr>
@@ -20317,7 +20196,7 @@
       </p:grpSpPr>
       <p:sp>
         <p:nvSpPr>
-          <p:cNvPr id="354" name="Google Shape;354;p48"/>
+          <p:cNvPr id="351" name="Google Shape;351;p48"/>
           <p:cNvSpPr txBox="1"/>
           <p:nvPr>
             <p:ph type="title"/>
@@ -20349,7 +20228,7 @@
             </a:pPr>
             <a:r>
               <a:rPr lang="es"/>
-              <a:t>Objetivos</a:t>
+              <a:t>Bucle MAPE-K - Monitorización</a:t>
             </a:r>
             <a:endParaRPr/>
           </a:p>
@@ -20357,7 +20236,7 @@
       </p:sp>
       <p:sp>
         <p:nvSpPr>
-          <p:cNvPr id="355" name="Google Shape;355;p48"/>
+          <p:cNvPr id="352" name="Google Shape;352;p48"/>
           <p:cNvSpPr txBox="1"/>
           <p:nvPr>
             <p:ph idx="1" type="body"/>
@@ -20366,7 +20245,7 @@
         <p:spPr>
           <a:xfrm>
             <a:off x="729325" y="2078875"/>
-            <a:ext cx="7954800" cy="2261100"/>
+            <a:ext cx="3774300" cy="2261100"/>
           </a:xfrm>
           <a:prstGeom prst="rect">
             <a:avLst/>
@@ -20374,90 +20253,98 @@
         </p:spPr>
         <p:txBody>
           <a:bodyPr anchorCtr="0" anchor="t" bIns="91425" lIns="91425" spcFirstLastPara="1" rIns="91425" wrap="square" tIns="91425">
-            <a:noAutofit/>
+            <a:normAutofit/>
           </a:bodyPr>
           <a:lstStyle/>
           <a:p>
-            <a:pPr indent="-336550" lvl="0" marL="457200" rtl="0" algn="l">
-              <a:lnSpc>
-                <a:spcPct val="115000"/>
-              </a:lnSpc>
-              <a:spcBef>
-                <a:spcPts val="0"/>
-              </a:spcBef>
-              <a:spcAft>
-                <a:spcPts val="0"/>
-              </a:spcAft>
-              <a:buSzPts val="1700"/>
-              <a:buAutoNum type="arabicPeriod"/>
-            </a:pPr>
-            <a:r>
-              <a:rPr b="1" lang="es" sz="1700"/>
-              <a:t>Rediseñar la arquitectura existente</a:t>
-            </a:r>
-            <a:r>
-              <a:rPr lang="es" sz="1700"/>
-              <a:t> para soluciones autoadaptativas y prepararla para desplegarse como microservicios en la nube. </a:t>
-            </a:r>
-            <a:endParaRPr sz="1700"/>
-          </a:p>
-          <a:p>
-            <a:pPr indent="-336550" lvl="0" marL="457200" rtl="0" algn="l">
-              <a:lnSpc>
-                <a:spcPct val="115000"/>
-              </a:lnSpc>
-              <a:spcBef>
-                <a:spcPts val="1000"/>
-              </a:spcBef>
-              <a:spcAft>
-                <a:spcPts val="0"/>
-              </a:spcAft>
-              <a:buSzPts val="1700"/>
-              <a:buAutoNum type="arabicPeriod"/>
-            </a:pPr>
-            <a:r>
-              <a:rPr b="1" lang="es" sz="1700"/>
-              <a:t>Definir directrices para la implementación de los diferentes componentes adaptativos </a:t>
-            </a:r>
-            <a:r>
-              <a:rPr lang="es" sz="1700"/>
-              <a:t>específicos de una solución: sondas, monitores, efectores...</a:t>
-            </a:r>
-            <a:endParaRPr sz="1700"/>
-          </a:p>
-          <a:p>
-            <a:pPr indent="-336550" lvl="0" marL="457200" rtl="0" algn="l">
-              <a:lnSpc>
-                <a:spcPct val="115000"/>
-              </a:lnSpc>
-              <a:spcBef>
-                <a:spcPts val="1000"/>
-              </a:spcBef>
-              <a:spcAft>
-                <a:spcPts val="1200"/>
-              </a:spcAft>
-              <a:buSzPts val="1700"/>
-              <a:buAutoNum type="arabicPeriod"/>
-            </a:pPr>
-            <a:r>
-              <a:rPr lang="es" sz="1700"/>
-              <a:t>Desarrollar un caso práctico para </a:t>
-            </a:r>
-            <a:r>
-              <a:rPr b="1" lang="es" sz="1700"/>
-              <a:t>demostrar la viabilidad y aplicabilidad de nuestra propuesta</a:t>
-            </a:r>
-            <a:r>
-              <a:rPr lang="es" sz="1700"/>
+            <a:pPr indent="-330200" lvl="0" marL="457200" rtl="0" algn="l">
+              <a:spcBef>
+                <a:spcPts val="0"/>
+              </a:spcBef>
+              <a:spcAft>
+                <a:spcPts val="0"/>
+              </a:spcAft>
+              <a:buSzPts val="1600"/>
+              <a:buChar char="●"/>
+            </a:pPr>
+            <a:r>
+              <a:rPr b="1" lang="es" sz="1600"/>
+              <a:t>Sondas</a:t>
+            </a:r>
+            <a:r>
+              <a:rPr lang="es" sz="1600"/>
+              <a:t>: Recopilan información del mundo real (entorno y recurso manejado).</a:t>
+            </a:r>
+            <a:endParaRPr sz="1600"/>
+          </a:p>
+          <a:p>
+            <a:pPr indent="-317500" lvl="0" marL="914400" rtl="0" algn="l">
+              <a:spcBef>
+                <a:spcPts val="0"/>
+              </a:spcBef>
+              <a:spcAft>
+                <a:spcPts val="0"/>
+              </a:spcAft>
+              <a:buSzPts val="1400"/>
+              <a:buChar char="-"/>
+            </a:pPr>
+            <a:r>
+              <a:rPr lang="es" sz="1400"/>
+              <a:t>Ej: Tª de la estancia.</a:t>
+            </a:r>
+            <a:endParaRPr sz="1400"/>
+          </a:p>
+          <a:p>
+            <a:pPr indent="-330200" lvl="0" marL="457200" rtl="0" algn="l">
+              <a:spcBef>
+                <a:spcPts val="0"/>
+              </a:spcBef>
+              <a:spcAft>
+                <a:spcPts val="0"/>
+              </a:spcAft>
+              <a:buSzPts val="1600"/>
+              <a:buChar char="●"/>
+            </a:pPr>
+            <a:r>
+              <a:rPr b="1" lang="es" sz="1600"/>
+              <a:t>Monitores</a:t>
+            </a:r>
+            <a:r>
+              <a:rPr lang="es" sz="1600"/>
+              <a:t>: la traducen a nuestro modelo abstracto del sistema.</a:t>
+            </a:r>
+            <a:endParaRPr sz="1600"/>
+          </a:p>
+          <a:p>
+            <a:pPr indent="-330200" lvl="0" marL="914400" rtl="0" algn="l">
+              <a:spcBef>
+                <a:spcPts val="0"/>
+              </a:spcBef>
+              <a:spcAft>
+                <a:spcPts val="0"/>
+              </a:spcAft>
+              <a:buSzPts val="1600"/>
+              <a:buChar char="-"/>
+            </a:pPr>
+            <a:r>
+              <a:rPr b="1" lang="es" sz="1600">
+                <a:solidFill>
+                  <a:schemeClr val="accent3"/>
+                </a:solidFill>
+              </a:rPr>
+              <a:t>Propiedades de adaptación</a:t>
+            </a:r>
+            <a:r>
+              <a:rPr lang="es" sz="1600"/>
               <a:t>.</a:t>
             </a:r>
-            <a:endParaRPr sz="1500"/>
+            <a:endParaRPr sz="1600"/>
           </a:p>
         </p:txBody>
       </p:sp>
       <p:sp>
         <p:nvSpPr>
-          <p:cNvPr id="356" name="Google Shape;356;p48"/>
+          <p:cNvPr id="353" name="Google Shape;353;p48"/>
           <p:cNvSpPr txBox="1"/>
           <p:nvPr>
             <p:ph idx="12" type="sldNum"/>
@@ -20495,6 +20382,34 @@
           </a:p>
         </p:txBody>
       </p:sp>
+      <p:pic>
+        <p:nvPicPr>
+          <p:cNvPr id="354" name="Google Shape;354;p48"/>
+          <p:cNvPicPr preferRelativeResize="0"/>
+          <p:nvPr/>
+        </p:nvPicPr>
+        <p:blipFill>
+          <a:blip r:embed="rId3">
+            <a:alphaModFix/>
+          </a:blip>
+          <a:stretch>
+            <a:fillRect/>
+          </a:stretch>
+        </p:blipFill>
+        <p:spPr>
+          <a:xfrm>
+            <a:off x="4656025" y="2006250"/>
+            <a:ext cx="4335575" cy="2396779"/>
+          </a:xfrm>
+          <a:prstGeom prst="rect">
+            <a:avLst/>
+          </a:prstGeom>
+          <a:noFill/>
+          <a:ln>
+            <a:noFill/>
+          </a:ln>
+        </p:spPr>
+      </p:pic>
     </p:spTree>
   </p:cSld>
   <p:clrMapOvr>
@@ -20508,7 +20423,7 @@
   <p:cSld>
     <p:spTree>
       <p:nvGrpSpPr>
-        <p:cNvPr id="360" name="Shape 360"/>
+        <p:cNvPr id="358" name="Shape 358"/>
         <p:cNvGrpSpPr/>
         <p:nvPr/>
       </p:nvGrpSpPr>
@@ -20522,7 +20437,7 @@
       </p:grpSpPr>
       <p:sp>
         <p:nvSpPr>
-          <p:cNvPr id="361" name="Google Shape;361;p49"/>
+          <p:cNvPr id="359" name="Google Shape;359;p49"/>
           <p:cNvSpPr txBox="1"/>
           <p:nvPr>
             <p:ph type="title"/>
@@ -20554,7 +20469,7 @@
             </a:pPr>
             <a:r>
               <a:rPr lang="es"/>
-              <a:t>Bucle MAPE-K - Monitorización</a:t>
+              <a:t>Bucle MAPE-K - Conocimiento</a:t>
             </a:r>
             <a:endParaRPr/>
           </a:p>
@@ -20562,7 +20477,7 @@
       </p:sp>
       <p:sp>
         <p:nvSpPr>
-          <p:cNvPr id="362" name="Google Shape;362;p49"/>
+          <p:cNvPr id="360" name="Google Shape;360;p49"/>
           <p:cNvSpPr txBox="1"/>
           <p:nvPr>
             <p:ph idx="1" type="body"/>
@@ -20585,7 +20500,7 @@
           <a:p>
             <a:pPr indent="-330200" lvl="0" marL="457200" rtl="0" algn="l">
               <a:spcBef>
-                <a:spcPts val="0"/>
+                <a:spcPts val="1000"/>
               </a:spcBef>
               <a:spcAft>
                 <a:spcPts val="0"/>
@@ -20595,35 +20510,14 @@
             </a:pPr>
             <a:r>
               <a:rPr b="1" lang="es" sz="1600"/>
-              <a:t>Sondas</a:t>
-            </a:r>
-            <a:r>
-              <a:rPr lang="es" sz="1600"/>
-              <a:t>: Recopilan información del mundo real (entorno y recurso manejado).</a:t>
-            </a:r>
-            <a:endParaRPr sz="1600"/>
-          </a:p>
-          <a:p>
-            <a:pPr indent="-317500" lvl="0" marL="914400" rtl="0" algn="l">
-              <a:spcBef>
-                <a:spcPts val="0"/>
-              </a:spcBef>
-              <a:spcAft>
-                <a:spcPts val="0"/>
-              </a:spcAft>
-              <a:buSzPts val="1400"/>
-              <a:buChar char="-"/>
-            </a:pPr>
-            <a:r>
-              <a:rPr lang="es" sz="1400"/>
-              <a:t>Ej: Tª de la estancia.</a:t>
-            </a:r>
-            <a:endParaRPr sz="1400"/>
+              <a:t>Componente transversal.</a:t>
+            </a:r>
+            <a:endParaRPr b="1" sz="1600"/>
           </a:p>
           <a:p>
             <a:pPr indent="-330200" lvl="0" marL="457200" rtl="0" algn="l">
               <a:spcBef>
-                <a:spcPts val="0"/>
+                <a:spcPts val="1200"/>
               </a:spcBef>
               <a:spcAft>
                 <a:spcPts val="0"/>
@@ -20632,45 +20526,33 @@
               <a:buChar char="●"/>
             </a:pPr>
             <a:r>
-              <a:rPr b="1" lang="es" sz="1600"/>
-              <a:t>Monitores</a:t>
-            </a:r>
-            <a:r>
               <a:rPr lang="es" sz="1600"/>
-              <a:t>: la traducen a nuestro modelo abstracto del sistema.</a:t>
+              <a:t>Almacena el modelo abstracto.</a:t>
+            </a:r>
+            <a:endParaRPr b="1" sz="1600"/>
+          </a:p>
+          <a:p>
+            <a:pPr indent="-330200" lvl="0" marL="457200" rtl="0" algn="l">
+              <a:spcBef>
+                <a:spcPts val="1000"/>
+              </a:spcBef>
+              <a:spcAft>
+                <a:spcPts val="1200"/>
+              </a:spcAft>
+              <a:buSzPts val="1600"/>
+              <a:buChar char="●"/>
+            </a:pPr>
+            <a:r>
+              <a:rPr lang="es" sz="1600"/>
+              <a:t>Informa todas las etapas del bucle.</a:t>
             </a:r>
             <a:endParaRPr sz="1600"/>
           </a:p>
-          <a:p>
-            <a:pPr indent="-330200" lvl="0" marL="914400" rtl="0" algn="l">
-              <a:spcBef>
-                <a:spcPts val="0"/>
-              </a:spcBef>
-              <a:spcAft>
-                <a:spcPts val="0"/>
-              </a:spcAft>
-              <a:buSzPts val="1600"/>
-              <a:buChar char="-"/>
-            </a:pPr>
-            <a:r>
-              <a:rPr b="1" lang="es" sz="1600">
-                <a:solidFill>
-                  <a:schemeClr val="accent3"/>
-                </a:solidFill>
-              </a:rPr>
-              <a:t>Propiedades de adaptación</a:t>
-            </a:r>
-            <a:r>
-              <a:rPr lang="es" sz="1600"/>
-              <a:t>.</a:t>
-            </a:r>
-            <a:endParaRPr sz="1600"/>
-          </a:p>
         </p:txBody>
       </p:sp>
       <p:sp>
         <p:nvSpPr>
-          <p:cNvPr id="363" name="Google Shape;363;p49"/>
+          <p:cNvPr id="361" name="Google Shape;361;p49"/>
           <p:cNvSpPr txBox="1"/>
           <p:nvPr>
             <p:ph idx="12" type="sldNum"/>
@@ -20710,22 +20592,21 @@
       </p:sp>
       <p:pic>
         <p:nvPicPr>
-          <p:cNvPr id="364" name="Google Shape;364;p49"/>
+          <p:cNvPr id="362" name="Google Shape;362;p49"/>
           <p:cNvPicPr preferRelativeResize="0"/>
           <p:nvPr/>
         </p:nvPicPr>
-        <p:blipFill>
+        <p:blipFill rotWithShape="1">
           <a:blip r:embed="rId3">
             <a:alphaModFix/>
           </a:blip>
-          <a:stretch>
-            <a:fillRect/>
-          </a:stretch>
+          <a:srcRect b="2227" l="66041" r="11070" t="77425"/>
+          <a:stretch/>
         </p:blipFill>
         <p:spPr>
           <a:xfrm>
-            <a:off x="4656025" y="2006250"/>
-            <a:ext cx="4335575" cy="2396779"/>
+            <a:off x="5002250" y="1991025"/>
+            <a:ext cx="3272100" cy="1608061"/>
           </a:xfrm>
           <a:prstGeom prst="rect">
             <a:avLst/>
@@ -20749,7 +20630,7 @@
   <p:cSld>
     <p:spTree>
       <p:nvGrpSpPr>
-        <p:cNvPr id="368" name="Shape 368"/>
+        <p:cNvPr id="366" name="Shape 366"/>
         <p:cNvGrpSpPr/>
         <p:nvPr/>
       </p:nvGrpSpPr>
@@ -20763,7 +20644,7 @@
       </p:grpSpPr>
       <p:sp>
         <p:nvSpPr>
-          <p:cNvPr id="369" name="Google Shape;369;p50"/>
+          <p:cNvPr id="367" name="Google Shape;367;p50"/>
           <p:cNvSpPr txBox="1"/>
           <p:nvPr>
             <p:ph type="title"/>
@@ -20795,7 +20676,7 @@
             </a:pPr>
             <a:r>
               <a:rPr lang="es"/>
-              <a:t>Bucle MAPE-K - Conocimiento</a:t>
+              <a:t>Bucle MAPE-K - Análisis</a:t>
             </a:r>
             <a:endParaRPr/>
           </a:p>
@@ -20803,7 +20684,7 @@
       </p:sp>
       <p:sp>
         <p:nvSpPr>
-          <p:cNvPr id="370" name="Google Shape;370;p50"/>
+          <p:cNvPr id="368" name="Google Shape;368;p50"/>
           <p:cNvSpPr txBox="1"/>
           <p:nvPr>
             <p:ph idx="1" type="body"/>
@@ -20820,13 +20701,13 @@
         </p:spPr>
         <p:txBody>
           <a:bodyPr anchorCtr="0" anchor="t" bIns="91425" lIns="91425" spcFirstLastPara="1" rIns="91425" wrap="square" tIns="91425">
-            <a:normAutofit/>
+            <a:normAutofit lnSpcReduction="10000"/>
           </a:bodyPr>
           <a:lstStyle/>
           <a:p>
             <a:pPr indent="-330200" lvl="0" marL="457200" rtl="0" algn="l">
               <a:spcBef>
-                <a:spcPts val="1000"/>
+                <a:spcPts val="0"/>
               </a:spcBef>
               <a:spcAft>
                 <a:spcPts val="0"/>
@@ -20835,15 +20716,27 @@
               <a:buChar char="●"/>
             </a:pPr>
             <a:r>
-              <a:rPr b="1" lang="es" sz="1600"/>
-              <a:t>Componente transversal.</a:t>
-            </a:r>
-            <a:endParaRPr b="1" sz="1600"/>
+              <a:rPr lang="es" sz="1600"/>
+              <a:t>Determina si es necesaria una </a:t>
+            </a:r>
+            <a:r>
+              <a:rPr b="1" lang="es" sz="1600">
+                <a:solidFill>
+                  <a:schemeClr val="accent3"/>
+                </a:solidFill>
+              </a:rPr>
+              <a:t>acción correctiva</a:t>
+            </a:r>
+            <a:r>
+              <a:rPr lang="es" sz="1600"/>
+              <a:t>.</a:t>
+            </a:r>
+            <a:endParaRPr sz="1600"/>
           </a:p>
           <a:p>
             <a:pPr indent="-330200" lvl="0" marL="457200" rtl="0" algn="l">
               <a:spcBef>
-                <a:spcPts val="1200"/>
+                <a:spcPts val="0"/>
               </a:spcBef>
               <a:spcAft>
                 <a:spcPts val="0"/>
@@ -20853,24 +20746,57 @@
             </a:pPr>
             <a:r>
               <a:rPr lang="es" sz="1600"/>
-              <a:t>Almacena el modelo abstracto.</a:t>
+              <a:t>MAPE-K Lite: Implementado como </a:t>
+            </a:r>
+            <a:r>
+              <a:rPr b="1" lang="es" sz="1600">
+                <a:solidFill>
+                  <a:schemeClr val="accent3"/>
+                </a:solidFill>
+              </a:rPr>
+              <a:t>reglas de adaptación</a:t>
+            </a:r>
+            <a:r>
+              <a:rPr lang="es" sz="1600"/>
+              <a:t>. Compuestas por:</a:t>
+            </a:r>
+            <a:endParaRPr sz="1600"/>
+          </a:p>
+          <a:p>
+            <a:pPr indent="-330200" lvl="0" marL="914400" rtl="0" algn="l">
+              <a:spcBef>
+                <a:spcPts val="0"/>
+              </a:spcBef>
+              <a:spcAft>
+                <a:spcPts val="0"/>
+              </a:spcAft>
+              <a:buSzPts val="1600"/>
+              <a:buChar char="-"/>
+            </a:pPr>
+            <a:r>
+              <a:rPr b="1" lang="es" sz="1600"/>
+              <a:t>Condición</a:t>
             </a:r>
             <a:endParaRPr b="1" sz="1600"/>
           </a:p>
           <a:p>
-            <a:pPr indent="-330200" lvl="0" marL="457200" rtl="0" algn="l">
-              <a:spcBef>
-                <a:spcPts val="1000"/>
-              </a:spcBef>
-              <a:spcAft>
-                <a:spcPts val="1200"/>
+            <a:pPr indent="-330200" lvl="0" marL="914400" rtl="0" algn="l">
+              <a:spcBef>
+                <a:spcPts val="0"/>
+              </a:spcBef>
+              <a:spcAft>
+                <a:spcPts val="0"/>
               </a:spcAft>
               <a:buSzPts val="1600"/>
-              <a:buChar char="●"/>
-            </a:pPr>
+              <a:buChar char="-"/>
+            </a:pPr>
+            <a:r>
+              <a:rPr b="1" lang="es" sz="1600"/>
+              <a:t>Acción</a:t>
+            </a:r>
             <a:r>
               <a:rPr lang="es" sz="1600"/>
-              <a:t>Informa todas las etapas del bucle.</a:t>
+              <a:t>: Solicitud de cambio de configuración.</a:t>
             </a:r>
             <a:endParaRPr sz="1600"/>
           </a:p>
@@ -20878,7 +20804,7 @@
       </p:sp>
       <p:sp>
         <p:nvSpPr>
-          <p:cNvPr id="371" name="Google Shape;371;p50"/>
+          <p:cNvPr id="369" name="Google Shape;369;p50"/>
           <p:cNvSpPr txBox="1"/>
           <p:nvPr>
             <p:ph idx="12" type="sldNum"/>
@@ -20918,21 +20844,22 @@
       </p:sp>
       <p:pic>
         <p:nvPicPr>
-          <p:cNvPr id="372" name="Google Shape;372;p50"/>
+          <p:cNvPr id="370" name="Google Shape;370;p50"/>
           <p:cNvPicPr preferRelativeResize="0"/>
           <p:nvPr/>
         </p:nvPicPr>
-        <p:blipFill rotWithShape="1">
+        <p:blipFill>
           <a:blip r:embed="rId3">
             <a:alphaModFix/>
           </a:blip>
-          <a:srcRect b="2227" l="66041" r="11070" t="77425"/>
-          <a:stretch/>
+          <a:stretch>
+            <a:fillRect/>
+          </a:stretch>
         </p:blipFill>
         <p:spPr>
           <a:xfrm>
-            <a:off x="5002250" y="1991025"/>
-            <a:ext cx="3272100" cy="1608061"/>
+            <a:off x="5720825" y="968400"/>
+            <a:ext cx="2337350" cy="3879850"/>
           </a:xfrm>
           <a:prstGeom prst="rect">
             <a:avLst/>
@@ -20956,7 +20883,7 @@
   <p:cSld>
     <p:spTree>
       <p:nvGrpSpPr>
-        <p:cNvPr id="376" name="Shape 376"/>
+        <p:cNvPr id="374" name="Shape 374"/>
         <p:cNvGrpSpPr/>
         <p:nvPr/>
       </p:nvGrpSpPr>
@@ -20970,7 +20897,7 @@
       </p:grpSpPr>
       <p:sp>
         <p:nvSpPr>
-          <p:cNvPr id="377" name="Google Shape;377;p51"/>
+          <p:cNvPr id="375" name="Google Shape;375;p51"/>
           <p:cNvSpPr txBox="1"/>
           <p:nvPr>
             <p:ph type="title"/>
@@ -20978,7 +20905,7 @@
         </p:nvSpPr>
         <p:spPr>
           <a:xfrm>
-            <a:off x="729450" y="1318650"/>
+            <a:off x="727800" y="1302900"/>
             <a:ext cx="7688400" cy="535200"/>
           </a:xfrm>
           <a:prstGeom prst="rect">
@@ -21002,7 +20929,7 @@
             </a:pPr>
             <a:r>
               <a:rPr lang="es"/>
-              <a:t>Bucle MAPE-K - Análisis</a:t>
+              <a:t>Bucle MAPE-K - Reglas de Adaptación</a:t>
             </a:r>
             <a:endParaRPr/>
           </a:p>
@@ -21010,127 +20937,7 @@
       </p:sp>
       <p:sp>
         <p:nvSpPr>
-          <p:cNvPr id="378" name="Google Shape;378;p51"/>
-          <p:cNvSpPr txBox="1"/>
-          <p:nvPr>
-            <p:ph idx="1" type="body"/>
-          </p:nvPr>
-        </p:nvSpPr>
-        <p:spPr>
-          <a:xfrm>
-            <a:off x="729325" y="2078875"/>
-            <a:ext cx="3774300" cy="2261100"/>
-          </a:xfrm>
-          <a:prstGeom prst="rect">
-            <a:avLst/>
-          </a:prstGeom>
-        </p:spPr>
-        <p:txBody>
-          <a:bodyPr anchorCtr="0" anchor="t" bIns="91425" lIns="91425" spcFirstLastPara="1" rIns="91425" wrap="square" tIns="91425">
-            <a:normAutofit lnSpcReduction="10000"/>
-          </a:bodyPr>
-          <a:lstStyle/>
-          <a:p>
-            <a:pPr indent="-330200" lvl="0" marL="457200" rtl="0" algn="l">
-              <a:spcBef>
-                <a:spcPts val="0"/>
-              </a:spcBef>
-              <a:spcAft>
-                <a:spcPts val="0"/>
-              </a:spcAft>
-              <a:buSzPts val="1600"/>
-              <a:buChar char="●"/>
-            </a:pPr>
-            <a:r>
-              <a:rPr lang="es" sz="1600"/>
-              <a:t>Determina si es necesaria una </a:t>
-            </a:r>
-            <a:r>
-              <a:rPr b="1" lang="es" sz="1600">
-                <a:solidFill>
-                  <a:schemeClr val="accent3"/>
-                </a:solidFill>
-              </a:rPr>
-              <a:t>acción correctiva</a:t>
-            </a:r>
-            <a:r>
-              <a:rPr lang="es" sz="1600"/>
-              <a:t>.</a:t>
-            </a:r>
-            <a:endParaRPr sz="1600"/>
-          </a:p>
-          <a:p>
-            <a:pPr indent="-330200" lvl="0" marL="457200" rtl="0" algn="l">
-              <a:spcBef>
-                <a:spcPts val="0"/>
-              </a:spcBef>
-              <a:spcAft>
-                <a:spcPts val="0"/>
-              </a:spcAft>
-              <a:buSzPts val="1600"/>
-              <a:buChar char="●"/>
-            </a:pPr>
-            <a:r>
-              <a:rPr lang="es" sz="1600"/>
-              <a:t>MAPE-K Lite: Implementado como </a:t>
-            </a:r>
-            <a:r>
-              <a:rPr b="1" lang="es" sz="1600">
-                <a:solidFill>
-                  <a:schemeClr val="accent3"/>
-                </a:solidFill>
-              </a:rPr>
-              <a:t>reglas de adaptación</a:t>
-            </a:r>
-            <a:r>
-              <a:rPr lang="es" sz="1600"/>
-              <a:t>. Compuestas por:</a:t>
-            </a:r>
-            <a:endParaRPr sz="1600"/>
-          </a:p>
-          <a:p>
-            <a:pPr indent="-330200" lvl="0" marL="914400" rtl="0" algn="l">
-              <a:spcBef>
-                <a:spcPts val="0"/>
-              </a:spcBef>
-              <a:spcAft>
-                <a:spcPts val="0"/>
-              </a:spcAft>
-              <a:buSzPts val="1600"/>
-              <a:buChar char="-"/>
-            </a:pPr>
-            <a:r>
-              <a:rPr b="1" lang="es" sz="1600"/>
-              <a:t>Condición</a:t>
-            </a:r>
-            <a:endParaRPr b="1" sz="1600"/>
-          </a:p>
-          <a:p>
-            <a:pPr indent="-330200" lvl="0" marL="914400" rtl="0" algn="l">
-              <a:spcBef>
-                <a:spcPts val="0"/>
-              </a:spcBef>
-              <a:spcAft>
-                <a:spcPts val="0"/>
-              </a:spcAft>
-              <a:buSzPts val="1600"/>
-              <a:buChar char="-"/>
-            </a:pPr>
-            <a:r>
-              <a:rPr b="1" lang="es" sz="1600"/>
-              <a:t>Acción</a:t>
-            </a:r>
-            <a:r>
-              <a:rPr lang="es" sz="1600"/>
-              <a:t>: Solicitud de cambio de configuración.</a:t>
-            </a:r>
-            <a:endParaRPr sz="1600"/>
-          </a:p>
-        </p:txBody>
-      </p:sp>
-      <p:sp>
-        <p:nvSpPr>
-          <p:cNvPr id="379" name="Google Shape;379;p51"/>
+          <p:cNvPr id="376" name="Google Shape;376;p51"/>
           <p:cNvSpPr txBox="1"/>
           <p:nvPr>
             <p:ph idx="12" type="sldNum"/>
@@ -21170,7 +20977,7 @@
       </p:sp>
       <p:pic>
         <p:nvPicPr>
-          <p:cNvPr id="380" name="Google Shape;380;p51"/>
+          <p:cNvPr id="377" name="Google Shape;377;p51"/>
           <p:cNvPicPr preferRelativeResize="0"/>
           <p:nvPr/>
         </p:nvPicPr>
@@ -21184,8 +20991,8 @@
         </p:blipFill>
         <p:spPr>
           <a:xfrm>
-            <a:off x="5720825" y="968400"/>
-            <a:ext cx="2337350" cy="3879850"/>
+            <a:off x="1320713" y="1838100"/>
+            <a:ext cx="6502565" cy="3000600"/>
           </a:xfrm>
           <a:prstGeom prst="rect">
             <a:avLst/>
@@ -21448,7 +21255,7 @@
   <p:cSld>
     <p:spTree>
       <p:nvGrpSpPr>
-        <p:cNvPr id="384" name="Shape 384"/>
+        <p:cNvPr id="381" name="Shape 381"/>
         <p:cNvGrpSpPr/>
         <p:nvPr/>
       </p:nvGrpSpPr>
@@ -21462,7 +21269,7 @@
       </p:grpSpPr>
       <p:sp>
         <p:nvSpPr>
-          <p:cNvPr id="385" name="Google Shape;385;p52"/>
+          <p:cNvPr id="382" name="Google Shape;382;p52"/>
           <p:cNvSpPr txBox="1"/>
           <p:nvPr>
             <p:ph type="title"/>
@@ -21470,7 +21277,7 @@
         </p:nvSpPr>
         <p:spPr>
           <a:xfrm>
-            <a:off x="727800" y="1302900"/>
+            <a:off x="729450" y="1318650"/>
             <a:ext cx="7688400" cy="535200"/>
           </a:xfrm>
           <a:prstGeom prst="rect">
@@ -21494,7 +21301,7 @@
             </a:pPr>
             <a:r>
               <a:rPr lang="es"/>
-              <a:t>Bucle MAPE-K - Reglas de Adaptación</a:t>
+              <a:t>Bucle MAPE-K - Planificación</a:t>
             </a:r>
             <a:endParaRPr/>
           </a:p>
@@ -21502,7 +21309,131 @@
       </p:sp>
       <p:sp>
         <p:nvSpPr>
-          <p:cNvPr id="386" name="Google Shape;386;p52"/>
+          <p:cNvPr id="383" name="Google Shape;383;p52"/>
+          <p:cNvSpPr txBox="1"/>
+          <p:nvPr>
+            <p:ph idx="1" type="body"/>
+          </p:nvPr>
+        </p:nvSpPr>
+        <p:spPr>
+          <a:xfrm>
+            <a:off x="729325" y="2078875"/>
+            <a:ext cx="3774300" cy="2261100"/>
+          </a:xfrm>
+          <a:prstGeom prst="rect">
+            <a:avLst/>
+          </a:prstGeom>
+        </p:spPr>
+        <p:txBody>
+          <a:bodyPr anchorCtr="0" anchor="t" bIns="91425" lIns="91425" spcFirstLastPara="1" rIns="91425" wrap="square" tIns="91425">
+            <a:normAutofit/>
+          </a:bodyPr>
+          <a:lstStyle/>
+          <a:p>
+            <a:pPr indent="-330200" lvl="0" marL="457200" rtl="0" algn="l">
+              <a:spcBef>
+                <a:spcPts val="0"/>
+              </a:spcBef>
+              <a:spcAft>
+                <a:spcPts val="0"/>
+              </a:spcAft>
+              <a:buSzPts val="1600"/>
+              <a:buChar char="●"/>
+            </a:pPr>
+            <a:r>
+              <a:rPr lang="es" sz="1600"/>
+              <a:t>Recibe solicitudes de cambio.</a:t>
+            </a:r>
+            <a:endParaRPr sz="1600"/>
+          </a:p>
+          <a:p>
+            <a:pPr indent="-330200" lvl="0" marL="457200" rtl="0" algn="l">
+              <a:spcBef>
+                <a:spcPts val="0"/>
+              </a:spcBef>
+              <a:spcAft>
+                <a:spcPts val="0"/>
+              </a:spcAft>
+              <a:buSzPts val="1600"/>
+              <a:buChar char="●"/>
+            </a:pPr>
+            <a:r>
+              <a:rPr lang="es" sz="1600"/>
+              <a:t>Determina </a:t>
+            </a:r>
+            <a:r>
+              <a:rPr b="1" lang="es" sz="1600">
+                <a:solidFill>
+                  <a:schemeClr val="accent3"/>
+                </a:solidFill>
+              </a:rPr>
+              <a:t>acciones</a:t>
+            </a:r>
+            <a:r>
+              <a:rPr lang="es" sz="1600"/>
+              <a:t> necesarias para alcanzar la configuración deseada.</a:t>
+            </a:r>
+            <a:endParaRPr sz="1600"/>
+          </a:p>
+          <a:p>
+            <a:pPr indent="-330200" lvl="0" marL="914400" rtl="0" algn="l">
+              <a:spcBef>
+                <a:spcPts val="0"/>
+              </a:spcBef>
+              <a:spcAft>
+                <a:spcPts val="0"/>
+              </a:spcAft>
+              <a:buSzPts val="1600"/>
+              <a:buChar char="-"/>
+            </a:pPr>
+            <a:r>
+              <a:rPr b="1" lang="es" sz="1600">
+                <a:solidFill>
+                  <a:schemeClr val="accent3"/>
+                </a:solidFill>
+              </a:rPr>
+              <a:t>Operadores arquitectónicos</a:t>
+            </a:r>
+            <a:r>
+              <a:rPr lang="es" sz="1600"/>
+              <a:t>.</a:t>
+            </a:r>
+            <a:endParaRPr sz="1600"/>
+          </a:p>
+          <a:p>
+            <a:pPr indent="-330200" lvl="0" marL="457200" rtl="0" algn="l">
+              <a:spcBef>
+                <a:spcPts val="0"/>
+              </a:spcBef>
+              <a:spcAft>
+                <a:spcPts val="0"/>
+              </a:spcAft>
+              <a:buSzPts val="1600"/>
+              <a:buChar char="●"/>
+            </a:pPr>
+            <a:r>
+              <a:rPr lang="es" sz="1600"/>
+              <a:t>Genera el </a:t>
+            </a:r>
+            <a:r>
+              <a:rPr b="1" lang="es" sz="1600">
+                <a:solidFill>
+                  <a:schemeClr val="accent3"/>
+                </a:solidFill>
+              </a:rPr>
+              <a:t>plan de cambio</a:t>
+            </a:r>
+            <a:r>
+              <a:rPr lang="es" sz="1600"/>
+              <a:t>.</a:t>
+            </a:r>
+            <a:endParaRPr sz="1600"/>
+          </a:p>
+        </p:txBody>
+      </p:sp>
+      <p:sp>
+        <p:nvSpPr>
+          <p:cNvPr id="384" name="Google Shape;384;p52"/>
           <p:cNvSpPr txBox="1"/>
           <p:nvPr>
             <p:ph idx="12" type="sldNum"/>
@@ -21542,7 +21473,7 @@
       </p:sp>
       <p:pic>
         <p:nvPicPr>
-          <p:cNvPr id="387" name="Google Shape;387;p52"/>
+          <p:cNvPr id="385" name="Google Shape;385;p52"/>
           <p:cNvPicPr preferRelativeResize="0"/>
           <p:nvPr/>
         </p:nvPicPr>
@@ -21556,8 +21487,8 @@
         </p:blipFill>
         <p:spPr>
           <a:xfrm>
-            <a:off x="1320713" y="1838100"/>
-            <a:ext cx="6502565" cy="3000600"/>
+            <a:off x="4963323" y="1772259"/>
+            <a:ext cx="3774300" cy="2758443"/>
           </a:xfrm>
           <a:prstGeom prst="rect">
             <a:avLst/>
@@ -21581,7 +21512,7 @@
   <p:cSld>
     <p:spTree>
       <p:nvGrpSpPr>
-        <p:cNvPr id="391" name="Shape 391"/>
+        <p:cNvPr id="389" name="Shape 389"/>
         <p:cNvGrpSpPr/>
         <p:nvPr/>
       </p:nvGrpSpPr>
@@ -21595,7 +21526,7 @@
       </p:grpSpPr>
       <p:sp>
         <p:nvSpPr>
-          <p:cNvPr id="392" name="Google Shape;392;p53"/>
+          <p:cNvPr id="390" name="Google Shape;390;p53"/>
           <p:cNvSpPr txBox="1"/>
           <p:nvPr>
             <p:ph type="title"/>
@@ -21627,15 +21558,30 @@
             </a:pPr>
             <a:r>
               <a:rPr lang="es"/>
-              <a:t>Bucle MAPE-K - Planificación</a:t>
+              <a:t>Bucle MAPE-K - Ejecución</a:t>
             </a:r>
             <a:endParaRPr/>
           </a:p>
+          <a:p>
+            <a:pPr indent="0" lvl="0" marL="0" rtl="0" algn="l">
+              <a:spcBef>
+                <a:spcPts val="0"/>
+              </a:spcBef>
+              <a:spcAft>
+                <a:spcPts val="0"/>
+              </a:spcAft>
+              <a:buNone/>
+            </a:pPr>
+            <a:r>
+              <a:t/>
+            </a:r>
+            <a:endParaRPr/>
+          </a:p>
         </p:txBody>
       </p:sp>
       <p:sp>
         <p:nvSpPr>
-          <p:cNvPr id="393" name="Google Shape;393;p53"/>
+          <p:cNvPr id="391" name="Google Shape;391;p53"/>
           <p:cNvSpPr txBox="1"/>
           <p:nvPr>
             <p:ph idx="1" type="body"/>
@@ -21656,110 +21602,133 @@
           </a:bodyPr>
           <a:lstStyle/>
           <a:p>
-            <a:pPr indent="-330200" lvl="0" marL="457200" rtl="0" algn="l">
-              <a:spcBef>
-                <a:spcPts val="0"/>
-              </a:spcBef>
-              <a:spcAft>
-                <a:spcPts val="0"/>
-              </a:spcAft>
-              <a:buSzPts val="1600"/>
+            <a:pPr indent="-311150" lvl="0" marL="457200" rtl="0" algn="l">
+              <a:spcBef>
+                <a:spcPts val="0"/>
+              </a:spcBef>
+              <a:spcAft>
+                <a:spcPts val="0"/>
+              </a:spcAft>
+              <a:buSzPts val="1300"/>
               <a:buChar char="●"/>
             </a:pPr>
             <a:r>
-              <a:rPr lang="es" sz="1600"/>
-              <a:t>Recibe solicitudes de cambio.</a:t>
-            </a:r>
-            <a:endParaRPr sz="1600"/>
-          </a:p>
-          <a:p>
-            <a:pPr indent="-330200" lvl="0" marL="457200" rtl="0" algn="l">
-              <a:spcBef>
-                <a:spcPts val="0"/>
-              </a:spcBef>
-              <a:spcAft>
-                <a:spcPts val="0"/>
-              </a:spcAft>
-              <a:buSzPts val="1600"/>
-              <a:buChar char="●"/>
-            </a:pPr>
-            <a:r>
-              <a:rPr lang="es" sz="1600"/>
-              <a:t>Determina </a:t>
-            </a:r>
-            <a:r>
-              <a:rPr b="1" lang="es" sz="1600">
+              <a:rPr b="1" lang="es">
                 <a:solidFill>
                   <a:schemeClr val="accent3"/>
                 </a:solidFill>
               </a:rPr>
-              <a:t>acciones</a:t>
-            </a:r>
-            <a:r>
-              <a:rPr lang="es" sz="1600"/>
-              <a:t> necesarias para alcanzar la configuración deseada.</a:t>
-            </a:r>
-            <a:endParaRPr sz="1600"/>
-          </a:p>
-          <a:p>
-            <a:pPr indent="-330200" lvl="0" marL="914400" rtl="0" algn="l">
-              <a:spcBef>
-                <a:spcPts val="0"/>
-              </a:spcBef>
-              <a:spcAft>
-                <a:spcPts val="0"/>
-              </a:spcAft>
-              <a:buSzPts val="1600"/>
-              <a:buChar char="-"/>
-            </a:pPr>
-            <a:r>
-              <a:rPr b="1" lang="es" sz="1600">
+              <a:t>Ejecutor</a:t>
+            </a:r>
+            <a:r>
+              <a:rPr lang="es"/>
+              <a:t>: Recibe plan de cambio y distribuye las acciones entre los efectores</a:t>
+            </a:r>
+            <a:endParaRPr/>
+          </a:p>
+          <a:p>
+            <a:pPr indent="-311150" lvl="0" marL="457200" rtl="0" algn="l">
+              <a:spcBef>
+                <a:spcPts val="0"/>
+              </a:spcBef>
+              <a:spcAft>
+                <a:spcPts val="0"/>
+              </a:spcAft>
+              <a:buSzPts val="1300"/>
+              <a:buChar char="●"/>
+            </a:pPr>
+            <a:r>
+              <a:rPr b="1" lang="es">
                 <a:solidFill>
                   <a:schemeClr val="accent3"/>
                 </a:solidFill>
               </a:rPr>
-              <a:t>Operadores arquitectónicos</a:t>
-            </a:r>
-            <a:r>
-              <a:rPr lang="es" sz="1600"/>
-              <a:t>.</a:t>
-            </a:r>
-            <a:endParaRPr sz="1600"/>
-          </a:p>
-          <a:p>
-            <a:pPr indent="-330200" lvl="0" marL="457200" rtl="0" algn="l">
-              <a:spcBef>
-                <a:spcPts val="0"/>
-              </a:spcBef>
-              <a:spcAft>
-                <a:spcPts val="0"/>
-              </a:spcAft>
-              <a:buSzPts val="1600"/>
-              <a:buChar char="●"/>
-            </a:pPr>
-            <a:r>
-              <a:rPr lang="es" sz="1600"/>
-              <a:t>Genera el </a:t>
-            </a:r>
-            <a:r>
-              <a:rPr b="1" lang="es" sz="1600">
-                <a:solidFill>
-                  <a:schemeClr val="accent3"/>
-                </a:solidFill>
-              </a:rPr>
-              <a:t>plan de cambio</a:t>
-            </a:r>
-            <a:r>
-              <a:rPr lang="es" sz="1600"/>
-              <a:t>.</a:t>
-            </a:r>
-            <a:endParaRPr sz="1600"/>
+              <a:t>Efectores</a:t>
+            </a:r>
+            <a:r>
+              <a:rPr lang="es"/>
+              <a:t>: Ejecutan las acciones de adaptación.</a:t>
+            </a:r>
+            <a:endParaRPr/>
+          </a:p>
+          <a:p>
+            <a:pPr indent="-311150" lvl="0" marL="914400" rtl="0" algn="l">
+              <a:spcBef>
+                <a:spcPts val="0"/>
+              </a:spcBef>
+              <a:spcAft>
+                <a:spcPts val="0"/>
+              </a:spcAft>
+              <a:buSzPts val="1300"/>
+              <a:buChar char="-"/>
+            </a:pPr>
+            <a:r>
+              <a:rPr lang="es"/>
+              <a:t>Interpretan acciones y determinan cómo ejecutarlas.</a:t>
+            </a:r>
+            <a:endParaRPr/>
+          </a:p>
+          <a:p>
+            <a:pPr indent="-311150" lvl="0" marL="914400" rtl="0" algn="l">
+              <a:spcBef>
+                <a:spcPts val="0"/>
+              </a:spcBef>
+              <a:spcAft>
+                <a:spcPts val="0"/>
+              </a:spcAft>
+              <a:buSzPts val="1300"/>
+              <a:buChar char="-"/>
+            </a:pPr>
+            <a:r>
+              <a:rPr lang="es"/>
+              <a:t>Ej: Activar modo enfriar del aire acondicionado.</a:t>
+            </a:r>
+            <a:endParaRPr/>
           </a:p>
         </p:txBody>
       </p:sp>
       <p:sp>
         <p:nvSpPr>
-          <p:cNvPr id="394" name="Google Shape;394;p53"/>
+          <p:cNvPr id="392" name="Google Shape;392;p53"/>
+          <p:cNvSpPr txBox="1"/>
+          <p:nvPr>
+            <p:ph idx="2" type="body"/>
+          </p:nvPr>
+        </p:nvSpPr>
+        <p:spPr>
+          <a:xfrm>
+            <a:off x="4643604" y="2078875"/>
+            <a:ext cx="3774300" cy="2261100"/>
+          </a:xfrm>
+          <a:prstGeom prst="rect">
+            <a:avLst/>
+          </a:prstGeom>
+        </p:spPr>
+        <p:txBody>
+          <a:bodyPr anchorCtr="0" anchor="t" bIns="91425" lIns="91425" spcFirstLastPara="1" rIns="91425" wrap="square" tIns="91425">
+            <a:normAutofit/>
+          </a:bodyPr>
+          <a:lstStyle/>
+          <a:p>
+            <a:pPr indent="0" lvl="0" marL="0" rtl="0" algn="l">
+              <a:spcBef>
+                <a:spcPts val="0"/>
+              </a:spcBef>
+              <a:spcAft>
+                <a:spcPts val="1200"/>
+              </a:spcAft>
+              <a:buNone/>
+            </a:pPr>
+            <a:r>
+              <a:t/>
+            </a:r>
+            <a:endParaRPr/>
+          </a:p>
+        </p:txBody>
+      </p:sp>
+      <p:sp>
+        <p:nvSpPr>
+          <p:cNvPr id="393" name="Google Shape;393;p53"/>
           <p:cNvSpPr txBox="1"/>
           <p:nvPr>
             <p:ph idx="12" type="sldNum"/>
@@ -21799,7 +21768,7 @@
       </p:sp>
       <p:pic>
         <p:nvPicPr>
-          <p:cNvPr id="395" name="Google Shape;395;p53"/>
+          <p:cNvPr id="394" name="Google Shape;394;p53"/>
           <p:cNvPicPr preferRelativeResize="0"/>
           <p:nvPr/>
         </p:nvPicPr>
@@ -21813,8 +21782,8 @@
         </p:blipFill>
         <p:spPr>
           <a:xfrm>
-            <a:off x="4963323" y="1772259"/>
-            <a:ext cx="3774300" cy="2758443"/>
+            <a:off x="4416597" y="1906013"/>
+            <a:ext cx="4727403" cy="2606825"/>
           </a:xfrm>
           <a:prstGeom prst="rect">
             <a:avLst/>
@@ -21838,7 +21807,7 @@
   <p:cSld>
     <p:spTree>
       <p:nvGrpSpPr>
-        <p:cNvPr id="399" name="Shape 399"/>
+        <p:cNvPr id="398" name="Shape 398"/>
         <p:cNvGrpSpPr/>
         <p:nvPr/>
       </p:nvGrpSpPr>
@@ -21852,7 +21821,7 @@
       </p:grpSpPr>
       <p:sp>
         <p:nvSpPr>
-          <p:cNvPr id="400" name="Google Shape;400;p54"/>
+          <p:cNvPr id="399" name="Google Shape;399;p54"/>
           <p:cNvSpPr txBox="1"/>
           <p:nvPr>
             <p:ph type="title"/>
@@ -21884,177 +21853,15 @@
             </a:pPr>
             <a:r>
               <a:rPr lang="es"/>
-              <a:t>Bucle MAPE-K - Ejecución</a:t>
+              <a:t>Peticiones Síncronas</a:t>
             </a:r>
             <a:endParaRPr/>
           </a:p>
-          <a:p>
-            <a:pPr indent="0" lvl="0" marL="0" rtl="0" algn="l">
-              <a:spcBef>
-                <a:spcPts val="0"/>
-              </a:spcBef>
-              <a:spcAft>
-                <a:spcPts val="0"/>
-              </a:spcAft>
-              <a:buNone/>
-            </a:pPr>
-            <a:r>
-              <a:t/>
-            </a:r>
-            <a:endParaRPr/>
-          </a:p>
         </p:txBody>
       </p:sp>
       <p:sp>
         <p:nvSpPr>
-          <p:cNvPr id="401" name="Google Shape;401;p54"/>
-          <p:cNvSpPr txBox="1"/>
-          <p:nvPr>
-            <p:ph idx="1" type="body"/>
-          </p:nvPr>
-        </p:nvSpPr>
-        <p:spPr>
-          <a:xfrm>
-            <a:off x="729325" y="2078875"/>
-            <a:ext cx="3774300" cy="2261100"/>
-          </a:xfrm>
-          <a:prstGeom prst="rect">
-            <a:avLst/>
-          </a:prstGeom>
-        </p:spPr>
-        <p:txBody>
-          <a:bodyPr anchorCtr="0" anchor="t" bIns="91425" lIns="91425" spcFirstLastPara="1" rIns="91425" wrap="square" tIns="91425">
-            <a:normAutofit/>
-          </a:bodyPr>
-          <a:lstStyle/>
-          <a:p>
-            <a:pPr indent="-311150" lvl="0" marL="457200" rtl="0" algn="l">
-              <a:spcBef>
-                <a:spcPts val="0"/>
-              </a:spcBef>
-              <a:spcAft>
-                <a:spcPts val="0"/>
-              </a:spcAft>
-              <a:buSzPts val="1300"/>
-              <a:buChar char="●"/>
-            </a:pPr>
-            <a:r>
-              <a:rPr b="1" lang="es">
-                <a:solidFill>
-                  <a:schemeClr val="accent3"/>
-                </a:solidFill>
-              </a:rPr>
-              <a:t>Ejecutor</a:t>
-            </a:r>
-            <a:r>
-              <a:rPr lang="es"/>
-              <a:t>: Recibe plan de cambio y distribuye las acciones entre los efectores</a:t>
-            </a:r>
-            <a:endParaRPr/>
-          </a:p>
-          <a:p>
-            <a:pPr indent="-311150" lvl="0" marL="457200" rtl="0" algn="l">
-              <a:spcBef>
-                <a:spcPts val="0"/>
-              </a:spcBef>
-              <a:spcAft>
-                <a:spcPts val="0"/>
-              </a:spcAft>
-              <a:buSzPts val="1300"/>
-              <a:buChar char="●"/>
-            </a:pPr>
-            <a:r>
-              <a:rPr b="1" lang="es">
-                <a:solidFill>
-                  <a:schemeClr val="accent3"/>
-                </a:solidFill>
-              </a:rPr>
-              <a:t>Efectores</a:t>
-            </a:r>
-            <a:r>
-              <a:rPr lang="es"/>
-              <a:t>: Ejecutan las acciones de adaptación.</a:t>
-            </a:r>
-            <a:endParaRPr/>
-          </a:p>
-          <a:p>
-            <a:pPr indent="-311150" lvl="0" marL="914400" rtl="0" algn="l">
-              <a:spcBef>
-                <a:spcPts val="0"/>
-              </a:spcBef>
-              <a:spcAft>
-                <a:spcPts val="0"/>
-              </a:spcAft>
-              <a:buSzPts val="1300"/>
-              <a:buChar char="-"/>
-            </a:pPr>
-            <a:r>
-              <a:rPr lang="es"/>
-              <a:t>Interpretan acciones y determinan cómo ejecutarlas.</a:t>
-            </a:r>
-            <a:endParaRPr/>
-          </a:p>
-          <a:p>
-            <a:pPr indent="-311150" lvl="0" marL="914400" rtl="0" algn="l">
-              <a:spcBef>
-                <a:spcPts val="0"/>
-              </a:spcBef>
-              <a:spcAft>
-                <a:spcPts val="0"/>
-              </a:spcAft>
-              <a:buSzPts val="1300"/>
-              <a:buChar char="-"/>
-            </a:pPr>
-            <a:r>
-              <a:rPr lang="es"/>
-              <a:t>Ej: Activar modo enfriar del aire acondicionado.</a:t>
-            </a:r>
-            <a:endParaRPr/>
-          </a:p>
-        </p:txBody>
-      </p:sp>
-      <p:sp>
-        <p:nvSpPr>
-          <p:cNvPr id="402" name="Google Shape;402;p54"/>
-          <p:cNvSpPr txBox="1"/>
-          <p:nvPr>
-            <p:ph idx="2" type="body"/>
-          </p:nvPr>
-        </p:nvSpPr>
-        <p:spPr>
-          <a:xfrm>
-            <a:off x="4643604" y="2078875"/>
-            <a:ext cx="3774300" cy="2261100"/>
-          </a:xfrm>
-          <a:prstGeom prst="rect">
-            <a:avLst/>
-          </a:prstGeom>
-        </p:spPr>
-        <p:txBody>
-          <a:bodyPr anchorCtr="0" anchor="t" bIns="91425" lIns="91425" spcFirstLastPara="1" rIns="91425" wrap="square" tIns="91425">
-            <a:normAutofit/>
-          </a:bodyPr>
-          <a:lstStyle/>
-          <a:p>
-            <a:pPr indent="0" lvl="0" marL="0" rtl="0" algn="l">
-              <a:spcBef>
-                <a:spcPts val="0"/>
-              </a:spcBef>
-              <a:spcAft>
-                <a:spcPts val="1200"/>
-              </a:spcAft>
-              <a:buNone/>
-            </a:pPr>
-            <a:r>
-              <a:t/>
-            </a:r>
-            <a:endParaRPr/>
-          </a:p>
-        </p:txBody>
-      </p:sp>
-      <p:sp>
-        <p:nvSpPr>
-          <p:cNvPr id="403" name="Google Shape;403;p54"/>
+          <p:cNvPr id="400" name="Google Shape;400;p54"/>
           <p:cNvSpPr txBox="1"/>
           <p:nvPr>
             <p:ph idx="12" type="sldNum"/>
@@ -22094,7 +21901,7 @@
       </p:sp>
       <p:pic>
         <p:nvPicPr>
-          <p:cNvPr id="404" name="Google Shape;404;p54"/>
+          <p:cNvPr id="401" name="Google Shape;401;p54"/>
           <p:cNvPicPr preferRelativeResize="0"/>
           <p:nvPr/>
         </p:nvPicPr>
@@ -22108,8 +21915,8 @@
         </p:blipFill>
         <p:spPr>
           <a:xfrm>
-            <a:off x="4416597" y="1906013"/>
-            <a:ext cx="4727403" cy="2606825"/>
+            <a:off x="4643599" y="625500"/>
+            <a:ext cx="3457050" cy="4288702"/>
           </a:xfrm>
           <a:prstGeom prst="rect">
             <a:avLst/>
@@ -22133,7 +21940,7 @@
   <p:cSld>
     <p:spTree>
       <p:nvGrpSpPr>
-        <p:cNvPr id="408" name="Shape 408"/>
+        <p:cNvPr id="405" name="Shape 405"/>
         <p:cNvGrpSpPr/>
         <p:nvPr/>
       </p:nvGrpSpPr>
@@ -22147,7 +21954,7 @@
       </p:grpSpPr>
       <p:sp>
         <p:nvSpPr>
-          <p:cNvPr id="409" name="Google Shape;409;p55"/>
+          <p:cNvPr id="406" name="Google Shape;406;p55"/>
           <p:cNvSpPr txBox="1"/>
           <p:nvPr>
             <p:ph type="title"/>
@@ -22179,11 +21986,7 @@
             </a:pPr>
             <a:r>
               <a:rPr lang="es"/>
-              <a:t>Plataforma de observabil</a:t>
-            </a:r>
-            <a:r>
-              <a:rPr lang="es"/>
-              <a:t>idad </a:t>
+              <a:t>Peticiones Asíncronas</a:t>
             </a:r>
             <a:endParaRPr/>
           </a:p>
@@ -22191,77 +21994,7 @@
       </p:sp>
       <p:sp>
         <p:nvSpPr>
-          <p:cNvPr id="410" name="Google Shape;410;p55"/>
-          <p:cNvSpPr txBox="1"/>
-          <p:nvPr>
-            <p:ph idx="1" type="body"/>
-          </p:nvPr>
-        </p:nvSpPr>
-        <p:spPr>
-          <a:xfrm>
-            <a:off x="729325" y="2078875"/>
-            <a:ext cx="4245300" cy="2261100"/>
-          </a:xfrm>
-          <a:prstGeom prst="rect">
-            <a:avLst/>
-          </a:prstGeom>
-        </p:spPr>
-        <p:txBody>
-          <a:bodyPr anchorCtr="0" anchor="t" bIns="91425" lIns="91425" spcFirstLastPara="1" rIns="91425" wrap="square" tIns="91425">
-            <a:normAutofit/>
-          </a:bodyPr>
-          <a:lstStyle/>
-          <a:p>
-            <a:pPr indent="-330200" lvl="0" marL="457200" rtl="0" algn="l">
-              <a:spcBef>
-                <a:spcPts val="1000"/>
-              </a:spcBef>
-              <a:spcAft>
-                <a:spcPts val="0"/>
-              </a:spcAft>
-              <a:buSzPts val="1600"/>
-              <a:buChar char="●"/>
-            </a:pPr>
-            <a:r>
-              <a:rPr lang="es" sz="1600"/>
-              <a:t>Nos permitió ver y comprender el estado del sistema.</a:t>
-            </a:r>
-            <a:endParaRPr sz="1600"/>
-          </a:p>
-          <a:p>
-            <a:pPr indent="-330200" lvl="0" marL="457200" rtl="0" algn="l">
-              <a:spcBef>
-                <a:spcPts val="1200"/>
-              </a:spcBef>
-              <a:spcAft>
-                <a:spcPts val="1200"/>
-              </a:spcAft>
-              <a:buSzPts val="1600"/>
-              <a:buChar char="●"/>
-            </a:pPr>
-            <a:r>
-              <a:rPr lang="es" sz="1600"/>
-              <a:t>Nos </a:t>
-            </a:r>
-            <a:r>
-              <a:rPr lang="es" sz="1600"/>
-              <a:t>ayudó</a:t>
-            </a:r>
-            <a:r>
-              <a:rPr lang="es" sz="1600"/>
-              <a:t> a detectar bugs y pro</a:t>
-            </a:r>
-            <a:r>
-              <a:rPr lang="es" sz="1600"/>
-              <a:t>blemas con nuestra arquitectura</a:t>
-            </a:r>
-            <a:endParaRPr sz="1600"/>
-          </a:p>
-        </p:txBody>
-      </p:sp>
-      <p:sp>
-        <p:nvSpPr>
-          <p:cNvPr id="411" name="Google Shape;411;p55"/>
+          <p:cNvPr id="407" name="Google Shape;407;p55"/>
           <p:cNvSpPr txBox="1"/>
           <p:nvPr>
             <p:ph idx="12" type="sldNum"/>
@@ -22301,7 +22034,7 @@
       </p:sp>
       <p:pic>
         <p:nvPicPr>
-          <p:cNvPr id="412" name="Google Shape;412;p55"/>
+          <p:cNvPr id="408" name="Google Shape;408;p55"/>
           <p:cNvPicPr preferRelativeResize="0"/>
           <p:nvPr/>
         </p:nvPicPr>
@@ -22315,8 +22048,8 @@
         </p:blipFill>
         <p:spPr>
           <a:xfrm>
-            <a:off x="5311850" y="1318650"/>
-            <a:ext cx="3507550" cy="3300500"/>
+            <a:off x="4254083" y="612175"/>
+            <a:ext cx="4388819" cy="4450626"/>
           </a:xfrm>
           <a:prstGeom prst="rect">
             <a:avLst/>
@@ -22340,7 +22073,7 @@
   <p:cSld>
     <p:spTree>
       <p:nvGrpSpPr>
-        <p:cNvPr id="416" name="Shape 416"/>
+        <p:cNvPr id="412" name="Shape 412"/>
         <p:cNvGrpSpPr/>
         <p:nvPr/>
       </p:nvGrpSpPr>
@@ -22354,7 +22087,7 @@
       </p:grpSpPr>
       <p:sp>
         <p:nvSpPr>
-          <p:cNvPr id="417" name="Google Shape;417;p56"/>
+          <p:cNvPr id="413" name="Google Shape;413;p56"/>
           <p:cNvSpPr txBox="1"/>
           <p:nvPr>
             <p:ph type="title"/>
@@ -22386,30 +22119,15 @@
             </a:pPr>
             <a:r>
               <a:rPr lang="es"/>
-              <a:t>Pruebas de arquitectura - Pruebas de carga</a:t>
+              <a:t>Notificaciones</a:t>
             </a:r>
             <a:endParaRPr/>
           </a:p>
-          <a:p>
-            <a:pPr indent="0" lvl="0" marL="0" rtl="0" algn="l">
-              <a:spcBef>
-                <a:spcPts val="0"/>
-              </a:spcBef>
-              <a:spcAft>
-                <a:spcPts val="0"/>
-              </a:spcAft>
-              <a:buNone/>
-            </a:pPr>
-            <a:r>
-              <a:t/>
-            </a:r>
-            <a:endParaRPr/>
-          </a:p>
         </p:txBody>
       </p:sp>
       <p:sp>
         <p:nvSpPr>
-          <p:cNvPr id="418" name="Google Shape;418;p56"/>
+          <p:cNvPr id="414" name="Google Shape;414;p56"/>
           <p:cNvSpPr txBox="1"/>
           <p:nvPr>
             <p:ph idx="12" type="sldNum"/>
@@ -22449,7 +22167,7 @@
       </p:sp>
       <p:pic>
         <p:nvPicPr>
-          <p:cNvPr id="419" name="Google Shape;419;p56"/>
+          <p:cNvPr id="415" name="Google Shape;415;p56"/>
           <p:cNvPicPr preferRelativeResize="0"/>
           <p:nvPr/>
         </p:nvPicPr>
@@ -22463,8 +22181,8 @@
         </p:blipFill>
         <p:spPr>
           <a:xfrm>
-            <a:off x="4652075" y="2107912"/>
-            <a:ext cx="3986075" cy="2353550"/>
+            <a:off x="4158850" y="542950"/>
+            <a:ext cx="4171751" cy="4449876"/>
           </a:xfrm>
           <a:prstGeom prst="rect">
             <a:avLst/>
@@ -22475,138 +22193,6 @@
           </a:ln>
         </p:spPr>
       </p:pic>
-      <p:pic>
-        <p:nvPicPr>
-          <p:cNvPr id="420" name="Google Shape;420;p56"/>
-          <p:cNvPicPr preferRelativeResize="0"/>
-          <p:nvPr/>
-        </p:nvPicPr>
-        <p:blipFill>
-          <a:blip r:embed="rId4">
-            <a:alphaModFix/>
-          </a:blip>
-          <a:stretch>
-            <a:fillRect/>
-          </a:stretch>
-        </p:blipFill>
-        <p:spPr>
-          <a:xfrm>
-            <a:off x="401475" y="2107900"/>
-            <a:ext cx="4050420" cy="2391575"/>
-          </a:xfrm>
-          <a:prstGeom prst="rect">
-            <a:avLst/>
-          </a:prstGeom>
-          <a:noFill/>
-          <a:ln>
-            <a:noFill/>
-          </a:ln>
-        </p:spPr>
-      </p:pic>
-      <p:sp>
-        <p:nvSpPr>
-          <p:cNvPr id="421" name="Google Shape;421;p56"/>
-          <p:cNvSpPr txBox="1"/>
-          <p:nvPr/>
-        </p:nvSpPr>
-        <p:spPr>
-          <a:xfrm>
-            <a:off x="2135175" y="4499475"/>
-            <a:ext cx="1992300" cy="400200"/>
-          </a:xfrm>
-          <a:prstGeom prst="rect">
-            <a:avLst/>
-          </a:prstGeom>
-          <a:noFill/>
-          <a:ln>
-            <a:noFill/>
-          </a:ln>
-        </p:spPr>
-        <p:txBody>
-          <a:bodyPr anchorCtr="0" anchor="t" bIns="91425" lIns="91425" spcFirstLastPara="1" rIns="91425" wrap="square" tIns="91425">
-            <a:spAutoFit/>
-          </a:bodyPr>
-          <a:lstStyle/>
-          <a:p>
-            <a:pPr indent="0" lvl="0" marL="0" rtl="0" algn="l">
-              <a:spcBef>
-                <a:spcPts val="0"/>
-              </a:spcBef>
-              <a:spcAft>
-                <a:spcPts val="0"/>
-              </a:spcAft>
-              <a:buNone/>
-            </a:pPr>
-            <a:r>
-              <a:rPr lang="es">
-                <a:latin typeface="Lato"/>
-                <a:ea typeface="Lato"/>
-                <a:cs typeface="Lato"/>
-                <a:sym typeface="Lato"/>
-              </a:rPr>
-              <a:t>Baseline</a:t>
-            </a:r>
-            <a:endParaRPr>
-              <a:latin typeface="Lato"/>
-              <a:ea typeface="Lato"/>
-              <a:cs typeface="Lato"/>
-              <a:sym typeface="Lato"/>
-            </a:endParaRPr>
-          </a:p>
-        </p:txBody>
-      </p:sp>
-      <p:sp>
-        <p:nvSpPr>
-          <p:cNvPr id="422" name="Google Shape;422;p56"/>
-          <p:cNvSpPr txBox="1"/>
-          <p:nvPr/>
-        </p:nvSpPr>
-        <p:spPr>
-          <a:xfrm>
-            <a:off x="6032500" y="4499475"/>
-            <a:ext cx="2873400" cy="400200"/>
-          </a:xfrm>
-          <a:prstGeom prst="rect">
-            <a:avLst/>
-          </a:prstGeom>
-          <a:noFill/>
-          <a:ln>
-            <a:noFill/>
-          </a:ln>
-        </p:spPr>
-        <p:txBody>
-          <a:bodyPr anchorCtr="0" anchor="t" bIns="91425" lIns="91425" spcFirstLastPara="1" rIns="91425" wrap="square" tIns="91425">
-            <a:spAutoFit/>
-          </a:bodyPr>
-          <a:lstStyle/>
-          <a:p>
-            <a:pPr indent="0" lvl="0" marL="0" rtl="0" algn="l">
-              <a:spcBef>
-                <a:spcPts val="0"/>
-              </a:spcBef>
-              <a:spcAft>
-                <a:spcPts val="0"/>
-              </a:spcAft>
-              <a:buNone/>
-            </a:pPr>
-            <a:r>
-              <a:rPr lang="es">
-                <a:latin typeface="Lato"/>
-                <a:ea typeface="Lato"/>
-                <a:cs typeface="Lato"/>
-                <a:sym typeface="Lato"/>
-              </a:rPr>
-              <a:t>Carga extrema</a:t>
-            </a:r>
-            <a:endParaRPr>
-              <a:latin typeface="Lato"/>
-              <a:ea typeface="Lato"/>
-              <a:cs typeface="Lato"/>
-              <a:sym typeface="Lato"/>
-            </a:endParaRPr>
-          </a:p>
-        </p:txBody>
-      </p:sp>
     </p:spTree>
   </p:cSld>
   <p:clrMapOvr>
@@ -22620,7 +22206,7 @@
   <p:cSld>
     <p:spTree>
       <p:nvGrpSpPr>
-        <p:cNvPr id="426" name="Shape 426"/>
+        <p:cNvPr id="419" name="Shape 419"/>
         <p:cNvGrpSpPr/>
         <p:nvPr/>
       </p:nvGrpSpPr>
@@ -22634,7 +22220,7 @@
       </p:grpSpPr>
       <p:sp>
         <p:nvSpPr>
-          <p:cNvPr id="427" name="Google Shape;427;p57"/>
+          <p:cNvPr id="420" name="Google Shape;420;p57"/>
           <p:cNvSpPr txBox="1"/>
           <p:nvPr>
             <p:ph type="title"/>
@@ -22666,30 +22252,73 @@
             </a:pPr>
             <a:r>
               <a:rPr lang="es"/>
-              <a:t>Pruebas de arquitectura - Cuello de botella</a:t>
+              <a:t>Plataforma de observabilidad </a:t>
             </a:r>
             <a:endParaRPr/>
           </a:p>
-          <a:p>
-            <a:pPr indent="0" lvl="0" marL="0" rtl="0" algn="l">
-              <a:spcBef>
-                <a:spcPts val="0"/>
-              </a:spcBef>
-              <a:spcAft>
-                <a:spcPts val="0"/>
-              </a:spcAft>
-              <a:buNone/>
-            </a:pPr>
-            <a:r>
-              <a:t/>
-            </a:r>
-            <a:endParaRPr/>
-          </a:p>
         </p:txBody>
       </p:sp>
       <p:sp>
         <p:nvSpPr>
-          <p:cNvPr id="428" name="Google Shape;428;p57"/>
+          <p:cNvPr id="421" name="Google Shape;421;p57"/>
+          <p:cNvSpPr txBox="1"/>
+          <p:nvPr>
+            <p:ph idx="1" type="body"/>
+          </p:nvPr>
+        </p:nvSpPr>
+        <p:spPr>
+          <a:xfrm>
+            <a:off x="729325" y="2078875"/>
+            <a:ext cx="4245300" cy="2261100"/>
+          </a:xfrm>
+          <a:prstGeom prst="rect">
+            <a:avLst/>
+          </a:prstGeom>
+        </p:spPr>
+        <p:txBody>
+          <a:bodyPr anchorCtr="0" anchor="t" bIns="91425" lIns="91425" spcFirstLastPara="1" rIns="91425" wrap="square" tIns="91425">
+            <a:normAutofit/>
+          </a:bodyPr>
+          <a:lstStyle/>
+          <a:p>
+            <a:pPr indent="-330200" lvl="0" marL="457200" rtl="0" algn="l">
+              <a:spcBef>
+                <a:spcPts val="1000"/>
+              </a:spcBef>
+              <a:spcAft>
+                <a:spcPts val="0"/>
+              </a:spcAft>
+              <a:buSzPts val="1600"/>
+              <a:buChar char="●"/>
+            </a:pPr>
+            <a:r>
+              <a:rPr lang="es" sz="1600"/>
+              <a:t>Nos permitió ver y comprender el estado del sistema.</a:t>
+            </a:r>
+            <a:endParaRPr sz="1600"/>
+          </a:p>
+          <a:p>
+            <a:pPr indent="-330200" lvl="0" marL="457200" rtl="0" algn="l">
+              <a:spcBef>
+                <a:spcPts val="1200"/>
+              </a:spcBef>
+              <a:spcAft>
+                <a:spcPts val="1200"/>
+              </a:spcAft>
+              <a:buSzPts val="1600"/>
+              <a:buChar char="●"/>
+            </a:pPr>
+            <a:r>
+              <a:rPr lang="es" sz="1600"/>
+              <a:t>Nos ayudó a detectar bugs y problemas con nuestra arquitectura</a:t>
+            </a:r>
+            <a:endParaRPr sz="1600"/>
+          </a:p>
+        </p:txBody>
+      </p:sp>
+      <p:sp>
+        <p:nvSpPr>
+          <p:cNvPr id="422" name="Google Shape;422;p57"/>
           <p:cNvSpPr txBox="1"/>
           <p:nvPr>
             <p:ph idx="12" type="sldNum"/>
@@ -22729,7 +22358,7 @@
       </p:sp>
       <p:pic>
         <p:nvPicPr>
-          <p:cNvPr id="429" name="Google Shape;429;p57"/>
+          <p:cNvPr id="423" name="Google Shape;423;p57"/>
           <p:cNvPicPr preferRelativeResize="0"/>
           <p:nvPr/>
         </p:nvPicPr>
@@ -22743,8 +22372,8 @@
         </p:blipFill>
         <p:spPr>
           <a:xfrm>
-            <a:off x="371637" y="2155050"/>
-            <a:ext cx="8509888" cy="2138375"/>
+            <a:off x="5311850" y="1318650"/>
+            <a:ext cx="3507550" cy="3300500"/>
           </a:xfrm>
           <a:prstGeom prst="rect">
             <a:avLst/>
@@ -22768,7 +22397,7 @@
   <p:cSld>
     <p:spTree>
       <p:nvGrpSpPr>
-        <p:cNvPr id="433" name="Shape 433"/>
+        <p:cNvPr id="427" name="Shape 427"/>
         <p:cNvGrpSpPr/>
         <p:nvPr/>
       </p:nvGrpSpPr>
@@ -22782,7 +22411,7 @@
       </p:grpSpPr>
       <p:sp>
         <p:nvSpPr>
-          <p:cNvPr id="434" name="Google Shape;434;p58"/>
+          <p:cNvPr id="428" name="Google Shape;428;p58"/>
           <p:cNvSpPr txBox="1"/>
           <p:nvPr>
             <p:ph type="title"/>
@@ -22814,15 +22443,30 @@
             </a:pPr>
             <a:r>
               <a:rPr lang="es"/>
-              <a:t>Pruebas de arquitectura - Cuello de botella</a:t>
+              <a:t>Pruebas de arquitectura - Pruebas de carga</a:t>
             </a:r>
             <a:endParaRPr/>
           </a:p>
+          <a:p>
+            <a:pPr indent="0" lvl="0" marL="0" rtl="0" algn="l">
+              <a:spcBef>
+                <a:spcPts val="0"/>
+              </a:spcBef>
+              <a:spcAft>
+                <a:spcPts val="0"/>
+              </a:spcAft>
+              <a:buNone/>
+            </a:pPr>
+            <a:r>
+              <a:t/>
+            </a:r>
+            <a:endParaRPr/>
+          </a:p>
         </p:txBody>
       </p:sp>
       <p:sp>
         <p:nvSpPr>
-          <p:cNvPr id="435" name="Google Shape;435;p58"/>
+          <p:cNvPr id="429" name="Google Shape;429;p58"/>
           <p:cNvSpPr txBox="1"/>
           <p:nvPr>
             <p:ph idx="12" type="sldNum"/>
@@ -22862,7 +22506,7 @@
       </p:sp>
       <p:pic>
         <p:nvPicPr>
-          <p:cNvPr id="436" name="Google Shape;436;p58"/>
+          <p:cNvPr id="430" name="Google Shape;430;p58"/>
           <p:cNvPicPr preferRelativeResize="0"/>
           <p:nvPr/>
         </p:nvPicPr>
@@ -22876,8 +22520,8 @@
         </p:blipFill>
         <p:spPr>
           <a:xfrm>
-            <a:off x="371637" y="2155050"/>
-            <a:ext cx="8509888" cy="2138375"/>
+            <a:off x="4652075" y="2107912"/>
+            <a:ext cx="3986075" cy="2353550"/>
           </a:xfrm>
           <a:prstGeom prst="rect">
             <a:avLst/>
@@ -22888,9 +22532,422 @@
           </a:ln>
         </p:spPr>
       </p:pic>
-      <p:sp>
-        <p:nvSpPr>
-          <p:cNvPr id="437" name="Google Shape;437;p58"/>
+      <p:pic>
+        <p:nvPicPr>
+          <p:cNvPr id="431" name="Google Shape;431;p58"/>
+          <p:cNvPicPr preferRelativeResize="0"/>
+          <p:nvPr/>
+        </p:nvPicPr>
+        <p:blipFill>
+          <a:blip r:embed="rId4">
+            <a:alphaModFix/>
+          </a:blip>
+          <a:stretch>
+            <a:fillRect/>
+          </a:stretch>
+        </p:blipFill>
+        <p:spPr>
+          <a:xfrm>
+            <a:off x="401475" y="2107900"/>
+            <a:ext cx="4050420" cy="2391575"/>
+          </a:xfrm>
+          <a:prstGeom prst="rect">
+            <a:avLst/>
+          </a:prstGeom>
+          <a:noFill/>
+          <a:ln>
+            <a:noFill/>
+          </a:ln>
+        </p:spPr>
+      </p:pic>
+      <p:sp>
+        <p:nvSpPr>
+          <p:cNvPr id="432" name="Google Shape;432;p58"/>
+          <p:cNvSpPr txBox="1"/>
+          <p:nvPr/>
+        </p:nvSpPr>
+        <p:spPr>
+          <a:xfrm>
+            <a:off x="2135175" y="4499475"/>
+            <a:ext cx="1992300" cy="400200"/>
+          </a:xfrm>
+          <a:prstGeom prst="rect">
+            <a:avLst/>
+          </a:prstGeom>
+          <a:noFill/>
+          <a:ln>
+            <a:noFill/>
+          </a:ln>
+        </p:spPr>
+        <p:txBody>
+          <a:bodyPr anchorCtr="0" anchor="t" bIns="91425" lIns="91425" spcFirstLastPara="1" rIns="91425" wrap="square" tIns="91425">
+            <a:spAutoFit/>
+          </a:bodyPr>
+          <a:lstStyle/>
+          <a:p>
+            <a:pPr indent="0" lvl="0" marL="0" rtl="0" algn="l">
+              <a:spcBef>
+                <a:spcPts val="0"/>
+              </a:spcBef>
+              <a:spcAft>
+                <a:spcPts val="0"/>
+              </a:spcAft>
+              <a:buNone/>
+            </a:pPr>
+            <a:r>
+              <a:rPr lang="es">
+                <a:latin typeface="Lato"/>
+                <a:ea typeface="Lato"/>
+                <a:cs typeface="Lato"/>
+                <a:sym typeface="Lato"/>
+              </a:rPr>
+              <a:t>Baseline</a:t>
+            </a:r>
+            <a:endParaRPr>
+              <a:latin typeface="Lato"/>
+              <a:ea typeface="Lato"/>
+              <a:cs typeface="Lato"/>
+              <a:sym typeface="Lato"/>
+            </a:endParaRPr>
+          </a:p>
+        </p:txBody>
+      </p:sp>
+      <p:sp>
+        <p:nvSpPr>
+          <p:cNvPr id="433" name="Google Shape;433;p58"/>
+          <p:cNvSpPr txBox="1"/>
+          <p:nvPr/>
+        </p:nvSpPr>
+        <p:spPr>
+          <a:xfrm>
+            <a:off x="6032500" y="4499475"/>
+            <a:ext cx="2873400" cy="400200"/>
+          </a:xfrm>
+          <a:prstGeom prst="rect">
+            <a:avLst/>
+          </a:prstGeom>
+          <a:noFill/>
+          <a:ln>
+            <a:noFill/>
+          </a:ln>
+        </p:spPr>
+        <p:txBody>
+          <a:bodyPr anchorCtr="0" anchor="t" bIns="91425" lIns="91425" spcFirstLastPara="1" rIns="91425" wrap="square" tIns="91425">
+            <a:spAutoFit/>
+          </a:bodyPr>
+          <a:lstStyle/>
+          <a:p>
+            <a:pPr indent="0" lvl="0" marL="0" rtl="0" algn="l">
+              <a:spcBef>
+                <a:spcPts val="0"/>
+              </a:spcBef>
+              <a:spcAft>
+                <a:spcPts val="0"/>
+              </a:spcAft>
+              <a:buNone/>
+            </a:pPr>
+            <a:r>
+              <a:rPr lang="es">
+                <a:latin typeface="Lato"/>
+                <a:ea typeface="Lato"/>
+                <a:cs typeface="Lato"/>
+                <a:sym typeface="Lato"/>
+              </a:rPr>
+              <a:t>Carga extrema</a:t>
+            </a:r>
+            <a:endParaRPr>
+              <a:latin typeface="Lato"/>
+              <a:ea typeface="Lato"/>
+              <a:cs typeface="Lato"/>
+              <a:sym typeface="Lato"/>
+            </a:endParaRPr>
+          </a:p>
+        </p:txBody>
+      </p:sp>
+    </p:spTree>
+  </p:cSld>
+  <p:clrMapOvr>
+    <a:masterClrMapping/>
+  </p:clrMapOvr>
+</p:sld>
+</file>
+
+<file path=ppt/slides/slide47.xml><?xml version="1.0" encoding="utf-8"?>
+<p:sld xmlns:a="http://schemas.openxmlformats.org/drawingml/2006/main" xmlns:r="http://schemas.openxmlformats.org/officeDocument/2006/relationships" xmlns:mc="http://schemas.openxmlformats.org/markup-compatibility/2006" xmlns:mv="urn:schemas-microsoft-com:mac:vml" xmlns:p="http://schemas.openxmlformats.org/presentationml/2006/main" xmlns:c="http://schemas.openxmlformats.org/drawingml/2006/chart" xmlns:dgm="http://schemas.openxmlformats.org/drawingml/2006/diagram" xmlns:o="urn:schemas-microsoft-com:office:office" xmlns:v="urn:schemas-microsoft-com:vml" xmlns:pvml="urn:schemas-microsoft-com:office:powerpoint" xmlns:com="http://schemas.openxmlformats.org/drawingml/2006/compatibility" xmlns:p14="http://schemas.microsoft.com/office/powerpoint/2010/main" xmlns:p15="http://schemas.microsoft.com/office/powerpoint/2012/main" xmlns:ahyp="http://schemas.microsoft.com/office/drawing/2018/hyperlinkcolor">
+  <p:cSld>
+    <p:spTree>
+      <p:nvGrpSpPr>
+        <p:cNvPr id="437" name="Shape 437"/>
+        <p:cNvGrpSpPr/>
+        <p:nvPr/>
+      </p:nvGrpSpPr>
+      <p:grpSpPr>
+        <a:xfrm>
+          <a:off x="0" y="0"/>
+          <a:ext cx="0" cy="0"/>
+          <a:chOff x="0" y="0"/>
+          <a:chExt cx="0" cy="0"/>
+        </a:xfrm>
+      </p:grpSpPr>
+      <p:sp>
+        <p:nvSpPr>
+          <p:cNvPr id="438" name="Google Shape;438;p59"/>
+          <p:cNvSpPr txBox="1"/>
+          <p:nvPr>
+            <p:ph type="title"/>
+          </p:nvPr>
+        </p:nvSpPr>
+        <p:spPr>
+          <a:xfrm>
+            <a:off x="729450" y="1318650"/>
+            <a:ext cx="7688400" cy="535200"/>
+          </a:xfrm>
+          <a:prstGeom prst="rect">
+            <a:avLst/>
+          </a:prstGeom>
+        </p:spPr>
+        <p:txBody>
+          <a:bodyPr anchorCtr="0" anchor="t" bIns="91425" lIns="91425" spcFirstLastPara="1" rIns="91425" wrap="square" tIns="91425">
+            <a:normAutofit fontScale="90000"/>
+          </a:bodyPr>
+          <a:lstStyle/>
+          <a:p>
+            <a:pPr indent="0" lvl="0" marL="0" rtl="0" algn="l">
+              <a:spcBef>
+                <a:spcPts val="0"/>
+              </a:spcBef>
+              <a:spcAft>
+                <a:spcPts val="0"/>
+              </a:spcAft>
+              <a:buNone/>
+            </a:pPr>
+            <a:r>
+              <a:rPr lang="es"/>
+              <a:t>Pruebas de arquitectura - Cuello de botella</a:t>
+            </a:r>
+            <a:endParaRPr/>
+          </a:p>
+          <a:p>
+            <a:pPr indent="0" lvl="0" marL="0" rtl="0" algn="l">
+              <a:spcBef>
+                <a:spcPts val="0"/>
+              </a:spcBef>
+              <a:spcAft>
+                <a:spcPts val="0"/>
+              </a:spcAft>
+              <a:buNone/>
+            </a:pPr>
+            <a:r>
+              <a:t/>
+            </a:r>
+            <a:endParaRPr/>
+          </a:p>
+        </p:txBody>
+      </p:sp>
+      <p:sp>
+        <p:nvSpPr>
+          <p:cNvPr id="439" name="Google Shape;439;p59"/>
+          <p:cNvSpPr txBox="1"/>
+          <p:nvPr>
+            <p:ph idx="12" type="sldNum"/>
+          </p:nvPr>
+        </p:nvSpPr>
+        <p:spPr>
+          <a:xfrm>
+            <a:off x="8536302" y="4749851"/>
+            <a:ext cx="548700" cy="393600"/>
+          </a:xfrm>
+          <a:prstGeom prst="rect">
+            <a:avLst/>
+          </a:prstGeom>
+        </p:spPr>
+        <p:txBody>
+          <a:bodyPr anchorCtr="0" anchor="ctr" bIns="91425" lIns="91425" spcFirstLastPara="1" rIns="91425" wrap="square" tIns="91425">
+            <a:normAutofit/>
+          </a:bodyPr>
+          <a:lstStyle/>
+          <a:p>
+            <a:pPr indent="0" lvl="0" marL="0" rtl="0" algn="r">
+              <a:spcBef>
+                <a:spcPts val="0"/>
+              </a:spcBef>
+              <a:spcAft>
+                <a:spcPts val="0"/>
+              </a:spcAft>
+              <a:buNone/>
+            </a:pPr>
+            <a:fld id="{00000000-1234-1234-1234-123412341234}" type="slidenum">
+              <a:rPr lang="es"/>
+              <a:t>‹#›</a:t>
+            </a:fld>
+            <a:endParaRPr/>
+          </a:p>
+        </p:txBody>
+      </p:sp>
+      <p:pic>
+        <p:nvPicPr>
+          <p:cNvPr id="440" name="Google Shape;440;p59"/>
+          <p:cNvPicPr preferRelativeResize="0"/>
+          <p:nvPr/>
+        </p:nvPicPr>
+        <p:blipFill>
+          <a:blip r:embed="rId3">
+            <a:alphaModFix/>
+          </a:blip>
+          <a:stretch>
+            <a:fillRect/>
+          </a:stretch>
+        </p:blipFill>
+        <p:spPr>
+          <a:xfrm>
+            <a:off x="371637" y="2155050"/>
+            <a:ext cx="8509888" cy="2138375"/>
+          </a:xfrm>
+          <a:prstGeom prst="rect">
+            <a:avLst/>
+          </a:prstGeom>
+          <a:noFill/>
+          <a:ln>
+            <a:noFill/>
+          </a:ln>
+        </p:spPr>
+      </p:pic>
+    </p:spTree>
+  </p:cSld>
+  <p:clrMapOvr>
+    <a:masterClrMapping/>
+  </p:clrMapOvr>
+</p:sld>
+</file>
+
+<file path=ppt/slides/slide48.xml><?xml version="1.0" encoding="utf-8"?>
+<p:sld xmlns:a="http://schemas.openxmlformats.org/drawingml/2006/main" xmlns:r="http://schemas.openxmlformats.org/officeDocument/2006/relationships" xmlns:mc="http://schemas.openxmlformats.org/markup-compatibility/2006" xmlns:mv="urn:schemas-microsoft-com:mac:vml" xmlns:p="http://schemas.openxmlformats.org/presentationml/2006/main" xmlns:c="http://schemas.openxmlformats.org/drawingml/2006/chart" xmlns:dgm="http://schemas.openxmlformats.org/drawingml/2006/diagram" xmlns:o="urn:schemas-microsoft-com:office:office" xmlns:v="urn:schemas-microsoft-com:vml" xmlns:pvml="urn:schemas-microsoft-com:office:powerpoint" xmlns:com="http://schemas.openxmlformats.org/drawingml/2006/compatibility" xmlns:p14="http://schemas.microsoft.com/office/powerpoint/2010/main" xmlns:p15="http://schemas.microsoft.com/office/powerpoint/2012/main" xmlns:ahyp="http://schemas.microsoft.com/office/drawing/2018/hyperlinkcolor">
+  <p:cSld>
+    <p:spTree>
+      <p:nvGrpSpPr>
+        <p:cNvPr id="444" name="Shape 444"/>
+        <p:cNvGrpSpPr/>
+        <p:nvPr/>
+      </p:nvGrpSpPr>
+      <p:grpSpPr>
+        <a:xfrm>
+          <a:off x="0" y="0"/>
+          <a:ext cx="0" cy="0"/>
+          <a:chOff x="0" y="0"/>
+          <a:chExt cx="0" cy="0"/>
+        </a:xfrm>
+      </p:grpSpPr>
+      <p:sp>
+        <p:nvSpPr>
+          <p:cNvPr id="445" name="Google Shape;445;p60"/>
+          <p:cNvSpPr txBox="1"/>
+          <p:nvPr>
+            <p:ph type="title"/>
+          </p:nvPr>
+        </p:nvSpPr>
+        <p:spPr>
+          <a:xfrm>
+            <a:off x="729450" y="1318650"/>
+            <a:ext cx="7688400" cy="535200"/>
+          </a:xfrm>
+          <a:prstGeom prst="rect">
+            <a:avLst/>
+          </a:prstGeom>
+        </p:spPr>
+        <p:txBody>
+          <a:bodyPr anchorCtr="0" anchor="t" bIns="91425" lIns="91425" spcFirstLastPara="1" rIns="91425" wrap="square" tIns="91425">
+            <a:normAutofit fontScale="90000"/>
+          </a:bodyPr>
+          <a:lstStyle/>
+          <a:p>
+            <a:pPr indent="0" lvl="0" marL="0" rtl="0" algn="l">
+              <a:spcBef>
+                <a:spcPts val="0"/>
+              </a:spcBef>
+              <a:spcAft>
+                <a:spcPts val="0"/>
+              </a:spcAft>
+              <a:buNone/>
+            </a:pPr>
+            <a:r>
+              <a:rPr lang="es"/>
+              <a:t>Pruebas de arquitectura - Cuello de botella</a:t>
+            </a:r>
+            <a:endParaRPr/>
+          </a:p>
+        </p:txBody>
+      </p:sp>
+      <p:sp>
+        <p:nvSpPr>
+          <p:cNvPr id="446" name="Google Shape;446;p60"/>
+          <p:cNvSpPr txBox="1"/>
+          <p:nvPr>
+            <p:ph idx="12" type="sldNum"/>
+          </p:nvPr>
+        </p:nvSpPr>
+        <p:spPr>
+          <a:xfrm>
+            <a:off x="8536302" y="4749851"/>
+            <a:ext cx="548700" cy="393600"/>
+          </a:xfrm>
+          <a:prstGeom prst="rect">
+            <a:avLst/>
+          </a:prstGeom>
+        </p:spPr>
+        <p:txBody>
+          <a:bodyPr anchorCtr="0" anchor="ctr" bIns="91425" lIns="91425" spcFirstLastPara="1" rIns="91425" wrap="square" tIns="91425">
+            <a:normAutofit/>
+          </a:bodyPr>
+          <a:lstStyle/>
+          <a:p>
+            <a:pPr indent="0" lvl="0" marL="0" rtl="0" algn="r">
+              <a:spcBef>
+                <a:spcPts val="0"/>
+              </a:spcBef>
+              <a:spcAft>
+                <a:spcPts val="0"/>
+              </a:spcAft>
+              <a:buNone/>
+            </a:pPr>
+            <a:fld id="{00000000-1234-1234-1234-123412341234}" type="slidenum">
+              <a:rPr lang="es"/>
+              <a:t>‹#›</a:t>
+            </a:fld>
+            <a:endParaRPr/>
+          </a:p>
+        </p:txBody>
+      </p:sp>
+      <p:pic>
+        <p:nvPicPr>
+          <p:cNvPr id="447" name="Google Shape;447;p60"/>
+          <p:cNvPicPr preferRelativeResize="0"/>
+          <p:nvPr/>
+        </p:nvPicPr>
+        <p:blipFill>
+          <a:blip r:embed="rId3">
+            <a:alphaModFix/>
+          </a:blip>
+          <a:stretch>
+            <a:fillRect/>
+          </a:stretch>
+        </p:blipFill>
+        <p:spPr>
+          <a:xfrm>
+            <a:off x="371637" y="2155050"/>
+            <a:ext cx="8509888" cy="2138375"/>
+          </a:xfrm>
+          <a:prstGeom prst="rect">
+            <a:avLst/>
+          </a:prstGeom>
+          <a:noFill/>
+          <a:ln>
+            <a:noFill/>
+          </a:ln>
+        </p:spPr>
+      </p:pic>
+      <p:sp>
+        <p:nvSpPr>
+          <p:cNvPr id="448" name="Google Shape;448;p60"/>
           <p:cNvSpPr/>
           <p:nvPr/>
         </p:nvSpPr>
@@ -22932,7 +22989,7 @@
       </p:sp>
       <p:sp>
         <p:nvSpPr>
-          <p:cNvPr id="438" name="Google Shape;438;p58"/>
+          <p:cNvPr id="449" name="Google Shape;449;p60"/>
           <p:cNvSpPr txBox="1"/>
           <p:nvPr/>
         </p:nvSpPr>
@@ -23716,12 +23773,32 @@
               <a:buChar char="●"/>
             </a:pPr>
             <a:r>
-              <a:rPr lang="es" sz="1536"/>
-              <a:t>Bucle </a:t>
+              <a:rPr b="1" lang="es" sz="1536">
+                <a:solidFill>
+                  <a:schemeClr val="accent3"/>
+                </a:solidFill>
+              </a:rPr>
+              <a:t>Bucle</a:t>
+            </a:r>
+            <a:r>
+              <a:rPr lang="es" sz="1536">
+                <a:solidFill>
+                  <a:schemeClr val="accent3"/>
+                </a:solidFill>
+              </a:rPr>
+              <a:t> </a:t>
+            </a:r>
+            <a:r>
+              <a:rPr b="1" lang="es" sz="1536">
+                <a:solidFill>
+                  <a:schemeClr val="accent3"/>
+                </a:solidFill>
+              </a:rPr>
+              <a:t>genérico</a:t>
             </a:r>
             <a:r>
               <a:rPr b="1" lang="es" sz="1536"/>
-              <a:t>genérico </a:t>
+              <a:t> </a:t>
             </a:r>
             <a:r>
               <a:rPr lang="es" sz="1536"/>
@@ -23909,7 +23986,7 @@
         </p:nvSpPr>
         <p:spPr>
           <a:xfrm>
-            <a:off x="647700" y="2078900"/>
+            <a:off x="625400" y="1989650"/>
             <a:ext cx="4314300" cy="2976000"/>
           </a:xfrm>
           <a:prstGeom prst="rect">
@@ -24018,6 +24095,34 @@
             <a:endParaRPr sz="1660"/>
           </a:p>
           <a:p>
+            <a:pPr indent="-334010" lvl="0" marL="457200" rtl="0" algn="l">
+              <a:lnSpc>
+                <a:spcPct val="105000"/>
+              </a:lnSpc>
+              <a:spcBef>
+                <a:spcPts val="1000"/>
+              </a:spcBef>
+              <a:spcAft>
+                <a:spcPts val="0"/>
+              </a:spcAft>
+              <a:buSzPts val="1660"/>
+              <a:buChar char="●"/>
+            </a:pPr>
+            <a:r>
+              <a:rPr b="1" lang="es" sz="1660">
+                <a:solidFill>
+                  <a:schemeClr val="accent3"/>
+                </a:solidFill>
+              </a:rPr>
+              <a:t>No es flexible</a:t>
+            </a:r>
+            <a:r>
+              <a:rPr lang="es" sz="1660"/>
+              <a:t>.</a:t>
+            </a:r>
+            <a:endParaRPr sz="1660"/>
+          </a:p>
+          <a:p>
             <a:pPr indent="0" lvl="0" marL="0" rtl="0" algn="l">
               <a:lnSpc>
                 <a:spcPct val="105000"/>
@@ -24084,35 +24189,8 @@
           <p:cNvPicPr preferRelativeResize="0"/>
           <p:nvPr/>
         </p:nvPicPr>
-        <p:blipFill rotWithShape="1">
+        <p:blipFill>
           <a:blip r:embed="rId3">
-            <a:alphaModFix/>
-          </a:blip>
-          <a:srcRect b="0" l="41873" r="0" t="0"/>
-          <a:stretch/>
-        </p:blipFill>
-        <p:spPr>
-          <a:xfrm>
-            <a:off x="4962000" y="2257175"/>
-            <a:ext cx="3407700" cy="2553025"/>
-          </a:xfrm>
-          <a:prstGeom prst="rect">
-            <a:avLst/>
-          </a:prstGeom>
-          <a:noFill/>
-          <a:ln>
-            <a:noFill/>
-          </a:ln>
-        </p:spPr>
-      </p:pic>
-      <p:pic>
-        <p:nvPicPr>
-          <p:cNvPr id="145" name="Google Shape;145;p20"/>
-          <p:cNvPicPr preferRelativeResize="0"/>
-          <p:nvPr/>
-        </p:nvPicPr>
-        <p:blipFill>
-          <a:blip r:embed="rId4">
             <a:alphaModFix/>
           </a:blip>
           <a:stretch>
@@ -24121,8 +24199,8 @@
         </p:blipFill>
         <p:spPr>
           <a:xfrm>
-            <a:off x="6068224" y="1318662"/>
-            <a:ext cx="2081726" cy="760225"/>
+            <a:off x="5277400" y="1853850"/>
+            <a:ext cx="3529450" cy="2853251"/>
           </a:xfrm>
           <a:prstGeom prst="rect">
             <a:avLst/>
@@ -24146,7 +24224,7 @@
   <p:cSld>
     <p:spTree>
       <p:nvGrpSpPr>
-        <p:cNvPr id="149" name="Shape 149"/>
+        <p:cNvPr id="148" name="Shape 148"/>
         <p:cNvGrpSpPr/>
         <p:nvPr/>
       </p:nvGrpSpPr>
@@ -24160,7 +24238,7 @@
       </p:grpSpPr>
       <p:sp>
         <p:nvSpPr>
-          <p:cNvPr id="150" name="Google Shape;150;p21"/>
+          <p:cNvPr id="149" name="Google Shape;149;p21"/>
           <p:cNvSpPr txBox="1"/>
           <p:nvPr>
             <p:ph type="title"/>
@@ -24200,7 +24278,7 @@
       </p:sp>
       <p:sp>
         <p:nvSpPr>
-          <p:cNvPr id="151" name="Google Shape;151;p21"/>
+          <p:cNvPr id="150" name="Google Shape;150;p21"/>
           <p:cNvSpPr txBox="1"/>
           <p:nvPr>
             <p:ph idx="1" type="body"/>
@@ -24327,7 +24405,7 @@
       </p:sp>
       <p:sp>
         <p:nvSpPr>
-          <p:cNvPr id="152" name="Google Shape;152;p21"/>
+          <p:cNvPr id="151" name="Google Shape;151;p21"/>
           <p:cNvSpPr txBox="1"/>
           <p:nvPr>
             <p:ph idx="12" type="sldNum"/>
@@ -24374,6 +24452,285 @@
 </file>
 
 <file path=ppt/theme/theme1.xml><?xml version="1.0" encoding="utf-8"?>
+<a:theme xmlns:a="http://schemas.openxmlformats.org/drawingml/2006/main" xmlns:r="http://schemas.openxmlformats.org/officeDocument/2006/relationships">
+  <a:themeElements>
+    <a:clrScheme name="Default">
+      <a:dk1>
+        <a:srgbClr val="000000"/>
+      </a:dk1>
+      <a:lt1>
+        <a:srgbClr val="FFFFFF"/>
+      </a:lt1>
+      <a:dk2>
+        <a:srgbClr val="158158"/>
+      </a:dk2>
+      <a:lt2>
+        <a:srgbClr val="F3F3F3"/>
+      </a:lt2>
+      <a:accent1>
+        <a:srgbClr val="058DC7"/>
+      </a:accent1>
+      <a:accent2>
+        <a:srgbClr val="50B432"/>
+      </a:accent2>
+      <a:accent3>
+        <a:srgbClr val="ED561B"/>
+      </a:accent3>
+      <a:accent4>
+        <a:srgbClr val="EDEF00"/>
+      </a:accent4>
+      <a:accent5>
+        <a:srgbClr val="24CBE5"/>
+      </a:accent5>
+      <a:accent6>
+        <a:srgbClr val="64E572"/>
+      </a:accent6>
+      <a:hlink>
+        <a:srgbClr val="2200CC"/>
+      </a:hlink>
+      <a:folHlink>
+        <a:srgbClr val="551A8B"/>
+      </a:folHlink>
+    </a:clrScheme>
+    <a:fontScheme name="Office">
+      <a:majorFont>
+        <a:latin typeface="Arial"/>
+        <a:ea typeface=""/>
+        <a:cs typeface=""/>
+        <a:font script="Jpan" typeface="ＭＳ Ｐゴシック"/>
+        <a:font script="Hang" typeface="맑은 고딕"/>
+        <a:font script="Hans" typeface="宋体"/>
+        <a:font script="Hant" typeface="新細明體"/>
+        <a:font script="Arab" typeface="Times New Roman"/>
+        <a:font script="Hebr" typeface="Times New Roman"/>
+        <a:font script="Thai" typeface="Angsana New"/>
+        <a:font script="Ethi" typeface="Nyala"/>
+        <a:font script="Beng" typeface="Vrinda"/>
+        <a:font script="Gujr" typeface="Shruti"/>
+        <a:font script="Khmr" typeface="MoolBoran"/>
+        <a:font script="Knda" typeface="Tunga"/>
+        <a:font script="Guru" typeface="Raavi"/>
+        <a:font script="Cans" typeface="Euphemia"/>
+        <a:font script="Cher" typeface="Plantagenet Cherokee"/>
+        <a:font script="Yiii" typeface="Microsoft Yi Baiti"/>
+        <a:font script="Tibt" typeface="Microsoft Himalaya"/>
+        <a:font script="Thaa" typeface="MV Boli"/>
+        <a:font script="Deva" typeface="Mangal"/>
+        <a:font script="Telu" typeface="Gautami"/>
+        <a:font script="Taml" typeface="Latha"/>
+        <a:font script="Syrc" typeface="Estrangelo Edessa"/>
+        <a:font script="Orya" typeface="Kalinga"/>
+        <a:font script="Mlym" typeface="Kartika"/>
+        <a:font script="Laoo" typeface="DokChampa"/>
+        <a:font script="Sinh" typeface="Iskoola Pota"/>
+        <a:font script="Mong" typeface="Mongolian Baiti"/>
+        <a:font script="Viet" typeface="Times New Roman"/>
+        <a:font script="Uigh" typeface="Microsoft Uighur"/>
+        <a:font script="Geor" typeface="Sylfaen"/>
+      </a:majorFont>
+      <a:minorFont>
+        <a:latin typeface="Arial"/>
+        <a:ea typeface=""/>
+        <a:cs typeface=""/>
+        <a:font script="Jpan" typeface="ＭＳ Ｐゴシック"/>
+        <a:font script="Hang" typeface="맑은 고딕"/>
+        <a:font script="Hans" typeface="宋体"/>
+        <a:font script="Hant" typeface="新細明體"/>
+        <a:font script="Arab" typeface="Arial"/>
+        <a:font script="Hebr" typeface="Arial"/>
+        <a:font script="Thai" typeface="Cordia New"/>
+        <a:font script="Ethi" typeface="Nyala"/>
+        <a:font script="Beng" typeface="Vrinda"/>
+        <a:font script="Gujr" typeface="Shruti"/>
+        <a:font script="Khmr" typeface="DaunPenh"/>
+        <a:font script="Knda" typeface="Tunga"/>
+        <a:font script="Guru" typeface="Raavi"/>
+        <a:font script="Cans" typeface="Euphemia"/>
+        <a:font script="Cher" typeface="Plantagenet Cherokee"/>
+        <a:font script="Yiii" typeface="Microsoft Yi Baiti"/>
+        <a:font script="Tibt" typeface="Microsoft Himalaya"/>
+        <a:font script="Thaa" typeface="MV Boli"/>
+        <a:font script="Deva" typeface="Mangal"/>
+        <a:font script="Telu" typeface="Gautami"/>
+        <a:font script="Taml" typeface="Latha"/>
+        <a:font script="Syrc" typeface="Estrangelo Edessa"/>
+        <a:font script="Orya" typeface="Kalinga"/>
+        <a:font script="Mlym" typeface="Kartika"/>
+        <a:font script="Laoo" typeface="DokChampa"/>
+        <a:font script="Sinh" typeface="Iskoola Pota"/>
+        <a:font script="Mong" typeface="Mongolian Baiti"/>
+        <a:font script="Viet" typeface="Arial"/>
+        <a:font script="Uigh" typeface="Microsoft Uighur"/>
+        <a:font script="Geor" typeface="Sylfaen"/>
+      </a:minorFont>
+    </a:fontScheme>
+    <a:fmtScheme name="Office">
+      <a:fillStyleLst>
+        <a:solidFill>
+          <a:schemeClr val="phClr"/>
+        </a:solidFill>
+        <a:gradFill rotWithShape="1">
+          <a:gsLst>
+            <a:gs pos="0">
+              <a:schemeClr val="phClr">
+                <a:tint val="50000"/>
+                <a:satMod val="300000"/>
+              </a:schemeClr>
+            </a:gs>
+            <a:gs pos="35000">
+              <a:schemeClr val="phClr">
+                <a:tint val="37000"/>
+                <a:satMod val="300000"/>
+              </a:schemeClr>
+            </a:gs>
+            <a:gs pos="100000">
+              <a:schemeClr val="phClr">
+                <a:tint val="15000"/>
+                <a:satMod val="350000"/>
+              </a:schemeClr>
+            </a:gs>
+          </a:gsLst>
+          <a:lin ang="16200000" scaled="1"/>
+        </a:gradFill>
+        <a:gradFill rotWithShape="1">
+          <a:gsLst>
+            <a:gs pos="0">
+              <a:schemeClr val="phClr">
+                <a:tint val="100000"/>
+                <a:shade val="100000"/>
+                <a:satMod val="130000"/>
+              </a:schemeClr>
+            </a:gs>
+            <a:gs pos="100000">
+              <a:schemeClr val="phClr">
+                <a:tint val="50000"/>
+                <a:shade val="100000"/>
+                <a:satMod val="350000"/>
+              </a:schemeClr>
+            </a:gs>
+          </a:gsLst>
+          <a:lin ang="16200000" scaled="0"/>
+        </a:gradFill>
+      </a:fillStyleLst>
+      <a:lnStyleLst>
+        <a:ln w="9525" cap="flat" cmpd="sng" algn="ctr">
+          <a:solidFill>
+            <a:schemeClr val="phClr">
+              <a:shade val="95000"/>
+              <a:satMod val="105000"/>
+            </a:schemeClr>
+          </a:solidFill>
+          <a:prstDash val="solid"/>
+        </a:ln>
+        <a:ln w="25400" cap="flat" cmpd="sng" algn="ctr">
+          <a:solidFill>
+            <a:schemeClr val="phClr"/>
+          </a:solidFill>
+          <a:prstDash val="solid"/>
+        </a:ln>
+        <a:ln w="38100" cap="flat" cmpd="sng" algn="ctr">
+          <a:solidFill>
+            <a:schemeClr val="phClr"/>
+          </a:solidFill>
+          <a:prstDash val="solid"/>
+        </a:ln>
+      </a:lnStyleLst>
+      <a:effectStyleLst>
+        <a:effectStyle>
+          <a:effectLst>
+            <a:outerShdw blurRad="40000" dist="20000" dir="5400000" rotWithShape="0">
+              <a:srgbClr val="000000">
+                <a:alpha val="38000"/>
+              </a:srgbClr>
+            </a:outerShdw>
+          </a:effectLst>
+        </a:effectStyle>
+        <a:effectStyle>
+          <a:effectLst>
+            <a:outerShdw blurRad="40000" dist="23000" dir="5400000" rotWithShape="0">
+              <a:srgbClr val="000000">
+                <a:alpha val="35000"/>
+              </a:srgbClr>
+            </a:outerShdw>
+          </a:effectLst>
+        </a:effectStyle>
+        <a:effectStyle>
+          <a:effectLst>
+            <a:outerShdw blurRad="40000" dist="23000" dir="5400000" rotWithShape="0">
+              <a:srgbClr val="000000">
+                <a:alpha val="35000"/>
+              </a:srgbClr>
+            </a:outerShdw>
+          </a:effectLst>
+          <a:scene3d>
+            <a:camera prst="orthographicFront">
+              <a:rot lat="0" lon="0" rev="0"/>
+            </a:camera>
+            <a:lightRig rig="threePt" dir="t">
+              <a:rot lat="0" lon="0" rev="1200000"/>
+            </a:lightRig>
+          </a:scene3d>
+          <a:sp3d>
+            <a:bevelT w="63500" h="25400"/>
+          </a:sp3d>
+        </a:effectStyle>
+      </a:effectStyleLst>
+      <a:bgFillStyleLst>
+        <a:solidFill>
+          <a:schemeClr val="phClr"/>
+        </a:solidFill>
+        <a:gradFill rotWithShape="1">
+          <a:gsLst>
+            <a:gs pos="0">
+              <a:schemeClr val="phClr">
+                <a:tint val="40000"/>
+                <a:satMod val="350000"/>
+              </a:schemeClr>
+            </a:gs>
+            <a:gs pos="40000">
+              <a:schemeClr val="phClr">
+                <a:tint val="45000"/>
+                <a:shade val="99000"/>
+                <a:satMod val="350000"/>
+              </a:schemeClr>
+            </a:gs>
+            <a:gs pos="100000">
+              <a:schemeClr val="phClr">
+                <a:shade val="20000"/>
+                <a:satMod val="255000"/>
+              </a:schemeClr>
+            </a:gs>
+          </a:gsLst>
+          <a:path path="circle">
+            <a:fillToRect l="50000" t="-80000" r="50000" b="180000"/>
+          </a:path>
+        </a:gradFill>
+        <a:gradFill rotWithShape="1">
+          <a:gsLst>
+            <a:gs pos="0">
+              <a:schemeClr val="phClr">
+                <a:tint val="80000"/>
+                <a:satMod val="300000"/>
+              </a:schemeClr>
+            </a:gs>
+            <a:gs pos="100000">
+              <a:schemeClr val="phClr">
+                <a:shade val="30000"/>
+                <a:satMod val="200000"/>
+              </a:schemeClr>
+            </a:gs>
+          </a:gsLst>
+          <a:path path="circle">
+            <a:fillToRect l="50000" t="50000" r="50000" b="50000"/>
+          </a:path>
+        </a:gradFill>
+      </a:bgFillStyleLst>
+    </a:fmtScheme>
+  </a:themeElements>
+</a:theme>
+</file>
+
+<file path=ppt/theme/theme2.xml><?xml version="1.0" encoding="utf-8"?>
 <a:theme xmlns:a="http://schemas.openxmlformats.org/drawingml/2006/main" xmlns:r="http://schemas.openxmlformats.org/officeDocument/2006/relationships" name="Streamline">
   <a:themeElements>
     <a:clrScheme name="Streamline">
@@ -24650,283 +25007,4 @@
     </a:fmtScheme>
   </a:themeElements>
 </a:theme>
-</file>
-
-<file path=ppt/theme/theme2.xml><?xml version="1.0" encoding="utf-8"?>
-<a:theme xmlns:a="http://schemas.openxmlformats.org/drawingml/2006/main" xmlns:r="http://schemas.openxmlformats.org/officeDocument/2006/relationships">
-  <a:themeElements>
-    <a:clrScheme name="Default">
-      <a:dk1>
-        <a:srgbClr val="000000"/>
-      </a:dk1>
-      <a:lt1>
-        <a:srgbClr val="FFFFFF"/>
-      </a:lt1>
-      <a:dk2>
-        <a:srgbClr val="158158"/>
-      </a:dk2>
-      <a:lt2>
-        <a:srgbClr val="F3F3F3"/>
-      </a:lt2>
-      <a:accent1>
-        <a:srgbClr val="058DC7"/>
-      </a:accent1>
-      <a:accent2>
-        <a:srgbClr val="50B432"/>
-      </a:accent2>
-      <a:accent3>
-        <a:srgbClr val="ED561B"/>
-      </a:accent3>
-      <a:accent4>
-        <a:srgbClr val="EDEF00"/>
-      </a:accent4>
-      <a:accent5>
-        <a:srgbClr val="24CBE5"/>
-      </a:accent5>
-      <a:accent6>
-        <a:srgbClr val="64E572"/>
-      </a:accent6>
-      <a:hlink>
-        <a:srgbClr val="2200CC"/>
-      </a:hlink>
-      <a:folHlink>
-        <a:srgbClr val="551A8B"/>
-      </a:folHlink>
-    </a:clrScheme>
-    <a:fontScheme name="Office">
-      <a:majorFont>
-        <a:latin typeface="Arial"/>
-        <a:ea typeface=""/>
-        <a:cs typeface=""/>
-        <a:font script="Jpan" typeface="ＭＳ Ｐゴシック"/>
-        <a:font script="Hang" typeface="맑은 고딕"/>
-        <a:font script="Hans" typeface="宋体"/>
-        <a:font script="Hant" typeface="新細明體"/>
-        <a:font script="Arab" typeface="Times New Roman"/>
-        <a:font script="Hebr" typeface="Times New Roman"/>
-        <a:font script="Thai" typeface="Angsana New"/>
-        <a:font script="Ethi" typeface="Nyala"/>
-        <a:font script="Beng" typeface="Vrinda"/>
-        <a:font script="Gujr" typeface="Shruti"/>
-        <a:font script="Khmr" typeface="MoolBoran"/>
-        <a:font script="Knda" typeface="Tunga"/>
-        <a:font script="Guru" typeface="Raavi"/>
-        <a:font script="Cans" typeface="Euphemia"/>
-        <a:font script="Cher" typeface="Plantagenet Cherokee"/>
-        <a:font script="Yiii" typeface="Microsoft Yi Baiti"/>
-        <a:font script="Tibt" typeface="Microsoft Himalaya"/>
-        <a:font script="Thaa" typeface="MV Boli"/>
-        <a:font script="Deva" typeface="Mangal"/>
-        <a:font script="Telu" typeface="Gautami"/>
-        <a:font script="Taml" typeface="Latha"/>
-        <a:font script="Syrc" typeface="Estrangelo Edessa"/>
-        <a:font script="Orya" typeface="Kalinga"/>
-        <a:font script="Mlym" typeface="Kartika"/>
-        <a:font script="Laoo" typeface="DokChampa"/>
-        <a:font script="Sinh" typeface="Iskoola Pota"/>
-        <a:font script="Mong" typeface="Mongolian Baiti"/>
-        <a:font script="Viet" typeface="Times New Roman"/>
-        <a:font script="Uigh" typeface="Microsoft Uighur"/>
-        <a:font script="Geor" typeface="Sylfaen"/>
-      </a:majorFont>
-      <a:minorFont>
-        <a:latin typeface="Arial"/>
-        <a:ea typeface=""/>
-        <a:cs typeface=""/>
-        <a:font script="Jpan" typeface="ＭＳ Ｐゴシック"/>
-        <a:font script="Hang" typeface="맑은 고딕"/>
-        <a:font script="Hans" typeface="宋体"/>
-        <a:font script="Hant" typeface="新細明體"/>
-        <a:font script="Arab" typeface="Arial"/>
-        <a:font script="Hebr" typeface="Arial"/>
-        <a:font script="Thai" typeface="Cordia New"/>
-        <a:font script="Ethi" typeface="Nyala"/>
-        <a:font script="Beng" typeface="Vrinda"/>
-        <a:font script="Gujr" typeface="Shruti"/>
-        <a:font script="Khmr" typeface="DaunPenh"/>
-        <a:font script="Knda" typeface="Tunga"/>
-        <a:font script="Guru" typeface="Raavi"/>
-        <a:font script="Cans" typeface="Euphemia"/>
-        <a:font script="Cher" typeface="Plantagenet Cherokee"/>
-        <a:font script="Yiii" typeface="Microsoft Yi Baiti"/>
-        <a:font script="Tibt" typeface="Microsoft Himalaya"/>
-        <a:font script="Thaa" typeface="MV Boli"/>
-        <a:font script="Deva" typeface="Mangal"/>
-        <a:font script="Telu" typeface="Gautami"/>
-        <a:font script="Taml" typeface="Latha"/>
-        <a:font script="Syrc" typeface="Estrangelo Edessa"/>
-        <a:font script="Orya" typeface="Kalinga"/>
-        <a:font script="Mlym" typeface="Kartika"/>
-        <a:font script="Laoo" typeface="DokChampa"/>
-        <a:font script="Sinh" typeface="Iskoola Pota"/>
-        <a:font script="Mong" typeface="Mongolian Baiti"/>
-        <a:font script="Viet" typeface="Arial"/>
-        <a:font script="Uigh" typeface="Microsoft Uighur"/>
-        <a:font script="Geor" typeface="Sylfaen"/>
-      </a:minorFont>
-    </a:fontScheme>
-    <a:fmtScheme name="Office">
-      <a:fillStyleLst>
-        <a:solidFill>
-          <a:schemeClr val="phClr"/>
-        </a:solidFill>
-        <a:gradFill rotWithShape="1">
-          <a:gsLst>
-            <a:gs pos="0">
-              <a:schemeClr val="phClr">
-                <a:tint val="50000"/>
-                <a:satMod val="300000"/>
-              </a:schemeClr>
-            </a:gs>
-            <a:gs pos="35000">
-              <a:schemeClr val="phClr">
-                <a:tint val="37000"/>
-                <a:satMod val="300000"/>
-              </a:schemeClr>
-            </a:gs>
-            <a:gs pos="100000">
-              <a:schemeClr val="phClr">
-                <a:tint val="15000"/>
-                <a:satMod val="350000"/>
-              </a:schemeClr>
-            </a:gs>
-          </a:gsLst>
-          <a:lin ang="16200000" scaled="1"/>
-        </a:gradFill>
-        <a:gradFill rotWithShape="1">
-          <a:gsLst>
-            <a:gs pos="0">
-              <a:schemeClr val="phClr">
-                <a:tint val="100000"/>
-                <a:shade val="100000"/>
-                <a:satMod val="130000"/>
-              </a:schemeClr>
-            </a:gs>
-            <a:gs pos="100000">
-              <a:schemeClr val="phClr">
-                <a:tint val="50000"/>
-                <a:shade val="100000"/>
-                <a:satMod val="350000"/>
-              </a:schemeClr>
-            </a:gs>
-          </a:gsLst>
-          <a:lin ang="16200000" scaled="0"/>
-        </a:gradFill>
-      </a:fillStyleLst>
-      <a:lnStyleLst>
-        <a:ln w="9525" cap="flat" cmpd="sng" algn="ctr">
-          <a:solidFill>
-            <a:schemeClr val="phClr">
-              <a:shade val="95000"/>
-              <a:satMod val="105000"/>
-            </a:schemeClr>
-          </a:solidFill>
-          <a:prstDash val="solid"/>
-        </a:ln>
-        <a:ln w="25400" cap="flat" cmpd="sng" algn="ctr">
-          <a:solidFill>
-            <a:schemeClr val="phClr"/>
-          </a:solidFill>
-          <a:prstDash val="solid"/>
-        </a:ln>
-        <a:ln w="38100" cap="flat" cmpd="sng" algn="ctr">
-          <a:solidFill>
-            <a:schemeClr val="phClr"/>
-          </a:solidFill>
-          <a:prstDash val="solid"/>
-        </a:ln>
-      </a:lnStyleLst>
-      <a:effectStyleLst>
-        <a:effectStyle>
-          <a:effectLst>
-            <a:outerShdw blurRad="40000" dist="20000" dir="5400000" rotWithShape="0">
-              <a:srgbClr val="000000">
-                <a:alpha val="38000"/>
-              </a:srgbClr>
-            </a:outerShdw>
-          </a:effectLst>
-        </a:effectStyle>
-        <a:effectStyle>
-          <a:effectLst>
-            <a:outerShdw blurRad="40000" dist="23000" dir="5400000" rotWithShape="0">
-              <a:srgbClr val="000000">
-                <a:alpha val="35000"/>
-              </a:srgbClr>
-            </a:outerShdw>
-          </a:effectLst>
-        </a:effectStyle>
-        <a:effectStyle>
-          <a:effectLst>
-            <a:outerShdw blurRad="40000" dist="23000" dir="5400000" rotWithShape="0">
-              <a:srgbClr val="000000">
-                <a:alpha val="35000"/>
-              </a:srgbClr>
-            </a:outerShdw>
-          </a:effectLst>
-          <a:scene3d>
-            <a:camera prst="orthographicFront">
-              <a:rot lat="0" lon="0" rev="0"/>
-            </a:camera>
-            <a:lightRig rig="threePt" dir="t">
-              <a:rot lat="0" lon="0" rev="1200000"/>
-            </a:lightRig>
-          </a:scene3d>
-          <a:sp3d>
-            <a:bevelT w="63500" h="25400"/>
-          </a:sp3d>
-        </a:effectStyle>
-      </a:effectStyleLst>
-      <a:bgFillStyleLst>
-        <a:solidFill>
-          <a:schemeClr val="phClr"/>
-        </a:solidFill>
-        <a:gradFill rotWithShape="1">
-          <a:gsLst>
-            <a:gs pos="0">
-              <a:schemeClr val="phClr">
-                <a:tint val="40000"/>
-                <a:satMod val="350000"/>
-              </a:schemeClr>
-            </a:gs>
-            <a:gs pos="40000">
-              <a:schemeClr val="phClr">
-                <a:tint val="45000"/>
-                <a:shade val="99000"/>
-                <a:satMod val="350000"/>
-              </a:schemeClr>
-            </a:gs>
-            <a:gs pos="100000">
-              <a:schemeClr val="phClr">
-                <a:shade val="20000"/>
-                <a:satMod val="255000"/>
-              </a:schemeClr>
-            </a:gs>
-          </a:gsLst>
-          <a:path path="circle">
-            <a:fillToRect l="50000" t="-80000" r="50000" b="180000"/>
-          </a:path>
-        </a:gradFill>
-        <a:gradFill rotWithShape="1">
-          <a:gsLst>
-            <a:gs pos="0">
-              <a:schemeClr val="phClr">
-                <a:tint val="80000"/>
-                <a:satMod val="300000"/>
-              </a:schemeClr>
-            </a:gs>
-            <a:gs pos="100000">
-              <a:schemeClr val="phClr">
-                <a:shade val="30000"/>
-                <a:satMod val="200000"/>
-              </a:schemeClr>
-            </a:gs>
-          </a:gsLst>
-          <a:path path="circle">
-            <a:fillToRect l="50000" t="50000" r="50000" b="50000"/>
-          </a:path>
-        </a:gradFill>
-      </a:bgFillStyleLst>
-    </a:fmtScheme>
-  </a:themeElements>
-</a:theme>
 </file>
--- a/docs/presentation/Adriano Vega - Presentación TFM.pptx
+++ b/docs/presentation/Adriano Vega - Presentación TFM.pptx
@@ -824,6 +824,139 @@
           </a:bodyPr>
           <a:lstStyle/>
           <a:p>
+            <a:pPr indent="0" lvl="0" marL="0" rtl="0" algn="ctr">
+              <a:spcBef>
+                <a:spcPts val="0"/>
+              </a:spcBef>
+              <a:spcAft>
+                <a:spcPts val="0"/>
+              </a:spcAft>
+              <a:buNone/>
+            </a:pPr>
+            <a:r>
+              <a:rPr b="1" lang="es"/>
+              <a:t>CHECKLIST</a:t>
+            </a:r>
+            <a:endParaRPr b="1"/>
+          </a:p>
+          <a:p>
+            <a:pPr indent="-298450" lvl="0" marL="457200" rtl="0" algn="ctr">
+              <a:spcBef>
+                <a:spcPts val="0"/>
+              </a:spcBef>
+              <a:spcAft>
+                <a:spcPts val="0"/>
+              </a:spcAft>
+              <a:buSzPts val="1100"/>
+              <a:buAutoNum type="arabicPeriod"/>
+            </a:pPr>
+            <a:r>
+              <a:rPr b="1" lang="es"/>
+              <a:t>Panel de monitor</a:t>
+            </a:r>
+            <a:r>
+              <a:rPr b="1" lang="es"/>
+              <a:t>ización funcionando</a:t>
+            </a:r>
+            <a:endParaRPr b="1"/>
+          </a:p>
+          <a:p>
+            <a:pPr indent="-298450" lvl="0" marL="457200" rtl="0" algn="ctr">
+              <a:spcBef>
+                <a:spcPts val="0"/>
+              </a:spcBef>
+              <a:spcAft>
+                <a:spcPts val="0"/>
+              </a:spcAft>
+              <a:buSzPts val="1100"/>
+              <a:buAutoNum type="arabicPeriod"/>
+            </a:pPr>
+            <a:r>
+              <a:rPr b="1" lang="es"/>
+              <a:t>Móvil en Do Not Disturbios</a:t>
+            </a:r>
+            <a:endParaRPr b="1"/>
+          </a:p>
+          <a:p>
+            <a:pPr indent="-298450" lvl="0" marL="457200" rtl="0" algn="ctr">
+              <a:spcBef>
+                <a:spcPts val="0"/>
+              </a:spcBef>
+              <a:spcAft>
+                <a:spcPts val="0"/>
+              </a:spcAft>
+              <a:buSzPts val="1100"/>
+              <a:buAutoNum type="arabicPeriod"/>
+            </a:pPr>
+            <a:r>
+              <a:rPr b="1" lang="es"/>
+              <a:t>Remote controller</a:t>
+            </a:r>
+            <a:endParaRPr b="1"/>
+          </a:p>
+          <a:p>
+            <a:pPr indent="-298450" lvl="0" marL="457200" rtl="0" algn="ctr">
+              <a:spcBef>
+                <a:spcPts val="0"/>
+              </a:spcBef>
+              <a:spcAft>
+                <a:spcPts val="0"/>
+              </a:spcAft>
+              <a:buSzPts val="1100"/>
+              <a:buAutoNum type="arabicPeriod"/>
+            </a:pPr>
+            <a:r>
+              <a:rPr b="1" lang="es"/>
+              <a:t>Alarma pulsera</a:t>
+            </a:r>
+            <a:endParaRPr b="1"/>
+          </a:p>
+          <a:p>
+            <a:pPr indent="0" lvl="0" marL="0" rtl="0" algn="l">
+              <a:spcBef>
+                <a:spcPts val="0"/>
+              </a:spcBef>
+              <a:spcAft>
+                <a:spcPts val="0"/>
+              </a:spcAft>
+              <a:buNone/>
+            </a:pPr>
+            <a:r>
+              <a:t/>
+            </a:r>
+            <a:endParaRPr/>
+          </a:p>
+          <a:p>
+            <a:pPr indent="0" lvl="0" marL="0" rtl="0" algn="l">
+              <a:spcBef>
+                <a:spcPts val="0"/>
+              </a:spcBef>
+              <a:spcAft>
+                <a:spcPts val="0"/>
+              </a:spcAft>
+              <a:buNone/>
+            </a:pPr>
+            <a:r>
+              <a:t/>
+            </a:r>
+            <a:endParaRPr/>
+          </a:p>
+          <a:p>
+            <a:pPr indent="0" lvl="0" marL="0" rtl="0" algn="l">
+              <a:spcBef>
+                <a:spcPts val="0"/>
+              </a:spcBef>
+              <a:spcAft>
+                <a:spcPts val="0"/>
+              </a:spcAft>
+              <a:buNone/>
+            </a:pPr>
+            <a:r>
+              <a:t/>
+            </a:r>
+            <a:endParaRPr/>
+          </a:p>
+          <a:p>
             <a:pPr indent="0" lvl="0" marL="0" rtl="0" algn="l">
               <a:spcBef>
                 <a:spcPts val="0"/>
@@ -2287,7 +2420,15 @@
             </a:pPr>
             <a:r>
               <a:rPr lang="es"/>
-              <a:t>En paralelo al diseño, ibamos implementando los componentes de nuestro </a:t>
+              <a:t>En paralelo al diseño, </a:t>
+            </a:r>
+            <a:r>
+              <a:rPr lang="es"/>
+              <a:t>íbamos</a:t>
+            </a:r>
+            <a:r>
+              <a:rPr lang="es"/>
+              <a:t> implementando los componentes de nuestro </a:t>
             </a:r>
             <a:r>
               <a:rPr lang="es"/>
@@ -3430,7 +3571,89 @@
             </a:pPr>
             <a:r>
               <a:rPr lang="es"/>
-              <a:t>Este es el diagrama de la arquitectura que mostramos durante la demo.</a:t>
+              <a:t>A continuación presentamos un </a:t>
+            </a:r>
+            <a:r>
+              <a:rPr b="1" lang="es"/>
+              <a:t>diagrama de arquitectura inferido</a:t>
+            </a:r>
+            <a:r>
+              <a:rPr lang="es"/>
+              <a:t> por Jaeger, uno de los servicios de nuestra plataforma de observabilidad.</a:t>
+            </a:r>
+            <a:endParaRPr/>
+          </a:p>
+          <a:p>
+            <a:pPr indent="0" lvl="0" marL="0" rtl="0" algn="l">
+              <a:spcBef>
+                <a:spcPts val="0"/>
+              </a:spcBef>
+              <a:spcAft>
+                <a:spcPts val="0"/>
+              </a:spcAft>
+              <a:buNone/>
+            </a:pPr>
+            <a:r>
+              <a:t/>
+            </a:r>
+            <a:endParaRPr/>
+          </a:p>
+          <a:p>
+            <a:pPr indent="0" lvl="0" marL="0" rtl="0" algn="l">
+              <a:spcBef>
+                <a:spcPts val="0"/>
+              </a:spcBef>
+              <a:spcAft>
+                <a:spcPts val="0"/>
+              </a:spcAft>
+              <a:buNone/>
+            </a:pPr>
+            <a:r>
+              <a:rPr lang="es"/>
+              <a:t>Este </a:t>
+            </a:r>
+            <a:r>
+              <a:rPr b="1" lang="es"/>
+              <a:t>traza todas las peticiones</a:t>
+            </a:r>
+            <a:r>
+              <a:rPr lang="es"/>
+              <a:t> que hacen los servicios y es capaz de inferir toda nuestra arquitectura en base a ellas. Los componentes, la comunicación entre ellos, y demás</a:t>
+            </a:r>
+            <a:endParaRPr/>
+          </a:p>
+          <a:p>
+            <a:pPr indent="0" lvl="0" marL="0" rtl="0" algn="l">
+              <a:spcBef>
+                <a:spcPts val="0"/>
+              </a:spcBef>
+              <a:spcAft>
+                <a:spcPts val="0"/>
+              </a:spcAft>
+              <a:buNone/>
+            </a:pPr>
+            <a:r>
+              <a:t/>
+            </a:r>
+            <a:endParaRPr/>
+          </a:p>
+          <a:p>
+            <a:pPr indent="0" lvl="0" marL="0" rtl="0" algn="l">
+              <a:spcBef>
+                <a:spcPts val="0"/>
+              </a:spcBef>
+              <a:spcAft>
+                <a:spcPts val="0"/>
+              </a:spcAft>
+              <a:buNone/>
+            </a:pPr>
+            <a:r>
+              <a:rPr lang="es"/>
+              <a:t>Esto nos permitió ver que el </a:t>
+            </a:r>
+            <a:r>
+              <a:rPr lang="es"/>
+              <a:t>sistema estaba implementado acorde al diseño. Se respetan los componentes, las capas, etc. </a:t>
             </a:r>
             <a:endParaRPr/>
           </a:p>
@@ -24452,6 +24675,285 @@
 </file>
 
 <file path=ppt/theme/theme1.xml><?xml version="1.0" encoding="utf-8"?>
+<a:theme xmlns:a="http://schemas.openxmlformats.org/drawingml/2006/main" xmlns:r="http://schemas.openxmlformats.org/officeDocument/2006/relationships" name="Streamline">
+  <a:themeElements>
+    <a:clrScheme name="Streamline">
+      <a:dk1>
+        <a:srgbClr val="1A9988"/>
+      </a:dk1>
+      <a:lt1>
+        <a:srgbClr val="FFFFFF"/>
+      </a:lt1>
+      <a:dk2>
+        <a:srgbClr val="1A1A1A"/>
+      </a:dk2>
+      <a:lt2>
+        <a:srgbClr val="E9EDEE"/>
+      </a:lt2>
+      <a:accent1>
+        <a:srgbClr val="595959"/>
+      </a:accent1>
+      <a:accent2>
+        <a:srgbClr val="6AA4C8"/>
+      </a:accent2>
+      <a:accent3>
+        <a:srgbClr val="EB5600"/>
+      </a:accent3>
+      <a:accent4>
+        <a:srgbClr val="A2FFE8"/>
+      </a:accent4>
+      <a:accent5>
+        <a:srgbClr val="1C3678"/>
+      </a:accent5>
+      <a:accent6>
+        <a:srgbClr val="FFB8A2"/>
+      </a:accent6>
+      <a:hlink>
+        <a:srgbClr val="1C3678"/>
+      </a:hlink>
+      <a:folHlink>
+        <a:srgbClr val="1C3678"/>
+      </a:folHlink>
+    </a:clrScheme>
+    <a:fontScheme name="Office">
+      <a:majorFont>
+        <a:latin typeface="Arial"/>
+        <a:ea typeface=""/>
+        <a:cs typeface=""/>
+        <a:font script="Jpan" typeface="ＭＳ Ｐゴシック"/>
+        <a:font script="Hang" typeface="맑은 고딕"/>
+        <a:font script="Hans" typeface="宋体"/>
+        <a:font script="Hant" typeface="新細明體"/>
+        <a:font script="Arab" typeface="Times New Roman"/>
+        <a:font script="Hebr" typeface="Times New Roman"/>
+        <a:font script="Thai" typeface="Angsana New"/>
+        <a:font script="Ethi" typeface="Nyala"/>
+        <a:font script="Beng" typeface="Vrinda"/>
+        <a:font script="Gujr" typeface="Shruti"/>
+        <a:font script="Khmr" typeface="MoolBoran"/>
+        <a:font script="Knda" typeface="Tunga"/>
+        <a:font script="Guru" typeface="Raavi"/>
+        <a:font script="Cans" typeface="Euphemia"/>
+        <a:font script="Cher" typeface="Plantagenet Cherokee"/>
+        <a:font script="Yiii" typeface="Microsoft Yi Baiti"/>
+        <a:font script="Tibt" typeface="Microsoft Himalaya"/>
+        <a:font script="Thaa" typeface="MV Boli"/>
+        <a:font script="Deva" typeface="Mangal"/>
+        <a:font script="Telu" typeface="Gautami"/>
+        <a:font script="Taml" typeface="Latha"/>
+        <a:font script="Syrc" typeface="Estrangelo Edessa"/>
+        <a:font script="Orya" typeface="Kalinga"/>
+        <a:font script="Mlym" typeface="Kartika"/>
+        <a:font script="Laoo" typeface="DokChampa"/>
+        <a:font script="Sinh" typeface="Iskoola Pota"/>
+        <a:font script="Mong" typeface="Mongolian Baiti"/>
+        <a:font script="Viet" typeface="Times New Roman"/>
+        <a:font script="Uigh" typeface="Microsoft Uighur"/>
+        <a:font script="Geor" typeface="Sylfaen"/>
+      </a:majorFont>
+      <a:minorFont>
+        <a:latin typeface="Arial"/>
+        <a:ea typeface=""/>
+        <a:cs typeface=""/>
+        <a:font script="Jpan" typeface="ＭＳ Ｐゴシック"/>
+        <a:font script="Hang" typeface="맑은 고딕"/>
+        <a:font script="Hans" typeface="宋体"/>
+        <a:font script="Hant" typeface="新細明體"/>
+        <a:font script="Arab" typeface="Arial"/>
+        <a:font script="Hebr" typeface="Arial"/>
+        <a:font script="Thai" typeface="Cordia New"/>
+        <a:font script="Ethi" typeface="Nyala"/>
+        <a:font script="Beng" typeface="Vrinda"/>
+        <a:font script="Gujr" typeface="Shruti"/>
+        <a:font script="Khmr" typeface="DaunPenh"/>
+        <a:font script="Knda" typeface="Tunga"/>
+        <a:font script="Guru" typeface="Raavi"/>
+        <a:font script="Cans" typeface="Euphemia"/>
+        <a:font script="Cher" typeface="Plantagenet Cherokee"/>
+        <a:font script="Yiii" typeface="Microsoft Yi Baiti"/>
+        <a:font script="Tibt" typeface="Microsoft Himalaya"/>
+        <a:font script="Thaa" typeface="MV Boli"/>
+        <a:font script="Deva" typeface="Mangal"/>
+        <a:font script="Telu" typeface="Gautami"/>
+        <a:font script="Taml" typeface="Latha"/>
+        <a:font script="Syrc" typeface="Estrangelo Edessa"/>
+        <a:font script="Orya" typeface="Kalinga"/>
+        <a:font script="Mlym" typeface="Kartika"/>
+        <a:font script="Laoo" typeface="DokChampa"/>
+        <a:font script="Sinh" typeface="Iskoola Pota"/>
+        <a:font script="Mong" typeface="Mongolian Baiti"/>
+        <a:font script="Viet" typeface="Arial"/>
+        <a:font script="Uigh" typeface="Microsoft Uighur"/>
+        <a:font script="Geor" typeface="Sylfaen"/>
+      </a:minorFont>
+    </a:fontScheme>
+    <a:fmtScheme name="Office">
+      <a:fillStyleLst>
+        <a:solidFill>
+          <a:schemeClr val="phClr"/>
+        </a:solidFill>
+        <a:gradFill rotWithShape="1">
+          <a:gsLst>
+            <a:gs pos="0">
+              <a:schemeClr val="phClr">
+                <a:tint val="50000"/>
+                <a:satMod val="300000"/>
+              </a:schemeClr>
+            </a:gs>
+            <a:gs pos="35000">
+              <a:schemeClr val="phClr">
+                <a:tint val="37000"/>
+                <a:satMod val="300000"/>
+              </a:schemeClr>
+            </a:gs>
+            <a:gs pos="100000">
+              <a:schemeClr val="phClr">
+                <a:tint val="15000"/>
+                <a:satMod val="350000"/>
+              </a:schemeClr>
+            </a:gs>
+          </a:gsLst>
+          <a:lin ang="16200000" scaled="1"/>
+        </a:gradFill>
+        <a:gradFill rotWithShape="1">
+          <a:gsLst>
+            <a:gs pos="0">
+              <a:schemeClr val="phClr">
+                <a:tint val="100000"/>
+                <a:shade val="100000"/>
+                <a:satMod val="130000"/>
+              </a:schemeClr>
+            </a:gs>
+            <a:gs pos="100000">
+              <a:schemeClr val="phClr">
+                <a:tint val="50000"/>
+                <a:shade val="100000"/>
+                <a:satMod val="350000"/>
+              </a:schemeClr>
+            </a:gs>
+          </a:gsLst>
+          <a:lin ang="16200000" scaled="0"/>
+        </a:gradFill>
+      </a:fillStyleLst>
+      <a:lnStyleLst>
+        <a:ln w="9525" cap="flat" cmpd="sng" algn="ctr">
+          <a:solidFill>
+            <a:schemeClr val="phClr">
+              <a:shade val="95000"/>
+              <a:satMod val="105000"/>
+            </a:schemeClr>
+          </a:solidFill>
+          <a:prstDash val="solid"/>
+        </a:ln>
+        <a:ln w="25400" cap="flat" cmpd="sng" algn="ctr">
+          <a:solidFill>
+            <a:schemeClr val="phClr"/>
+          </a:solidFill>
+          <a:prstDash val="solid"/>
+        </a:ln>
+        <a:ln w="38100" cap="flat" cmpd="sng" algn="ctr">
+          <a:solidFill>
+            <a:schemeClr val="phClr"/>
+          </a:solidFill>
+          <a:prstDash val="solid"/>
+        </a:ln>
+      </a:lnStyleLst>
+      <a:effectStyleLst>
+        <a:effectStyle>
+          <a:effectLst>
+            <a:outerShdw blurRad="40000" dist="20000" dir="5400000" rotWithShape="0">
+              <a:srgbClr val="000000">
+                <a:alpha val="38000"/>
+              </a:srgbClr>
+            </a:outerShdw>
+          </a:effectLst>
+        </a:effectStyle>
+        <a:effectStyle>
+          <a:effectLst>
+            <a:outerShdw blurRad="40000" dist="23000" dir="5400000" rotWithShape="0">
+              <a:srgbClr val="000000">
+                <a:alpha val="35000"/>
+              </a:srgbClr>
+            </a:outerShdw>
+          </a:effectLst>
+        </a:effectStyle>
+        <a:effectStyle>
+          <a:effectLst>
+            <a:outerShdw blurRad="40000" dist="23000" dir="5400000" rotWithShape="0">
+              <a:srgbClr val="000000">
+                <a:alpha val="35000"/>
+              </a:srgbClr>
+            </a:outerShdw>
+          </a:effectLst>
+          <a:scene3d>
+            <a:camera prst="orthographicFront">
+              <a:rot lat="0" lon="0" rev="0"/>
+            </a:camera>
+            <a:lightRig rig="threePt" dir="t">
+              <a:rot lat="0" lon="0" rev="1200000"/>
+            </a:lightRig>
+          </a:scene3d>
+          <a:sp3d>
+            <a:bevelT w="63500" h="25400"/>
+          </a:sp3d>
+        </a:effectStyle>
+      </a:effectStyleLst>
+      <a:bgFillStyleLst>
+        <a:solidFill>
+          <a:schemeClr val="phClr"/>
+        </a:solidFill>
+        <a:gradFill rotWithShape="1">
+          <a:gsLst>
+            <a:gs pos="0">
+              <a:schemeClr val="phClr">
+                <a:tint val="40000"/>
+                <a:satMod val="350000"/>
+              </a:schemeClr>
+            </a:gs>
+            <a:gs pos="40000">
+              <a:schemeClr val="phClr">
+                <a:tint val="45000"/>
+                <a:shade val="99000"/>
+                <a:satMod val="350000"/>
+              </a:schemeClr>
+            </a:gs>
+            <a:gs pos="100000">
+              <a:schemeClr val="phClr">
+                <a:shade val="20000"/>
+                <a:satMod val="255000"/>
+              </a:schemeClr>
+            </a:gs>
+          </a:gsLst>
+          <a:path path="circle">
+            <a:fillToRect l="50000" t="-80000" r="50000" b="180000"/>
+          </a:path>
+        </a:gradFill>
+        <a:gradFill rotWithShape="1">
+          <a:gsLst>
+            <a:gs pos="0">
+              <a:schemeClr val="phClr">
+                <a:tint val="80000"/>
+                <a:satMod val="300000"/>
+              </a:schemeClr>
+            </a:gs>
+            <a:gs pos="100000">
+              <a:schemeClr val="phClr">
+                <a:shade val="30000"/>
+                <a:satMod val="200000"/>
+              </a:schemeClr>
+            </a:gs>
+          </a:gsLst>
+          <a:path path="circle">
+            <a:fillToRect l="50000" t="50000" r="50000" b="50000"/>
+          </a:path>
+        </a:gradFill>
+      </a:bgFillStyleLst>
+    </a:fmtScheme>
+  </a:themeElements>
+</a:theme>
+</file>
+
+<file path=ppt/theme/theme2.xml><?xml version="1.0" encoding="utf-8"?>
 <a:theme xmlns:a="http://schemas.openxmlformats.org/drawingml/2006/main" xmlns:r="http://schemas.openxmlformats.org/officeDocument/2006/relationships">
   <a:themeElements>
     <a:clrScheme name="Default">
@@ -24728,283 +25230,4 @@
     </a:fmtScheme>
   </a:themeElements>
 </a:theme>
-</file>
-
-<file path=ppt/theme/theme2.xml><?xml version="1.0" encoding="utf-8"?>
-<a:theme xmlns:a="http://schemas.openxmlformats.org/drawingml/2006/main" xmlns:r="http://schemas.openxmlformats.org/officeDocument/2006/relationships" name="Streamline">
-  <a:themeElements>
-    <a:clrScheme name="Streamline">
-      <a:dk1>
-        <a:srgbClr val="1A9988"/>
-      </a:dk1>
-      <a:lt1>
-        <a:srgbClr val="FFFFFF"/>
-      </a:lt1>
-      <a:dk2>
-        <a:srgbClr val="1A1A1A"/>
-      </a:dk2>
-      <a:lt2>
-        <a:srgbClr val="E9EDEE"/>
-      </a:lt2>
-      <a:accent1>
-        <a:srgbClr val="595959"/>
-      </a:accent1>
-      <a:accent2>
-        <a:srgbClr val="6AA4C8"/>
-      </a:accent2>
-      <a:accent3>
-        <a:srgbClr val="EB5600"/>
-      </a:accent3>
-      <a:accent4>
-        <a:srgbClr val="A2FFE8"/>
-      </a:accent4>
-      <a:accent5>
-        <a:srgbClr val="1C3678"/>
-      </a:accent5>
-      <a:accent6>
-        <a:srgbClr val="FFB8A2"/>
-      </a:accent6>
-      <a:hlink>
-        <a:srgbClr val="1C3678"/>
-      </a:hlink>
-      <a:folHlink>
-        <a:srgbClr val="1C3678"/>
-      </a:folHlink>
-    </a:clrScheme>
-    <a:fontScheme name="Office">
-      <a:majorFont>
-        <a:latin typeface="Arial"/>
-        <a:ea typeface=""/>
-        <a:cs typeface=""/>
-        <a:font script="Jpan" typeface="ＭＳ Ｐゴシック"/>
-        <a:font script="Hang" typeface="맑은 고딕"/>
-        <a:font script="Hans" typeface="宋体"/>
-        <a:font script="Hant" typeface="新細明體"/>
-        <a:font script="Arab" typeface="Times New Roman"/>
-        <a:font script="Hebr" typeface="Times New Roman"/>
-        <a:font script="Thai" typeface="Angsana New"/>
-        <a:font script="Ethi" typeface="Nyala"/>
-        <a:font script="Beng" typeface="Vrinda"/>
-        <a:font script="Gujr" typeface="Shruti"/>
-        <a:font script="Khmr" typeface="MoolBoran"/>
-        <a:font script="Knda" typeface="Tunga"/>
-        <a:font script="Guru" typeface="Raavi"/>
-        <a:font script="Cans" typeface="Euphemia"/>
-        <a:font script="Cher" typeface="Plantagenet Cherokee"/>
-        <a:font script="Yiii" typeface="Microsoft Yi Baiti"/>
-        <a:font script="Tibt" typeface="Microsoft Himalaya"/>
-        <a:font script="Thaa" typeface="MV Boli"/>
-        <a:font script="Deva" typeface="Mangal"/>
-        <a:font script="Telu" typeface="Gautami"/>
-        <a:font script="Taml" typeface="Latha"/>
-        <a:font script="Syrc" typeface="Estrangelo Edessa"/>
-        <a:font script="Orya" typeface="Kalinga"/>
-        <a:font script="Mlym" typeface="Kartika"/>
-        <a:font script="Laoo" typeface="DokChampa"/>
-        <a:font script="Sinh" typeface="Iskoola Pota"/>
-        <a:font script="Mong" typeface="Mongolian Baiti"/>
-        <a:font script="Viet" typeface="Times New Roman"/>
-        <a:font script="Uigh" typeface="Microsoft Uighur"/>
-        <a:font script="Geor" typeface="Sylfaen"/>
-      </a:majorFont>
-      <a:minorFont>
-        <a:latin typeface="Arial"/>
-        <a:ea typeface=""/>
-        <a:cs typeface=""/>
-        <a:font script="Jpan" typeface="ＭＳ Ｐゴシック"/>
-        <a:font script="Hang" typeface="맑은 고딕"/>
-        <a:font script="Hans" typeface="宋体"/>
-        <a:font script="Hant" typeface="新細明體"/>
-        <a:font script="Arab" typeface="Arial"/>
-        <a:font script="Hebr" typeface="Arial"/>
-        <a:font script="Thai" typeface="Cordia New"/>
-        <a:font script="Ethi" typeface="Nyala"/>
-        <a:font script="Beng" typeface="Vrinda"/>
-        <a:font script="Gujr" typeface="Shruti"/>
-        <a:font script="Khmr" typeface="DaunPenh"/>
-        <a:font script="Knda" typeface="Tunga"/>
-        <a:font script="Guru" typeface="Raavi"/>
-        <a:font script="Cans" typeface="Euphemia"/>
-        <a:font script="Cher" typeface="Plantagenet Cherokee"/>
-        <a:font script="Yiii" typeface="Microsoft Yi Baiti"/>
-        <a:font script="Tibt" typeface="Microsoft Himalaya"/>
-        <a:font script="Thaa" typeface="MV Boli"/>
-        <a:font script="Deva" typeface="Mangal"/>
-        <a:font script="Telu" typeface="Gautami"/>
-        <a:font script="Taml" typeface="Latha"/>
-        <a:font script="Syrc" typeface="Estrangelo Edessa"/>
-        <a:font script="Orya" typeface="Kalinga"/>
-        <a:font script="Mlym" typeface="Kartika"/>
-        <a:font script="Laoo" typeface="DokChampa"/>
-        <a:font script="Sinh" typeface="Iskoola Pota"/>
-        <a:font script="Mong" typeface="Mongolian Baiti"/>
-        <a:font script="Viet" typeface="Arial"/>
-        <a:font script="Uigh" typeface="Microsoft Uighur"/>
-        <a:font script="Geor" typeface="Sylfaen"/>
-      </a:minorFont>
-    </a:fontScheme>
-    <a:fmtScheme name="Office">
-      <a:fillStyleLst>
-        <a:solidFill>
-          <a:schemeClr val="phClr"/>
-        </a:solidFill>
-        <a:gradFill rotWithShape="1">
-          <a:gsLst>
-            <a:gs pos="0">
-              <a:schemeClr val="phClr">
-                <a:tint val="50000"/>
-                <a:satMod val="300000"/>
-              </a:schemeClr>
-            </a:gs>
-            <a:gs pos="35000">
-              <a:schemeClr val="phClr">
-                <a:tint val="37000"/>
-                <a:satMod val="300000"/>
-              </a:schemeClr>
-            </a:gs>
-            <a:gs pos="100000">
-              <a:schemeClr val="phClr">
-                <a:tint val="15000"/>
-                <a:satMod val="350000"/>
-              </a:schemeClr>
-            </a:gs>
-          </a:gsLst>
-          <a:lin ang="16200000" scaled="1"/>
-        </a:gradFill>
-        <a:gradFill rotWithShape="1">
-          <a:gsLst>
-            <a:gs pos="0">
-              <a:schemeClr val="phClr">
-                <a:tint val="100000"/>
-                <a:shade val="100000"/>
-                <a:satMod val="130000"/>
-              </a:schemeClr>
-            </a:gs>
-            <a:gs pos="100000">
-              <a:schemeClr val="phClr">
-                <a:tint val="50000"/>
-                <a:shade val="100000"/>
-                <a:satMod val="350000"/>
-              </a:schemeClr>
-            </a:gs>
-          </a:gsLst>
-          <a:lin ang="16200000" scaled="0"/>
-        </a:gradFill>
-      </a:fillStyleLst>
-      <a:lnStyleLst>
-        <a:ln w="9525" cap="flat" cmpd="sng" algn="ctr">
-          <a:solidFill>
-            <a:schemeClr val="phClr">
-              <a:shade val="95000"/>
-              <a:satMod val="105000"/>
-            </a:schemeClr>
-          </a:solidFill>
-          <a:prstDash val="solid"/>
-        </a:ln>
-        <a:ln w="25400" cap="flat" cmpd="sng" algn="ctr">
-          <a:solidFill>
-            <a:schemeClr val="phClr"/>
-          </a:solidFill>
-          <a:prstDash val="solid"/>
-        </a:ln>
-        <a:ln w="38100" cap="flat" cmpd="sng" algn="ctr">
-          <a:solidFill>
-            <a:schemeClr val="phClr"/>
-          </a:solidFill>
-          <a:prstDash val="solid"/>
-        </a:ln>
-      </a:lnStyleLst>
-      <a:effectStyleLst>
-        <a:effectStyle>
-          <a:effectLst>
-            <a:outerShdw blurRad="40000" dist="20000" dir="5400000" rotWithShape="0">
-              <a:srgbClr val="000000">
-                <a:alpha val="38000"/>
-              </a:srgbClr>
-            </a:outerShdw>
-          </a:effectLst>
-        </a:effectStyle>
-        <a:effectStyle>
-          <a:effectLst>
-            <a:outerShdw blurRad="40000" dist="23000" dir="5400000" rotWithShape="0">
-              <a:srgbClr val="000000">
-                <a:alpha val="35000"/>
-              </a:srgbClr>
-            </a:outerShdw>
-          </a:effectLst>
-        </a:effectStyle>
-        <a:effectStyle>
-          <a:effectLst>
-            <a:outerShdw blurRad="40000" dist="23000" dir="5400000" rotWithShape="0">
-              <a:srgbClr val="000000">
-                <a:alpha val="35000"/>
-              </a:srgbClr>
-            </a:outerShdw>
-          </a:effectLst>
-          <a:scene3d>
-            <a:camera prst="orthographicFront">
-              <a:rot lat="0" lon="0" rev="0"/>
-            </a:camera>
-            <a:lightRig rig="threePt" dir="t">
-              <a:rot lat="0" lon="0" rev="1200000"/>
-            </a:lightRig>
-          </a:scene3d>
-          <a:sp3d>
-            <a:bevelT w="63500" h="25400"/>
-          </a:sp3d>
-        </a:effectStyle>
-      </a:effectStyleLst>
-      <a:bgFillStyleLst>
-        <a:solidFill>
-          <a:schemeClr val="phClr"/>
-        </a:solidFill>
-        <a:gradFill rotWithShape="1">
-          <a:gsLst>
-            <a:gs pos="0">
-              <a:schemeClr val="phClr">
-                <a:tint val="40000"/>
-                <a:satMod val="350000"/>
-              </a:schemeClr>
-            </a:gs>
-            <a:gs pos="40000">
-              <a:schemeClr val="phClr">
-                <a:tint val="45000"/>
-                <a:shade val="99000"/>
-                <a:satMod val="350000"/>
-              </a:schemeClr>
-            </a:gs>
-            <a:gs pos="100000">
-              <a:schemeClr val="phClr">
-                <a:shade val="20000"/>
-                <a:satMod val="255000"/>
-              </a:schemeClr>
-            </a:gs>
-          </a:gsLst>
-          <a:path path="circle">
-            <a:fillToRect l="50000" t="-80000" r="50000" b="180000"/>
-          </a:path>
-        </a:gradFill>
-        <a:gradFill rotWithShape="1">
-          <a:gsLst>
-            <a:gs pos="0">
-              <a:schemeClr val="phClr">
-                <a:tint val="80000"/>
-                <a:satMod val="300000"/>
-              </a:schemeClr>
-            </a:gs>
-            <a:gs pos="100000">
-              <a:schemeClr val="phClr">
-                <a:shade val="30000"/>
-                <a:satMod val="200000"/>
-              </a:schemeClr>
-            </a:gs>
-          </a:gsLst>
-          <a:path path="circle">
-            <a:fillToRect l="50000" t="50000" r="50000" b="50000"/>
-          </a:path>
-        </a:gradFill>
-      </a:bgFillStyleLst>
-    </a:fmtScheme>
-  </a:themeElements>
-</a:theme>
 </file>